--- a/PPT/Opening_상속.pptx
+++ b/PPT/Opening_상속.pptx
@@ -5,7 +5,7 @@
     <p:sldMasterId id="2147483648" r:id="rId1"/>
   </p:sldMasterIdLst>
   <p:notesMasterIdLst>
-    <p:notesMasterId r:id="rId12"/>
+    <p:notesMasterId r:id="rId13"/>
   </p:notesMasterIdLst>
   <p:sldIdLst>
     <p:sldId id="256" r:id="rId2"/>
@@ -13,11 +13,12 @@
     <p:sldId id="257" r:id="rId4"/>
     <p:sldId id="271" r:id="rId5"/>
     <p:sldId id="273" r:id="rId6"/>
-    <p:sldId id="272" r:id="rId7"/>
-    <p:sldId id="274" r:id="rId8"/>
-    <p:sldId id="276" r:id="rId9"/>
-    <p:sldId id="275" r:id="rId10"/>
-    <p:sldId id="265" r:id="rId11"/>
+    <p:sldId id="277" r:id="rId7"/>
+    <p:sldId id="272" r:id="rId8"/>
+    <p:sldId id="274" r:id="rId9"/>
+    <p:sldId id="276" r:id="rId10"/>
+    <p:sldId id="275" r:id="rId11"/>
+    <p:sldId id="265" r:id="rId12"/>
   </p:sldIdLst>
   <p:sldSz cx="12192000" cy="6858000"/>
   <p:notesSz cx="6735763" cy="9799638"/>
@@ -209,7 +210,7 @@
           <a:p>
             <a:fld id="{36D26F9D-7086-4874-9FD7-F2A60CF0EB4E}" type="datetimeFigureOut">
               <a:rPr lang="ko-KR" altLang="en-US" smtClean="0"/>
-              <a:t>2016-01-05</a:t>
+              <a:t>2016-01-12</a:t>
             </a:fld>
             <a:endParaRPr lang="ko-KR" altLang="en-US"/>
           </a:p>
@@ -756,7 +757,7 @@
           <a:p>
             <a:fld id="{9A4482CB-6BA5-419A-B1BB-DF7478CCF951}" type="datetime1">
               <a:rPr lang="ko-KR" altLang="en-US" smtClean="0"/>
-              <a:t>2016-01-05</a:t>
+              <a:t>2016-01-12</a:t>
             </a:fld>
             <a:endParaRPr lang="ko-KR" altLang="en-US"/>
           </a:p>
@@ -938,7 +939,7 @@
           <a:p>
             <a:fld id="{A7469843-BD1A-47E7-A2BB-197220B173B6}" type="datetime1">
               <a:rPr lang="ko-KR" altLang="en-US" smtClean="0"/>
-              <a:t>2016-01-05</a:t>
+              <a:t>2016-01-12</a:t>
             </a:fld>
             <a:endParaRPr lang="ko-KR" altLang="en-US"/>
           </a:p>
@@ -1118,7 +1119,7 @@
           <a:p>
             <a:fld id="{018F1B78-3988-4143-A9BC-8F1C94A8D24C}" type="datetime1">
               <a:rPr lang="ko-KR" altLang="en-US" smtClean="0"/>
-              <a:t>2016-01-05</a:t>
+              <a:t>2016-01-12</a:t>
             </a:fld>
             <a:endParaRPr lang="ko-KR" altLang="en-US"/>
           </a:p>
@@ -1352,7 +1353,7 @@
           <a:p>
             <a:fld id="{D704027F-A5DF-4DB0-BB5E-282E903BA604}" type="datetime1">
               <a:rPr lang="ko-KR" altLang="en-US" smtClean="0"/>
-              <a:t>2016-01-05</a:t>
+              <a:t>2016-01-12</a:t>
             </a:fld>
             <a:endParaRPr lang="ko-KR" altLang="en-US"/>
           </a:p>
@@ -1645,7 +1646,7 @@
           <a:p>
             <a:fld id="{C90624F3-1261-4349-8FA1-CC02DAA35899}" type="datetime1">
               <a:rPr lang="ko-KR" altLang="en-US" smtClean="0"/>
-              <a:t>2016-01-05</a:t>
+              <a:t>2016-01-12</a:t>
             </a:fld>
             <a:endParaRPr lang="ko-KR" altLang="en-US"/>
           </a:p>
@@ -1884,7 +1885,7 @@
           <a:p>
             <a:fld id="{B069A13B-C207-49EC-8727-27D4E7FF7581}" type="datetime1">
               <a:rPr lang="ko-KR" altLang="en-US" smtClean="0"/>
-              <a:t>2016-01-05</a:t>
+              <a:t>2016-01-12</a:t>
             </a:fld>
             <a:endParaRPr lang="ko-KR" altLang="en-US"/>
           </a:p>
@@ -2258,7 +2259,7 @@
           <a:p>
             <a:fld id="{6CDF000B-DFB4-4B70-A1BE-3559BE293D3F}" type="datetime1">
               <a:rPr lang="ko-KR" altLang="en-US" smtClean="0"/>
-              <a:t>2016-01-05</a:t>
+              <a:t>2016-01-12</a:t>
             </a:fld>
             <a:endParaRPr lang="ko-KR" altLang="en-US"/>
           </a:p>
@@ -2383,7 +2384,7 @@
           <a:p>
             <a:fld id="{ED267016-71B0-4603-BBFE-956FA452E2D1}" type="datetime1">
               <a:rPr lang="ko-KR" altLang="en-US" smtClean="0"/>
-              <a:t>2016-01-05</a:t>
+              <a:t>2016-01-12</a:t>
             </a:fld>
             <a:endParaRPr lang="ko-KR" altLang="en-US"/>
           </a:p>
@@ -2485,7 +2486,7 @@
           <a:p>
             <a:fld id="{CAE436D1-BAF2-4110-B4EE-BC3791F6F456}" type="datetime1">
               <a:rPr lang="ko-KR" altLang="en-US" smtClean="0"/>
-              <a:t>2016-01-05</a:t>
+              <a:t>2016-01-12</a:t>
             </a:fld>
             <a:endParaRPr lang="ko-KR" altLang="en-US"/>
           </a:p>
@@ -2769,7 +2770,7 @@
           <a:p>
             <a:fld id="{068795F3-BF2C-4AFF-A57E-2608F9928445}" type="datetime1">
               <a:rPr lang="ko-KR" altLang="en-US" smtClean="0"/>
-              <a:t>2016-01-05</a:t>
+              <a:t>2016-01-12</a:t>
             </a:fld>
             <a:endParaRPr lang="ko-KR" altLang="en-US"/>
           </a:p>
@@ -3022,7 +3023,7 @@
           <a:p>
             <a:fld id="{56F99B02-6B5A-4015-8780-DA392778EA96}" type="datetime1">
               <a:rPr lang="ko-KR" altLang="en-US" smtClean="0"/>
-              <a:t>2016-01-05</a:t>
+              <a:t>2016-01-12</a:t>
             </a:fld>
             <a:endParaRPr lang="ko-KR" altLang="en-US"/>
           </a:p>
@@ -3238,7 +3239,7 @@
           <a:p>
             <a:fld id="{57B7B9C7-1586-4B1C-A218-E5F025B183C0}" type="datetime1">
               <a:rPr lang="ko-KR" altLang="en-US" smtClean="0"/>
-              <a:t>2016-01-05</a:t>
+              <a:t>2016-01-12</a:t>
             </a:fld>
             <a:endParaRPr lang="ko-KR" altLang="en-US"/>
           </a:p>
@@ -3810,6 +3811,2141 @@
 <file path=ppt/slides/slide10.xml><?xml version="1.0" encoding="utf-8"?>
 <p:sld xmlns:a="http://schemas.openxmlformats.org/drawingml/2006/main" xmlns:r="http://schemas.openxmlformats.org/officeDocument/2006/relationships" xmlns:p="http://schemas.openxmlformats.org/presentationml/2006/main">
   <p:cSld>
+    <p:spTree>
+      <p:nvGrpSpPr>
+        <p:cNvPr id="1" name=""/>
+        <p:cNvGrpSpPr/>
+        <p:nvPr/>
+      </p:nvGrpSpPr>
+      <p:grpSpPr>
+        <a:xfrm>
+          <a:off x="0" y="0"/>
+          <a:ext cx="0" cy="0"/>
+          <a:chOff x="0" y="0"/>
+          <a:chExt cx="0" cy="0"/>
+        </a:xfrm>
+      </p:grpSpPr>
+      <p:sp>
+        <p:nvSpPr>
+          <p:cNvPr id="2" name="제목 1"/>
+          <p:cNvSpPr>
+            <a:spLocks noGrp="1"/>
+          </p:cNvSpPr>
+          <p:nvPr>
+            <p:ph type="title"/>
+          </p:nvPr>
+        </p:nvSpPr>
+        <p:spPr/>
+        <p:txBody>
+          <a:bodyPr/>
+          <a:lstStyle/>
+          <a:p>
+            <a:r>
+              <a:rPr lang="ko-KR" altLang="en-US" dirty="0" smtClean="0"/>
+              <a:t>다중상속</a:t>
+            </a:r>
+            <a:endParaRPr lang="ko-KR" altLang="en-US" dirty="0"/>
+          </a:p>
+        </p:txBody>
+      </p:sp>
+      <p:sp>
+        <p:nvSpPr>
+          <p:cNvPr id="3" name="내용 개체 틀 2"/>
+          <p:cNvSpPr>
+            <a:spLocks noGrp="1"/>
+          </p:cNvSpPr>
+          <p:nvPr>
+            <p:ph idx="1"/>
+          </p:nvPr>
+        </p:nvSpPr>
+        <p:spPr/>
+        <p:txBody>
+          <a:bodyPr/>
+          <a:lstStyle/>
+          <a:p>
+            <a:endParaRPr lang="ko-KR" altLang="en-US" dirty="0"/>
+          </a:p>
+        </p:txBody>
+      </p:sp>
+      <p:sp>
+        <p:nvSpPr>
+          <p:cNvPr id="4" name="슬라이드 번호 개체 틀 3"/>
+          <p:cNvSpPr>
+            <a:spLocks noGrp="1"/>
+          </p:cNvSpPr>
+          <p:nvPr>
+            <p:ph type="sldNum" sz="quarter" idx="12"/>
+          </p:nvPr>
+        </p:nvSpPr>
+        <p:spPr/>
+        <p:txBody>
+          <a:bodyPr/>
+          <a:lstStyle/>
+          <a:p>
+            <a:fld id="{FE150C24-AA4D-4CD8-91C7-5A50E7823163}" type="slidenum">
+              <a:rPr lang="ko-KR" altLang="en-US" smtClean="0"/>
+              <a:t>10</a:t>
+            </a:fld>
+            <a:endParaRPr lang="ko-KR" altLang="en-US"/>
+          </a:p>
+        </p:txBody>
+      </p:sp>
+      <p:sp>
+        <p:nvSpPr>
+          <p:cNvPr id="5" name="직사각형 4"/>
+          <p:cNvSpPr/>
+          <p:nvPr/>
+        </p:nvSpPr>
+        <p:spPr>
+          <a:xfrm>
+            <a:off x="838200" y="1479290"/>
+            <a:ext cx="5204381" cy="5128900"/>
+          </a:xfrm>
+          <a:prstGeom prst="rect">
+            <a:avLst/>
+          </a:prstGeom>
+          <a:solidFill>
+            <a:schemeClr val="bg1"/>
+          </a:solidFill>
+        </p:spPr>
+        <p:style>
+          <a:lnRef idx="2">
+            <a:schemeClr val="accent1">
+              <a:shade val="50000"/>
+            </a:schemeClr>
+          </a:lnRef>
+          <a:fillRef idx="1">
+            <a:schemeClr val="accent1"/>
+          </a:fillRef>
+          <a:effectRef idx="0">
+            <a:schemeClr val="accent1"/>
+          </a:effectRef>
+          <a:fontRef idx="minor">
+            <a:schemeClr val="lt1"/>
+          </a:fontRef>
+        </p:style>
+        <p:txBody>
+          <a:bodyPr lIns="180000" tIns="180000" rIns="180000" bIns="180000" rtlCol="0" anchor="t" anchorCtr="0"/>
+          <a:lstStyle/>
+          <a:p>
+            <a:r>
+              <a:rPr lang="en-US" altLang="ko-KR" sz="1200" dirty="0" smtClean="0">
+                <a:solidFill>
+                  <a:schemeClr val="tx1"/>
+                </a:solidFill>
+                <a:latin typeface="DejaVu Sans Mono" panose="020B0609030804020204" pitchFamily="49" charset="0"/>
+                <a:cs typeface="DejaVu Sans Mono" panose="020B0609030804020204" pitchFamily="49" charset="0"/>
+              </a:rPr>
+              <a:t>class </a:t>
+            </a:r>
+            <a:r>
+              <a:rPr lang="en-US" altLang="ko-KR" sz="1200" dirty="0">
+                <a:solidFill>
+                  <a:schemeClr val="tx1"/>
+                </a:solidFill>
+                <a:latin typeface="DejaVu Sans Mono" panose="020B0609030804020204" pitchFamily="49" charset="0"/>
+                <a:cs typeface="DejaVu Sans Mono" panose="020B0609030804020204" pitchFamily="49" charset="0"/>
+              </a:rPr>
+              <a:t>A</a:t>
+            </a:r>
+            <a:r>
+              <a:rPr lang="en-US" altLang="ko-KR" sz="1200" dirty="0" smtClean="0">
+                <a:solidFill>
+                  <a:schemeClr val="tx1"/>
+                </a:solidFill>
+                <a:latin typeface="DejaVu Sans Mono" panose="020B0609030804020204" pitchFamily="49" charset="0"/>
+                <a:cs typeface="DejaVu Sans Mono" panose="020B0609030804020204" pitchFamily="49" charset="0"/>
+              </a:rPr>
+              <a:t>:		#class A(object)</a:t>
+            </a:r>
+            <a:r>
+              <a:rPr lang="ko-KR" altLang="en-US" sz="1200" dirty="0" smtClean="0">
+                <a:solidFill>
+                  <a:schemeClr val="tx1"/>
+                </a:solidFill>
+                <a:latin typeface="DejaVu Sans Mono" panose="020B0609030804020204" pitchFamily="49" charset="0"/>
+                <a:cs typeface="DejaVu Sans Mono" panose="020B0609030804020204" pitchFamily="49" charset="0"/>
+              </a:rPr>
+              <a:t>도 가능</a:t>
+            </a:r>
+            <a:endParaRPr lang="en-US" altLang="ko-KR" sz="1200" dirty="0">
+              <a:solidFill>
+                <a:schemeClr val="tx1"/>
+              </a:solidFill>
+              <a:latin typeface="DejaVu Sans Mono" panose="020B0609030804020204" pitchFamily="49" charset="0"/>
+              <a:cs typeface="DejaVu Sans Mono" panose="020B0609030804020204" pitchFamily="49" charset="0"/>
+            </a:endParaRPr>
+          </a:p>
+          <a:p>
+            <a:r>
+              <a:rPr lang="en-US" altLang="ko-KR" sz="1200" dirty="0">
+                <a:solidFill>
+                  <a:schemeClr val="tx1"/>
+                </a:solidFill>
+                <a:latin typeface="DejaVu Sans Mono" panose="020B0609030804020204" pitchFamily="49" charset="0"/>
+                <a:cs typeface="DejaVu Sans Mono" panose="020B0609030804020204" pitchFamily="49" charset="0"/>
+              </a:rPr>
+              <a:t>    </a:t>
+            </a:r>
+            <a:r>
+              <a:rPr lang="en-US" altLang="ko-KR" sz="1200" dirty="0" err="1">
+                <a:solidFill>
+                  <a:schemeClr val="tx1"/>
+                </a:solidFill>
+                <a:latin typeface="DejaVu Sans Mono" panose="020B0609030804020204" pitchFamily="49" charset="0"/>
+                <a:cs typeface="DejaVu Sans Mono" panose="020B0609030804020204" pitchFamily="49" charset="0"/>
+              </a:rPr>
+              <a:t>def</a:t>
+            </a:r>
+            <a:r>
+              <a:rPr lang="en-US" altLang="ko-KR" sz="1200" dirty="0">
+                <a:solidFill>
+                  <a:schemeClr val="tx1"/>
+                </a:solidFill>
+                <a:latin typeface="DejaVu Sans Mono" panose="020B0609030804020204" pitchFamily="49" charset="0"/>
+                <a:cs typeface="DejaVu Sans Mono" panose="020B0609030804020204" pitchFamily="49" charset="0"/>
+              </a:rPr>
+              <a:t> __</a:t>
+            </a:r>
+            <a:r>
+              <a:rPr lang="en-US" altLang="ko-KR" sz="1200" dirty="0" err="1">
+                <a:solidFill>
+                  <a:schemeClr val="tx1"/>
+                </a:solidFill>
+                <a:latin typeface="DejaVu Sans Mono" panose="020B0609030804020204" pitchFamily="49" charset="0"/>
+                <a:cs typeface="DejaVu Sans Mono" panose="020B0609030804020204" pitchFamily="49" charset="0"/>
+              </a:rPr>
+              <a:t>init</a:t>
+            </a:r>
+            <a:r>
+              <a:rPr lang="en-US" altLang="ko-KR" sz="1200" dirty="0">
+                <a:solidFill>
+                  <a:schemeClr val="tx1"/>
+                </a:solidFill>
+                <a:latin typeface="DejaVu Sans Mono" panose="020B0609030804020204" pitchFamily="49" charset="0"/>
+                <a:cs typeface="DejaVu Sans Mono" panose="020B0609030804020204" pitchFamily="49" charset="0"/>
+              </a:rPr>
+              <a:t>__(self):</a:t>
+            </a:r>
+          </a:p>
+          <a:p>
+            <a:r>
+              <a:rPr lang="en-US" altLang="ko-KR" sz="1200" dirty="0">
+                <a:solidFill>
+                  <a:schemeClr val="tx1"/>
+                </a:solidFill>
+                <a:latin typeface="DejaVu Sans Mono" panose="020B0609030804020204" pitchFamily="49" charset="0"/>
+                <a:cs typeface="DejaVu Sans Mono" panose="020B0609030804020204" pitchFamily="49" charset="0"/>
+              </a:rPr>
+              <a:t>        print("A </a:t>
+            </a:r>
+            <a:r>
+              <a:rPr lang="ko-KR" altLang="en-US" sz="1200" dirty="0">
+                <a:solidFill>
+                  <a:schemeClr val="tx1"/>
+                </a:solidFill>
+                <a:latin typeface="DejaVu Sans Mono" panose="020B0609030804020204" pitchFamily="49" charset="0"/>
+                <a:cs typeface="DejaVu Sans Mono" panose="020B0609030804020204" pitchFamily="49" charset="0"/>
+              </a:rPr>
+              <a:t>클래스의 </a:t>
+            </a:r>
+            <a:r>
+              <a:rPr lang="ko-KR" altLang="en-US" sz="1200" dirty="0" err="1">
+                <a:solidFill>
+                  <a:schemeClr val="tx1"/>
+                </a:solidFill>
+                <a:latin typeface="DejaVu Sans Mono" panose="020B0609030804020204" pitchFamily="49" charset="0"/>
+                <a:cs typeface="DejaVu Sans Mono" panose="020B0609030804020204" pitchFamily="49" charset="0"/>
+              </a:rPr>
+              <a:t>생성자</a:t>
+            </a:r>
+            <a:r>
+              <a:rPr lang="ko-KR" altLang="en-US" sz="1200" dirty="0">
+                <a:solidFill>
+                  <a:schemeClr val="tx1"/>
+                </a:solidFill>
+                <a:latin typeface="DejaVu Sans Mono" panose="020B0609030804020204" pitchFamily="49" charset="0"/>
+                <a:cs typeface="DejaVu Sans Mono" panose="020B0609030804020204" pitchFamily="49" charset="0"/>
+              </a:rPr>
+              <a:t> 호출</a:t>
+            </a:r>
+            <a:r>
+              <a:rPr lang="en-US" altLang="ko-KR" sz="1200" dirty="0">
+                <a:solidFill>
+                  <a:schemeClr val="tx1"/>
+                </a:solidFill>
+                <a:latin typeface="DejaVu Sans Mono" panose="020B0609030804020204" pitchFamily="49" charset="0"/>
+                <a:cs typeface="DejaVu Sans Mono" panose="020B0609030804020204" pitchFamily="49" charset="0"/>
+              </a:rPr>
+              <a:t>!")</a:t>
+            </a:r>
+          </a:p>
+          <a:p>
+            <a:r>
+              <a:rPr lang="en-US" altLang="ko-KR" sz="1200" dirty="0">
+                <a:solidFill>
+                  <a:schemeClr val="tx1"/>
+                </a:solidFill>
+                <a:latin typeface="DejaVu Sans Mono" panose="020B0609030804020204" pitchFamily="49" charset="0"/>
+                <a:cs typeface="DejaVu Sans Mono" panose="020B0609030804020204" pitchFamily="49" charset="0"/>
+              </a:rPr>
+              <a:t>         </a:t>
+            </a:r>
+          </a:p>
+          <a:p>
+            <a:r>
+              <a:rPr lang="en-US" altLang="ko-KR" sz="1200" dirty="0" smtClean="0">
+                <a:solidFill>
+                  <a:schemeClr val="tx1"/>
+                </a:solidFill>
+                <a:latin typeface="DejaVu Sans Mono" panose="020B0609030804020204" pitchFamily="49" charset="0"/>
+                <a:cs typeface="DejaVu Sans Mono" panose="020B0609030804020204" pitchFamily="49" charset="0"/>
+              </a:rPr>
+              <a:t>class </a:t>
+            </a:r>
+            <a:r>
+              <a:rPr lang="en-US" altLang="ko-KR" sz="1200" dirty="0">
+                <a:solidFill>
+                  <a:schemeClr val="tx1"/>
+                </a:solidFill>
+                <a:latin typeface="DejaVu Sans Mono" panose="020B0609030804020204" pitchFamily="49" charset="0"/>
+                <a:cs typeface="DejaVu Sans Mono" panose="020B0609030804020204" pitchFamily="49" charset="0"/>
+              </a:rPr>
+              <a:t>B(A):</a:t>
+            </a:r>
+          </a:p>
+          <a:p>
+            <a:r>
+              <a:rPr lang="en-US" altLang="ko-KR" sz="1200" dirty="0">
+                <a:solidFill>
+                  <a:schemeClr val="tx1"/>
+                </a:solidFill>
+                <a:latin typeface="DejaVu Sans Mono" panose="020B0609030804020204" pitchFamily="49" charset="0"/>
+                <a:cs typeface="DejaVu Sans Mono" panose="020B0609030804020204" pitchFamily="49" charset="0"/>
+              </a:rPr>
+              <a:t>    </a:t>
+            </a:r>
+            <a:r>
+              <a:rPr lang="en-US" altLang="ko-KR" sz="1200" dirty="0" err="1">
+                <a:solidFill>
+                  <a:schemeClr val="tx1"/>
+                </a:solidFill>
+                <a:latin typeface="DejaVu Sans Mono" panose="020B0609030804020204" pitchFamily="49" charset="0"/>
+                <a:cs typeface="DejaVu Sans Mono" panose="020B0609030804020204" pitchFamily="49" charset="0"/>
+              </a:rPr>
+              <a:t>def</a:t>
+            </a:r>
+            <a:r>
+              <a:rPr lang="en-US" altLang="ko-KR" sz="1200" dirty="0">
+                <a:solidFill>
+                  <a:schemeClr val="tx1"/>
+                </a:solidFill>
+                <a:latin typeface="DejaVu Sans Mono" panose="020B0609030804020204" pitchFamily="49" charset="0"/>
+                <a:cs typeface="DejaVu Sans Mono" panose="020B0609030804020204" pitchFamily="49" charset="0"/>
+              </a:rPr>
+              <a:t> __</a:t>
+            </a:r>
+            <a:r>
+              <a:rPr lang="en-US" altLang="ko-KR" sz="1200" dirty="0" err="1">
+                <a:solidFill>
+                  <a:schemeClr val="tx1"/>
+                </a:solidFill>
+                <a:latin typeface="DejaVu Sans Mono" panose="020B0609030804020204" pitchFamily="49" charset="0"/>
+                <a:cs typeface="DejaVu Sans Mono" panose="020B0609030804020204" pitchFamily="49" charset="0"/>
+              </a:rPr>
+              <a:t>init</a:t>
+            </a:r>
+            <a:r>
+              <a:rPr lang="en-US" altLang="ko-KR" sz="1200" dirty="0">
+                <a:solidFill>
+                  <a:schemeClr val="tx1"/>
+                </a:solidFill>
+                <a:latin typeface="DejaVu Sans Mono" panose="020B0609030804020204" pitchFamily="49" charset="0"/>
+                <a:cs typeface="DejaVu Sans Mono" panose="020B0609030804020204" pitchFamily="49" charset="0"/>
+              </a:rPr>
+              <a:t>__(self):</a:t>
+            </a:r>
+          </a:p>
+          <a:p>
+            <a:r>
+              <a:rPr lang="en-US" altLang="ko-KR" sz="1200" dirty="0">
+                <a:solidFill>
+                  <a:schemeClr val="tx1"/>
+                </a:solidFill>
+                <a:latin typeface="DejaVu Sans Mono" panose="020B0609030804020204" pitchFamily="49" charset="0"/>
+                <a:cs typeface="DejaVu Sans Mono" panose="020B0609030804020204" pitchFamily="49" charset="0"/>
+              </a:rPr>
+              <a:t>        A.__</a:t>
+            </a:r>
+            <a:r>
+              <a:rPr lang="en-US" altLang="ko-KR" sz="1200" dirty="0" err="1">
+                <a:solidFill>
+                  <a:schemeClr val="tx1"/>
+                </a:solidFill>
+                <a:latin typeface="DejaVu Sans Mono" panose="020B0609030804020204" pitchFamily="49" charset="0"/>
+                <a:cs typeface="DejaVu Sans Mono" panose="020B0609030804020204" pitchFamily="49" charset="0"/>
+              </a:rPr>
+              <a:t>init</a:t>
+            </a:r>
+            <a:r>
+              <a:rPr lang="en-US" altLang="ko-KR" sz="1200" dirty="0">
+                <a:solidFill>
+                  <a:schemeClr val="tx1"/>
+                </a:solidFill>
+                <a:latin typeface="DejaVu Sans Mono" panose="020B0609030804020204" pitchFamily="49" charset="0"/>
+                <a:cs typeface="DejaVu Sans Mono" panose="020B0609030804020204" pitchFamily="49" charset="0"/>
+              </a:rPr>
+              <a:t>__(self)</a:t>
+            </a:r>
+          </a:p>
+          <a:p>
+            <a:r>
+              <a:rPr lang="en-US" altLang="ko-KR" sz="1200" dirty="0">
+                <a:solidFill>
+                  <a:schemeClr val="tx1"/>
+                </a:solidFill>
+                <a:latin typeface="DejaVu Sans Mono" panose="020B0609030804020204" pitchFamily="49" charset="0"/>
+                <a:cs typeface="DejaVu Sans Mono" panose="020B0609030804020204" pitchFamily="49" charset="0"/>
+              </a:rPr>
+              <a:t>        print("B </a:t>
+            </a:r>
+            <a:r>
+              <a:rPr lang="ko-KR" altLang="en-US" sz="1200" dirty="0">
+                <a:solidFill>
+                  <a:schemeClr val="tx1"/>
+                </a:solidFill>
+                <a:latin typeface="DejaVu Sans Mono" panose="020B0609030804020204" pitchFamily="49" charset="0"/>
+                <a:cs typeface="DejaVu Sans Mono" panose="020B0609030804020204" pitchFamily="49" charset="0"/>
+              </a:rPr>
+              <a:t>클래스의 </a:t>
+            </a:r>
+            <a:r>
+              <a:rPr lang="ko-KR" altLang="en-US" sz="1200" dirty="0" err="1">
+                <a:solidFill>
+                  <a:schemeClr val="tx1"/>
+                </a:solidFill>
+                <a:latin typeface="DejaVu Sans Mono" panose="020B0609030804020204" pitchFamily="49" charset="0"/>
+                <a:cs typeface="DejaVu Sans Mono" panose="020B0609030804020204" pitchFamily="49" charset="0"/>
+              </a:rPr>
+              <a:t>생성자</a:t>
+            </a:r>
+            <a:r>
+              <a:rPr lang="ko-KR" altLang="en-US" sz="1200" dirty="0">
+                <a:solidFill>
+                  <a:schemeClr val="tx1"/>
+                </a:solidFill>
+                <a:latin typeface="DejaVu Sans Mono" panose="020B0609030804020204" pitchFamily="49" charset="0"/>
+                <a:cs typeface="DejaVu Sans Mono" panose="020B0609030804020204" pitchFamily="49" charset="0"/>
+              </a:rPr>
+              <a:t> 호출</a:t>
+            </a:r>
+            <a:r>
+              <a:rPr lang="en-US" altLang="ko-KR" sz="1200" dirty="0">
+                <a:solidFill>
+                  <a:schemeClr val="tx1"/>
+                </a:solidFill>
+                <a:latin typeface="DejaVu Sans Mono" panose="020B0609030804020204" pitchFamily="49" charset="0"/>
+                <a:cs typeface="DejaVu Sans Mono" panose="020B0609030804020204" pitchFamily="49" charset="0"/>
+              </a:rPr>
+              <a:t>!")</a:t>
+            </a:r>
+          </a:p>
+          <a:p>
+            <a:r>
+              <a:rPr lang="en-US" altLang="ko-KR" sz="1200" dirty="0">
+                <a:solidFill>
+                  <a:schemeClr val="tx1"/>
+                </a:solidFill>
+                <a:latin typeface="DejaVu Sans Mono" panose="020B0609030804020204" pitchFamily="49" charset="0"/>
+                <a:cs typeface="DejaVu Sans Mono" panose="020B0609030804020204" pitchFamily="49" charset="0"/>
+              </a:rPr>
+              <a:t>     </a:t>
+            </a:r>
+          </a:p>
+          <a:p>
+            <a:r>
+              <a:rPr lang="en-US" altLang="ko-KR" sz="1200" dirty="0" smtClean="0">
+                <a:solidFill>
+                  <a:schemeClr val="tx1"/>
+                </a:solidFill>
+                <a:latin typeface="DejaVu Sans Mono" panose="020B0609030804020204" pitchFamily="49" charset="0"/>
+                <a:cs typeface="DejaVu Sans Mono" panose="020B0609030804020204" pitchFamily="49" charset="0"/>
+              </a:rPr>
+              <a:t>class </a:t>
+            </a:r>
+            <a:r>
+              <a:rPr lang="en-US" altLang="ko-KR" sz="1200" dirty="0">
+                <a:solidFill>
+                  <a:schemeClr val="tx1"/>
+                </a:solidFill>
+                <a:latin typeface="DejaVu Sans Mono" panose="020B0609030804020204" pitchFamily="49" charset="0"/>
+                <a:cs typeface="DejaVu Sans Mono" panose="020B0609030804020204" pitchFamily="49" charset="0"/>
+              </a:rPr>
+              <a:t>C(A):</a:t>
+            </a:r>
+          </a:p>
+          <a:p>
+            <a:r>
+              <a:rPr lang="en-US" altLang="ko-KR" sz="1200" dirty="0">
+                <a:solidFill>
+                  <a:schemeClr val="tx1"/>
+                </a:solidFill>
+                <a:latin typeface="DejaVu Sans Mono" panose="020B0609030804020204" pitchFamily="49" charset="0"/>
+                <a:cs typeface="DejaVu Sans Mono" panose="020B0609030804020204" pitchFamily="49" charset="0"/>
+              </a:rPr>
+              <a:t>    </a:t>
+            </a:r>
+            <a:r>
+              <a:rPr lang="en-US" altLang="ko-KR" sz="1200" dirty="0" err="1">
+                <a:solidFill>
+                  <a:schemeClr val="tx1"/>
+                </a:solidFill>
+                <a:latin typeface="DejaVu Sans Mono" panose="020B0609030804020204" pitchFamily="49" charset="0"/>
+                <a:cs typeface="DejaVu Sans Mono" panose="020B0609030804020204" pitchFamily="49" charset="0"/>
+              </a:rPr>
+              <a:t>def</a:t>
+            </a:r>
+            <a:r>
+              <a:rPr lang="en-US" altLang="ko-KR" sz="1200" dirty="0">
+                <a:solidFill>
+                  <a:schemeClr val="tx1"/>
+                </a:solidFill>
+                <a:latin typeface="DejaVu Sans Mono" panose="020B0609030804020204" pitchFamily="49" charset="0"/>
+                <a:cs typeface="DejaVu Sans Mono" panose="020B0609030804020204" pitchFamily="49" charset="0"/>
+              </a:rPr>
+              <a:t> __</a:t>
+            </a:r>
+            <a:r>
+              <a:rPr lang="en-US" altLang="ko-KR" sz="1200" dirty="0" err="1">
+                <a:solidFill>
+                  <a:schemeClr val="tx1"/>
+                </a:solidFill>
+                <a:latin typeface="DejaVu Sans Mono" panose="020B0609030804020204" pitchFamily="49" charset="0"/>
+                <a:cs typeface="DejaVu Sans Mono" panose="020B0609030804020204" pitchFamily="49" charset="0"/>
+              </a:rPr>
+              <a:t>init</a:t>
+            </a:r>
+            <a:r>
+              <a:rPr lang="en-US" altLang="ko-KR" sz="1200" dirty="0">
+                <a:solidFill>
+                  <a:schemeClr val="tx1"/>
+                </a:solidFill>
+                <a:latin typeface="DejaVu Sans Mono" panose="020B0609030804020204" pitchFamily="49" charset="0"/>
+                <a:cs typeface="DejaVu Sans Mono" panose="020B0609030804020204" pitchFamily="49" charset="0"/>
+              </a:rPr>
+              <a:t>__(self):</a:t>
+            </a:r>
+          </a:p>
+          <a:p>
+            <a:r>
+              <a:rPr lang="en-US" altLang="ko-KR" sz="1200" dirty="0">
+                <a:solidFill>
+                  <a:schemeClr val="tx1"/>
+                </a:solidFill>
+                <a:latin typeface="DejaVu Sans Mono" panose="020B0609030804020204" pitchFamily="49" charset="0"/>
+                <a:cs typeface="DejaVu Sans Mono" panose="020B0609030804020204" pitchFamily="49" charset="0"/>
+              </a:rPr>
+              <a:t>        A.__</a:t>
+            </a:r>
+            <a:r>
+              <a:rPr lang="en-US" altLang="ko-KR" sz="1200" dirty="0" err="1">
+                <a:solidFill>
+                  <a:schemeClr val="tx1"/>
+                </a:solidFill>
+                <a:latin typeface="DejaVu Sans Mono" panose="020B0609030804020204" pitchFamily="49" charset="0"/>
+                <a:cs typeface="DejaVu Sans Mono" panose="020B0609030804020204" pitchFamily="49" charset="0"/>
+              </a:rPr>
+              <a:t>init</a:t>
+            </a:r>
+            <a:r>
+              <a:rPr lang="en-US" altLang="ko-KR" sz="1200" dirty="0">
+                <a:solidFill>
+                  <a:schemeClr val="tx1"/>
+                </a:solidFill>
+                <a:latin typeface="DejaVu Sans Mono" panose="020B0609030804020204" pitchFamily="49" charset="0"/>
+                <a:cs typeface="DejaVu Sans Mono" panose="020B0609030804020204" pitchFamily="49" charset="0"/>
+              </a:rPr>
+              <a:t>__(self)</a:t>
+            </a:r>
+          </a:p>
+          <a:p>
+            <a:r>
+              <a:rPr lang="en-US" altLang="ko-KR" sz="1200" dirty="0">
+                <a:solidFill>
+                  <a:schemeClr val="tx1"/>
+                </a:solidFill>
+                <a:latin typeface="DejaVu Sans Mono" panose="020B0609030804020204" pitchFamily="49" charset="0"/>
+                <a:cs typeface="DejaVu Sans Mono" panose="020B0609030804020204" pitchFamily="49" charset="0"/>
+              </a:rPr>
+              <a:t>        print("C </a:t>
+            </a:r>
+            <a:r>
+              <a:rPr lang="ko-KR" altLang="en-US" sz="1200" dirty="0">
+                <a:solidFill>
+                  <a:schemeClr val="tx1"/>
+                </a:solidFill>
+                <a:latin typeface="DejaVu Sans Mono" panose="020B0609030804020204" pitchFamily="49" charset="0"/>
+                <a:cs typeface="DejaVu Sans Mono" panose="020B0609030804020204" pitchFamily="49" charset="0"/>
+              </a:rPr>
+              <a:t>클래스의 </a:t>
+            </a:r>
+            <a:r>
+              <a:rPr lang="ko-KR" altLang="en-US" sz="1200" dirty="0" err="1">
+                <a:solidFill>
+                  <a:schemeClr val="tx1"/>
+                </a:solidFill>
+                <a:latin typeface="DejaVu Sans Mono" panose="020B0609030804020204" pitchFamily="49" charset="0"/>
+                <a:cs typeface="DejaVu Sans Mono" panose="020B0609030804020204" pitchFamily="49" charset="0"/>
+              </a:rPr>
+              <a:t>생성자</a:t>
+            </a:r>
+            <a:r>
+              <a:rPr lang="ko-KR" altLang="en-US" sz="1200" dirty="0">
+                <a:solidFill>
+                  <a:schemeClr val="tx1"/>
+                </a:solidFill>
+                <a:latin typeface="DejaVu Sans Mono" panose="020B0609030804020204" pitchFamily="49" charset="0"/>
+                <a:cs typeface="DejaVu Sans Mono" panose="020B0609030804020204" pitchFamily="49" charset="0"/>
+              </a:rPr>
+              <a:t> 호출</a:t>
+            </a:r>
+            <a:r>
+              <a:rPr lang="en-US" altLang="ko-KR" sz="1200" dirty="0">
+                <a:solidFill>
+                  <a:schemeClr val="tx1"/>
+                </a:solidFill>
+                <a:latin typeface="DejaVu Sans Mono" panose="020B0609030804020204" pitchFamily="49" charset="0"/>
+                <a:cs typeface="DejaVu Sans Mono" panose="020B0609030804020204" pitchFamily="49" charset="0"/>
+              </a:rPr>
+              <a:t>!")</a:t>
+            </a:r>
+          </a:p>
+          <a:p>
+            <a:r>
+              <a:rPr lang="en-US" altLang="ko-KR" sz="1200" dirty="0">
+                <a:solidFill>
+                  <a:schemeClr val="tx1"/>
+                </a:solidFill>
+                <a:latin typeface="DejaVu Sans Mono" panose="020B0609030804020204" pitchFamily="49" charset="0"/>
+                <a:cs typeface="DejaVu Sans Mono" panose="020B0609030804020204" pitchFamily="49" charset="0"/>
+              </a:rPr>
+              <a:t>     </a:t>
+            </a:r>
+          </a:p>
+          <a:p>
+            <a:r>
+              <a:rPr lang="en-US" altLang="ko-KR" sz="1200" dirty="0" smtClean="0">
+                <a:solidFill>
+                  <a:schemeClr val="tx1"/>
+                </a:solidFill>
+                <a:latin typeface="DejaVu Sans Mono" panose="020B0609030804020204" pitchFamily="49" charset="0"/>
+                <a:cs typeface="DejaVu Sans Mono" panose="020B0609030804020204" pitchFamily="49" charset="0"/>
+              </a:rPr>
+              <a:t>class </a:t>
+            </a:r>
+            <a:r>
+              <a:rPr lang="en-US" altLang="ko-KR" sz="1200" dirty="0">
+                <a:solidFill>
+                  <a:schemeClr val="tx1"/>
+                </a:solidFill>
+                <a:latin typeface="DejaVu Sans Mono" panose="020B0609030804020204" pitchFamily="49" charset="0"/>
+                <a:cs typeface="DejaVu Sans Mono" panose="020B0609030804020204" pitchFamily="49" charset="0"/>
+              </a:rPr>
+              <a:t>D(B, C):</a:t>
+            </a:r>
+          </a:p>
+          <a:p>
+            <a:r>
+              <a:rPr lang="en-US" altLang="ko-KR" sz="1200" dirty="0">
+                <a:solidFill>
+                  <a:schemeClr val="tx1"/>
+                </a:solidFill>
+                <a:latin typeface="DejaVu Sans Mono" panose="020B0609030804020204" pitchFamily="49" charset="0"/>
+                <a:cs typeface="DejaVu Sans Mono" panose="020B0609030804020204" pitchFamily="49" charset="0"/>
+              </a:rPr>
+              <a:t>    </a:t>
+            </a:r>
+            <a:r>
+              <a:rPr lang="en-US" altLang="ko-KR" sz="1200" dirty="0" err="1">
+                <a:solidFill>
+                  <a:schemeClr val="tx1"/>
+                </a:solidFill>
+                <a:latin typeface="DejaVu Sans Mono" panose="020B0609030804020204" pitchFamily="49" charset="0"/>
+                <a:cs typeface="DejaVu Sans Mono" panose="020B0609030804020204" pitchFamily="49" charset="0"/>
+              </a:rPr>
+              <a:t>def</a:t>
+            </a:r>
+            <a:r>
+              <a:rPr lang="en-US" altLang="ko-KR" sz="1200" dirty="0">
+                <a:solidFill>
+                  <a:schemeClr val="tx1"/>
+                </a:solidFill>
+                <a:latin typeface="DejaVu Sans Mono" panose="020B0609030804020204" pitchFamily="49" charset="0"/>
+                <a:cs typeface="DejaVu Sans Mono" panose="020B0609030804020204" pitchFamily="49" charset="0"/>
+              </a:rPr>
+              <a:t> __</a:t>
+            </a:r>
+            <a:r>
+              <a:rPr lang="en-US" altLang="ko-KR" sz="1200" dirty="0" err="1">
+                <a:solidFill>
+                  <a:schemeClr val="tx1"/>
+                </a:solidFill>
+                <a:latin typeface="DejaVu Sans Mono" panose="020B0609030804020204" pitchFamily="49" charset="0"/>
+                <a:cs typeface="DejaVu Sans Mono" panose="020B0609030804020204" pitchFamily="49" charset="0"/>
+              </a:rPr>
+              <a:t>init</a:t>
+            </a:r>
+            <a:r>
+              <a:rPr lang="en-US" altLang="ko-KR" sz="1200" dirty="0">
+                <a:solidFill>
+                  <a:schemeClr val="tx1"/>
+                </a:solidFill>
+                <a:latin typeface="DejaVu Sans Mono" panose="020B0609030804020204" pitchFamily="49" charset="0"/>
+                <a:cs typeface="DejaVu Sans Mono" panose="020B0609030804020204" pitchFamily="49" charset="0"/>
+              </a:rPr>
+              <a:t>__(self):</a:t>
+            </a:r>
+          </a:p>
+          <a:p>
+            <a:r>
+              <a:rPr lang="en-US" altLang="ko-KR" sz="1200" dirty="0">
+                <a:solidFill>
+                  <a:schemeClr val="tx1"/>
+                </a:solidFill>
+                <a:latin typeface="DejaVu Sans Mono" panose="020B0609030804020204" pitchFamily="49" charset="0"/>
+                <a:cs typeface="DejaVu Sans Mono" panose="020B0609030804020204" pitchFamily="49" charset="0"/>
+              </a:rPr>
+              <a:t>        B.__</a:t>
+            </a:r>
+            <a:r>
+              <a:rPr lang="en-US" altLang="ko-KR" sz="1200" dirty="0" err="1">
+                <a:solidFill>
+                  <a:schemeClr val="tx1"/>
+                </a:solidFill>
+                <a:latin typeface="DejaVu Sans Mono" panose="020B0609030804020204" pitchFamily="49" charset="0"/>
+                <a:cs typeface="DejaVu Sans Mono" panose="020B0609030804020204" pitchFamily="49" charset="0"/>
+              </a:rPr>
+              <a:t>init</a:t>
+            </a:r>
+            <a:r>
+              <a:rPr lang="en-US" altLang="ko-KR" sz="1200" dirty="0">
+                <a:solidFill>
+                  <a:schemeClr val="tx1"/>
+                </a:solidFill>
+                <a:latin typeface="DejaVu Sans Mono" panose="020B0609030804020204" pitchFamily="49" charset="0"/>
+                <a:cs typeface="DejaVu Sans Mono" panose="020B0609030804020204" pitchFamily="49" charset="0"/>
+              </a:rPr>
+              <a:t>__(self)</a:t>
+            </a:r>
+          </a:p>
+          <a:p>
+            <a:r>
+              <a:rPr lang="en-US" altLang="ko-KR" sz="1200" dirty="0">
+                <a:solidFill>
+                  <a:schemeClr val="tx1"/>
+                </a:solidFill>
+                <a:latin typeface="DejaVu Sans Mono" panose="020B0609030804020204" pitchFamily="49" charset="0"/>
+                <a:cs typeface="DejaVu Sans Mono" panose="020B0609030804020204" pitchFamily="49" charset="0"/>
+              </a:rPr>
+              <a:t>        C.__</a:t>
+            </a:r>
+            <a:r>
+              <a:rPr lang="en-US" altLang="ko-KR" sz="1200" dirty="0" err="1">
+                <a:solidFill>
+                  <a:schemeClr val="tx1"/>
+                </a:solidFill>
+                <a:latin typeface="DejaVu Sans Mono" panose="020B0609030804020204" pitchFamily="49" charset="0"/>
+                <a:cs typeface="DejaVu Sans Mono" panose="020B0609030804020204" pitchFamily="49" charset="0"/>
+              </a:rPr>
+              <a:t>init</a:t>
+            </a:r>
+            <a:r>
+              <a:rPr lang="en-US" altLang="ko-KR" sz="1200" dirty="0">
+                <a:solidFill>
+                  <a:schemeClr val="tx1"/>
+                </a:solidFill>
+                <a:latin typeface="DejaVu Sans Mono" panose="020B0609030804020204" pitchFamily="49" charset="0"/>
+                <a:cs typeface="DejaVu Sans Mono" panose="020B0609030804020204" pitchFamily="49" charset="0"/>
+              </a:rPr>
+              <a:t>__(self)</a:t>
+            </a:r>
+          </a:p>
+          <a:p>
+            <a:r>
+              <a:rPr lang="en-US" altLang="ko-KR" sz="1200" dirty="0">
+                <a:solidFill>
+                  <a:schemeClr val="tx1"/>
+                </a:solidFill>
+                <a:latin typeface="DejaVu Sans Mono" panose="020B0609030804020204" pitchFamily="49" charset="0"/>
+                <a:cs typeface="DejaVu Sans Mono" panose="020B0609030804020204" pitchFamily="49" charset="0"/>
+              </a:rPr>
+              <a:t>        print("D </a:t>
+            </a:r>
+            <a:r>
+              <a:rPr lang="ko-KR" altLang="en-US" sz="1200" dirty="0">
+                <a:solidFill>
+                  <a:schemeClr val="tx1"/>
+                </a:solidFill>
+                <a:latin typeface="DejaVu Sans Mono" panose="020B0609030804020204" pitchFamily="49" charset="0"/>
+                <a:cs typeface="DejaVu Sans Mono" panose="020B0609030804020204" pitchFamily="49" charset="0"/>
+              </a:rPr>
+              <a:t>클래스의 </a:t>
+            </a:r>
+            <a:r>
+              <a:rPr lang="ko-KR" altLang="en-US" sz="1200" dirty="0" err="1">
+                <a:solidFill>
+                  <a:schemeClr val="tx1"/>
+                </a:solidFill>
+                <a:latin typeface="DejaVu Sans Mono" panose="020B0609030804020204" pitchFamily="49" charset="0"/>
+                <a:cs typeface="DejaVu Sans Mono" panose="020B0609030804020204" pitchFamily="49" charset="0"/>
+              </a:rPr>
+              <a:t>생성자</a:t>
+            </a:r>
+            <a:r>
+              <a:rPr lang="ko-KR" altLang="en-US" sz="1200" dirty="0">
+                <a:solidFill>
+                  <a:schemeClr val="tx1"/>
+                </a:solidFill>
+                <a:latin typeface="DejaVu Sans Mono" panose="020B0609030804020204" pitchFamily="49" charset="0"/>
+                <a:cs typeface="DejaVu Sans Mono" panose="020B0609030804020204" pitchFamily="49" charset="0"/>
+              </a:rPr>
+              <a:t> 호출</a:t>
+            </a:r>
+            <a:r>
+              <a:rPr lang="en-US" altLang="ko-KR" sz="1200" dirty="0">
+                <a:solidFill>
+                  <a:schemeClr val="tx1"/>
+                </a:solidFill>
+                <a:latin typeface="DejaVu Sans Mono" panose="020B0609030804020204" pitchFamily="49" charset="0"/>
+                <a:cs typeface="DejaVu Sans Mono" panose="020B0609030804020204" pitchFamily="49" charset="0"/>
+              </a:rPr>
+              <a:t>!")</a:t>
+            </a:r>
+          </a:p>
+          <a:p>
+            <a:r>
+              <a:rPr lang="en-US" altLang="ko-KR" sz="1200" dirty="0">
+                <a:solidFill>
+                  <a:schemeClr val="tx1"/>
+                </a:solidFill>
+                <a:latin typeface="DejaVu Sans Mono" panose="020B0609030804020204" pitchFamily="49" charset="0"/>
+                <a:cs typeface="DejaVu Sans Mono" panose="020B0609030804020204" pitchFamily="49" charset="0"/>
+              </a:rPr>
+              <a:t>     </a:t>
+            </a:r>
+          </a:p>
+          <a:p>
+            <a:r>
+              <a:rPr lang="en-US" altLang="ko-KR" sz="1200" dirty="0" err="1" smtClean="0">
+                <a:solidFill>
+                  <a:schemeClr val="tx1"/>
+                </a:solidFill>
+                <a:latin typeface="DejaVu Sans Mono" panose="020B0609030804020204" pitchFamily="49" charset="0"/>
+                <a:cs typeface="DejaVu Sans Mono" panose="020B0609030804020204" pitchFamily="49" charset="0"/>
+              </a:rPr>
+              <a:t>objectD</a:t>
+            </a:r>
+            <a:r>
+              <a:rPr lang="en-US" altLang="ko-KR" sz="1200" dirty="0" smtClean="0">
+                <a:solidFill>
+                  <a:schemeClr val="tx1"/>
+                </a:solidFill>
+                <a:latin typeface="DejaVu Sans Mono" panose="020B0609030804020204" pitchFamily="49" charset="0"/>
+                <a:cs typeface="DejaVu Sans Mono" panose="020B0609030804020204" pitchFamily="49" charset="0"/>
+              </a:rPr>
+              <a:t> </a:t>
+            </a:r>
+            <a:r>
+              <a:rPr lang="en-US" altLang="ko-KR" sz="1200" dirty="0">
+                <a:solidFill>
+                  <a:schemeClr val="tx1"/>
+                </a:solidFill>
+                <a:latin typeface="DejaVu Sans Mono" panose="020B0609030804020204" pitchFamily="49" charset="0"/>
+                <a:cs typeface="DejaVu Sans Mono" panose="020B0609030804020204" pitchFamily="49" charset="0"/>
+              </a:rPr>
+              <a:t>= D()</a:t>
+            </a:r>
+          </a:p>
+          <a:p>
+            <a:r>
+              <a:rPr lang="en-US" altLang="ko-KR" sz="1200" dirty="0">
+                <a:solidFill>
+                  <a:schemeClr val="tx1"/>
+                </a:solidFill>
+                <a:latin typeface="DejaVu Sans Mono" panose="020B0609030804020204" pitchFamily="49" charset="0"/>
+                <a:cs typeface="DejaVu Sans Mono" panose="020B0609030804020204" pitchFamily="49" charset="0"/>
+              </a:rPr>
+              <a:t>A </a:t>
+            </a:r>
+            <a:r>
+              <a:rPr lang="ko-KR" altLang="en-US" sz="1200" dirty="0">
+                <a:solidFill>
+                  <a:schemeClr val="tx1"/>
+                </a:solidFill>
+                <a:latin typeface="DejaVu Sans Mono" panose="020B0609030804020204" pitchFamily="49" charset="0"/>
+                <a:cs typeface="DejaVu Sans Mono" panose="020B0609030804020204" pitchFamily="49" charset="0"/>
+              </a:rPr>
+              <a:t>클래스의 </a:t>
+            </a:r>
+            <a:r>
+              <a:rPr lang="ko-KR" altLang="en-US" sz="1200" dirty="0" err="1">
+                <a:solidFill>
+                  <a:schemeClr val="tx1"/>
+                </a:solidFill>
+                <a:latin typeface="DejaVu Sans Mono" panose="020B0609030804020204" pitchFamily="49" charset="0"/>
+                <a:cs typeface="DejaVu Sans Mono" panose="020B0609030804020204" pitchFamily="49" charset="0"/>
+              </a:rPr>
+              <a:t>생성자</a:t>
+            </a:r>
+            <a:r>
+              <a:rPr lang="ko-KR" altLang="en-US" sz="1200" dirty="0">
+                <a:solidFill>
+                  <a:schemeClr val="tx1"/>
+                </a:solidFill>
+                <a:latin typeface="DejaVu Sans Mono" panose="020B0609030804020204" pitchFamily="49" charset="0"/>
+                <a:cs typeface="DejaVu Sans Mono" panose="020B0609030804020204" pitchFamily="49" charset="0"/>
+              </a:rPr>
+              <a:t> 호출</a:t>
+            </a:r>
+            <a:r>
+              <a:rPr lang="en-US" altLang="ko-KR" sz="1200" dirty="0">
+                <a:solidFill>
+                  <a:schemeClr val="tx1"/>
+                </a:solidFill>
+                <a:latin typeface="DejaVu Sans Mono" panose="020B0609030804020204" pitchFamily="49" charset="0"/>
+                <a:cs typeface="DejaVu Sans Mono" panose="020B0609030804020204" pitchFamily="49" charset="0"/>
+              </a:rPr>
+              <a:t>!</a:t>
+            </a:r>
+          </a:p>
+          <a:p>
+            <a:r>
+              <a:rPr lang="en-US" altLang="ko-KR" sz="1200" dirty="0">
+                <a:solidFill>
+                  <a:schemeClr val="tx1"/>
+                </a:solidFill>
+                <a:latin typeface="DejaVu Sans Mono" panose="020B0609030804020204" pitchFamily="49" charset="0"/>
+                <a:cs typeface="DejaVu Sans Mono" panose="020B0609030804020204" pitchFamily="49" charset="0"/>
+              </a:rPr>
+              <a:t>B </a:t>
+            </a:r>
+            <a:r>
+              <a:rPr lang="ko-KR" altLang="en-US" sz="1200" dirty="0">
+                <a:solidFill>
+                  <a:schemeClr val="tx1"/>
+                </a:solidFill>
+                <a:latin typeface="DejaVu Sans Mono" panose="020B0609030804020204" pitchFamily="49" charset="0"/>
+                <a:cs typeface="DejaVu Sans Mono" panose="020B0609030804020204" pitchFamily="49" charset="0"/>
+              </a:rPr>
+              <a:t>클래스의 </a:t>
+            </a:r>
+            <a:r>
+              <a:rPr lang="ko-KR" altLang="en-US" sz="1200" dirty="0" err="1">
+                <a:solidFill>
+                  <a:schemeClr val="tx1"/>
+                </a:solidFill>
+                <a:latin typeface="DejaVu Sans Mono" panose="020B0609030804020204" pitchFamily="49" charset="0"/>
+                <a:cs typeface="DejaVu Sans Mono" panose="020B0609030804020204" pitchFamily="49" charset="0"/>
+              </a:rPr>
+              <a:t>생성자</a:t>
+            </a:r>
+            <a:r>
+              <a:rPr lang="ko-KR" altLang="en-US" sz="1200" dirty="0">
+                <a:solidFill>
+                  <a:schemeClr val="tx1"/>
+                </a:solidFill>
+                <a:latin typeface="DejaVu Sans Mono" panose="020B0609030804020204" pitchFamily="49" charset="0"/>
+                <a:cs typeface="DejaVu Sans Mono" panose="020B0609030804020204" pitchFamily="49" charset="0"/>
+              </a:rPr>
+              <a:t> 호출</a:t>
+            </a:r>
+            <a:r>
+              <a:rPr lang="en-US" altLang="ko-KR" sz="1200" dirty="0">
+                <a:solidFill>
+                  <a:schemeClr val="tx1"/>
+                </a:solidFill>
+                <a:latin typeface="DejaVu Sans Mono" panose="020B0609030804020204" pitchFamily="49" charset="0"/>
+                <a:cs typeface="DejaVu Sans Mono" panose="020B0609030804020204" pitchFamily="49" charset="0"/>
+              </a:rPr>
+              <a:t>!</a:t>
+            </a:r>
+          </a:p>
+          <a:p>
+            <a:r>
+              <a:rPr lang="en-US" altLang="ko-KR" sz="1200" dirty="0">
+                <a:solidFill>
+                  <a:schemeClr val="tx1"/>
+                </a:solidFill>
+                <a:latin typeface="DejaVu Sans Mono" panose="020B0609030804020204" pitchFamily="49" charset="0"/>
+                <a:cs typeface="DejaVu Sans Mono" panose="020B0609030804020204" pitchFamily="49" charset="0"/>
+              </a:rPr>
+              <a:t>A </a:t>
+            </a:r>
+            <a:r>
+              <a:rPr lang="ko-KR" altLang="en-US" sz="1200" dirty="0">
+                <a:solidFill>
+                  <a:schemeClr val="tx1"/>
+                </a:solidFill>
+                <a:latin typeface="DejaVu Sans Mono" panose="020B0609030804020204" pitchFamily="49" charset="0"/>
+                <a:cs typeface="DejaVu Sans Mono" panose="020B0609030804020204" pitchFamily="49" charset="0"/>
+              </a:rPr>
+              <a:t>클래스의 </a:t>
+            </a:r>
+            <a:r>
+              <a:rPr lang="ko-KR" altLang="en-US" sz="1200" dirty="0" err="1">
+                <a:solidFill>
+                  <a:schemeClr val="tx1"/>
+                </a:solidFill>
+                <a:latin typeface="DejaVu Sans Mono" panose="020B0609030804020204" pitchFamily="49" charset="0"/>
+                <a:cs typeface="DejaVu Sans Mono" panose="020B0609030804020204" pitchFamily="49" charset="0"/>
+              </a:rPr>
+              <a:t>생성자</a:t>
+            </a:r>
+            <a:r>
+              <a:rPr lang="ko-KR" altLang="en-US" sz="1200" dirty="0">
+                <a:solidFill>
+                  <a:schemeClr val="tx1"/>
+                </a:solidFill>
+                <a:latin typeface="DejaVu Sans Mono" panose="020B0609030804020204" pitchFamily="49" charset="0"/>
+                <a:cs typeface="DejaVu Sans Mono" panose="020B0609030804020204" pitchFamily="49" charset="0"/>
+              </a:rPr>
+              <a:t> 호출</a:t>
+            </a:r>
+            <a:r>
+              <a:rPr lang="en-US" altLang="ko-KR" sz="1200" dirty="0">
+                <a:solidFill>
+                  <a:schemeClr val="tx1"/>
+                </a:solidFill>
+                <a:latin typeface="DejaVu Sans Mono" panose="020B0609030804020204" pitchFamily="49" charset="0"/>
+                <a:cs typeface="DejaVu Sans Mono" panose="020B0609030804020204" pitchFamily="49" charset="0"/>
+              </a:rPr>
+              <a:t>!</a:t>
+            </a:r>
+          </a:p>
+          <a:p>
+            <a:r>
+              <a:rPr lang="en-US" altLang="ko-KR" sz="1200" dirty="0">
+                <a:solidFill>
+                  <a:schemeClr val="tx1"/>
+                </a:solidFill>
+                <a:latin typeface="DejaVu Sans Mono" panose="020B0609030804020204" pitchFamily="49" charset="0"/>
+                <a:cs typeface="DejaVu Sans Mono" panose="020B0609030804020204" pitchFamily="49" charset="0"/>
+              </a:rPr>
+              <a:t>C </a:t>
+            </a:r>
+            <a:r>
+              <a:rPr lang="ko-KR" altLang="en-US" sz="1200" dirty="0">
+                <a:solidFill>
+                  <a:schemeClr val="tx1"/>
+                </a:solidFill>
+                <a:latin typeface="DejaVu Sans Mono" panose="020B0609030804020204" pitchFamily="49" charset="0"/>
+                <a:cs typeface="DejaVu Sans Mono" panose="020B0609030804020204" pitchFamily="49" charset="0"/>
+              </a:rPr>
+              <a:t>클래스의 </a:t>
+            </a:r>
+            <a:r>
+              <a:rPr lang="ko-KR" altLang="en-US" sz="1200" dirty="0" err="1">
+                <a:solidFill>
+                  <a:schemeClr val="tx1"/>
+                </a:solidFill>
+                <a:latin typeface="DejaVu Sans Mono" panose="020B0609030804020204" pitchFamily="49" charset="0"/>
+                <a:cs typeface="DejaVu Sans Mono" panose="020B0609030804020204" pitchFamily="49" charset="0"/>
+              </a:rPr>
+              <a:t>생성자</a:t>
+            </a:r>
+            <a:r>
+              <a:rPr lang="ko-KR" altLang="en-US" sz="1200" dirty="0">
+                <a:solidFill>
+                  <a:schemeClr val="tx1"/>
+                </a:solidFill>
+                <a:latin typeface="DejaVu Sans Mono" panose="020B0609030804020204" pitchFamily="49" charset="0"/>
+                <a:cs typeface="DejaVu Sans Mono" panose="020B0609030804020204" pitchFamily="49" charset="0"/>
+              </a:rPr>
+              <a:t> 호출</a:t>
+            </a:r>
+            <a:r>
+              <a:rPr lang="en-US" altLang="ko-KR" sz="1200" dirty="0">
+                <a:solidFill>
+                  <a:schemeClr val="tx1"/>
+                </a:solidFill>
+                <a:latin typeface="DejaVu Sans Mono" panose="020B0609030804020204" pitchFamily="49" charset="0"/>
+                <a:cs typeface="DejaVu Sans Mono" panose="020B0609030804020204" pitchFamily="49" charset="0"/>
+              </a:rPr>
+              <a:t>!</a:t>
+            </a:r>
+          </a:p>
+          <a:p>
+            <a:r>
+              <a:rPr lang="en-US" altLang="ko-KR" sz="1200" dirty="0">
+                <a:solidFill>
+                  <a:schemeClr val="tx1"/>
+                </a:solidFill>
+                <a:latin typeface="DejaVu Sans Mono" panose="020B0609030804020204" pitchFamily="49" charset="0"/>
+                <a:cs typeface="DejaVu Sans Mono" panose="020B0609030804020204" pitchFamily="49" charset="0"/>
+              </a:rPr>
+              <a:t>D </a:t>
+            </a:r>
+            <a:r>
+              <a:rPr lang="ko-KR" altLang="en-US" sz="1200" dirty="0">
+                <a:solidFill>
+                  <a:schemeClr val="tx1"/>
+                </a:solidFill>
+                <a:latin typeface="DejaVu Sans Mono" panose="020B0609030804020204" pitchFamily="49" charset="0"/>
+                <a:cs typeface="DejaVu Sans Mono" panose="020B0609030804020204" pitchFamily="49" charset="0"/>
+              </a:rPr>
+              <a:t>클래스의 </a:t>
+            </a:r>
+            <a:r>
+              <a:rPr lang="ko-KR" altLang="en-US" sz="1200" dirty="0" err="1">
+                <a:solidFill>
+                  <a:schemeClr val="tx1"/>
+                </a:solidFill>
+                <a:latin typeface="DejaVu Sans Mono" panose="020B0609030804020204" pitchFamily="49" charset="0"/>
+                <a:cs typeface="DejaVu Sans Mono" panose="020B0609030804020204" pitchFamily="49" charset="0"/>
+              </a:rPr>
+              <a:t>생성자</a:t>
+            </a:r>
+            <a:r>
+              <a:rPr lang="ko-KR" altLang="en-US" sz="1200" dirty="0">
+                <a:solidFill>
+                  <a:schemeClr val="tx1"/>
+                </a:solidFill>
+                <a:latin typeface="DejaVu Sans Mono" panose="020B0609030804020204" pitchFamily="49" charset="0"/>
+                <a:cs typeface="DejaVu Sans Mono" panose="020B0609030804020204" pitchFamily="49" charset="0"/>
+              </a:rPr>
+              <a:t> 호출</a:t>
+            </a:r>
+            <a:r>
+              <a:rPr lang="en-US" altLang="ko-KR" sz="1200" dirty="0">
+                <a:solidFill>
+                  <a:schemeClr val="tx1"/>
+                </a:solidFill>
+                <a:latin typeface="DejaVu Sans Mono" panose="020B0609030804020204" pitchFamily="49" charset="0"/>
+                <a:cs typeface="DejaVu Sans Mono" panose="020B0609030804020204" pitchFamily="49" charset="0"/>
+              </a:rPr>
+              <a:t>!</a:t>
+            </a:r>
+            <a:endParaRPr lang="ko-KR" altLang="en-US" sz="1200" dirty="0">
+              <a:solidFill>
+                <a:schemeClr val="tx1"/>
+              </a:solidFill>
+              <a:latin typeface="DejaVu Sans Mono" panose="020B0609030804020204" pitchFamily="49" charset="0"/>
+              <a:cs typeface="DejaVu Sans Mono" panose="020B0609030804020204" pitchFamily="49" charset="0"/>
+            </a:endParaRPr>
+          </a:p>
+        </p:txBody>
+      </p:sp>
+      <p:sp>
+        <p:nvSpPr>
+          <p:cNvPr id="6" name="직사각형 5"/>
+          <p:cNvSpPr/>
+          <p:nvPr/>
+        </p:nvSpPr>
+        <p:spPr>
+          <a:xfrm>
+            <a:off x="6149419" y="1479290"/>
+            <a:ext cx="5204381" cy="5128900"/>
+          </a:xfrm>
+          <a:prstGeom prst="rect">
+            <a:avLst/>
+          </a:prstGeom>
+          <a:solidFill>
+            <a:schemeClr val="bg1"/>
+          </a:solidFill>
+        </p:spPr>
+        <p:style>
+          <a:lnRef idx="2">
+            <a:schemeClr val="accent1">
+              <a:shade val="50000"/>
+            </a:schemeClr>
+          </a:lnRef>
+          <a:fillRef idx="1">
+            <a:schemeClr val="accent1"/>
+          </a:fillRef>
+          <a:effectRef idx="0">
+            <a:schemeClr val="accent1"/>
+          </a:effectRef>
+          <a:fontRef idx="minor">
+            <a:schemeClr val="lt1"/>
+          </a:fontRef>
+        </p:style>
+        <p:txBody>
+          <a:bodyPr lIns="180000" tIns="180000" rIns="180000" bIns="180000" rtlCol="0" anchor="t" anchorCtr="0"/>
+          <a:lstStyle/>
+          <a:p>
+            <a:r>
+              <a:rPr lang="en-US" altLang="ko-KR" sz="1200" dirty="0">
+                <a:solidFill>
+                  <a:schemeClr val="tx1"/>
+                </a:solidFill>
+                <a:latin typeface="DejaVu Sans Mono" panose="020B0609030804020204" pitchFamily="49" charset="0"/>
+                <a:cs typeface="DejaVu Sans Mono" panose="020B0609030804020204" pitchFamily="49" charset="0"/>
+              </a:rPr>
+              <a:t>class A(object):</a:t>
+            </a:r>
+          </a:p>
+          <a:p>
+            <a:r>
+              <a:rPr lang="en-US" altLang="ko-KR" sz="1200" dirty="0">
+                <a:solidFill>
+                  <a:schemeClr val="tx1"/>
+                </a:solidFill>
+                <a:latin typeface="DejaVu Sans Mono" panose="020B0609030804020204" pitchFamily="49" charset="0"/>
+                <a:cs typeface="DejaVu Sans Mono" panose="020B0609030804020204" pitchFamily="49" charset="0"/>
+              </a:rPr>
+              <a:t>    </a:t>
+            </a:r>
+            <a:r>
+              <a:rPr lang="en-US" altLang="ko-KR" sz="1200" dirty="0" err="1">
+                <a:solidFill>
+                  <a:schemeClr val="tx1"/>
+                </a:solidFill>
+                <a:latin typeface="DejaVu Sans Mono" panose="020B0609030804020204" pitchFamily="49" charset="0"/>
+                <a:cs typeface="DejaVu Sans Mono" panose="020B0609030804020204" pitchFamily="49" charset="0"/>
+              </a:rPr>
+              <a:t>def</a:t>
+            </a:r>
+            <a:r>
+              <a:rPr lang="en-US" altLang="ko-KR" sz="1200" dirty="0">
+                <a:solidFill>
+                  <a:schemeClr val="tx1"/>
+                </a:solidFill>
+                <a:latin typeface="DejaVu Sans Mono" panose="020B0609030804020204" pitchFamily="49" charset="0"/>
+                <a:cs typeface="DejaVu Sans Mono" panose="020B0609030804020204" pitchFamily="49" charset="0"/>
+              </a:rPr>
+              <a:t> __</a:t>
+            </a:r>
+            <a:r>
+              <a:rPr lang="en-US" altLang="ko-KR" sz="1200" dirty="0" err="1">
+                <a:solidFill>
+                  <a:schemeClr val="tx1"/>
+                </a:solidFill>
+                <a:latin typeface="DejaVu Sans Mono" panose="020B0609030804020204" pitchFamily="49" charset="0"/>
+                <a:cs typeface="DejaVu Sans Mono" panose="020B0609030804020204" pitchFamily="49" charset="0"/>
+              </a:rPr>
+              <a:t>init</a:t>
+            </a:r>
+            <a:r>
+              <a:rPr lang="en-US" altLang="ko-KR" sz="1200" dirty="0">
+                <a:solidFill>
+                  <a:schemeClr val="tx1"/>
+                </a:solidFill>
+                <a:latin typeface="DejaVu Sans Mono" panose="020B0609030804020204" pitchFamily="49" charset="0"/>
+                <a:cs typeface="DejaVu Sans Mono" panose="020B0609030804020204" pitchFamily="49" charset="0"/>
+              </a:rPr>
+              <a:t>__(self):</a:t>
+            </a:r>
+          </a:p>
+          <a:p>
+            <a:r>
+              <a:rPr lang="en-US" altLang="ko-KR" sz="1200" dirty="0">
+                <a:solidFill>
+                  <a:schemeClr val="tx1"/>
+                </a:solidFill>
+                <a:latin typeface="DejaVu Sans Mono" panose="020B0609030804020204" pitchFamily="49" charset="0"/>
+                <a:cs typeface="DejaVu Sans Mono" panose="020B0609030804020204" pitchFamily="49" charset="0"/>
+              </a:rPr>
+              <a:t>        print("A </a:t>
+            </a:r>
+            <a:r>
+              <a:rPr lang="ko-KR" altLang="en-US" sz="1200" dirty="0">
+                <a:solidFill>
+                  <a:schemeClr val="tx1"/>
+                </a:solidFill>
+                <a:latin typeface="DejaVu Sans Mono" panose="020B0609030804020204" pitchFamily="49" charset="0"/>
+                <a:cs typeface="DejaVu Sans Mono" panose="020B0609030804020204" pitchFamily="49" charset="0"/>
+              </a:rPr>
+              <a:t>클래스의 </a:t>
+            </a:r>
+            <a:r>
+              <a:rPr lang="ko-KR" altLang="en-US" sz="1200" dirty="0" err="1">
+                <a:solidFill>
+                  <a:schemeClr val="tx1"/>
+                </a:solidFill>
+                <a:latin typeface="DejaVu Sans Mono" panose="020B0609030804020204" pitchFamily="49" charset="0"/>
+                <a:cs typeface="DejaVu Sans Mono" panose="020B0609030804020204" pitchFamily="49" charset="0"/>
+              </a:rPr>
+              <a:t>생성자</a:t>
+            </a:r>
+            <a:r>
+              <a:rPr lang="ko-KR" altLang="en-US" sz="1200" dirty="0">
+                <a:solidFill>
+                  <a:schemeClr val="tx1"/>
+                </a:solidFill>
+                <a:latin typeface="DejaVu Sans Mono" panose="020B0609030804020204" pitchFamily="49" charset="0"/>
+                <a:cs typeface="DejaVu Sans Mono" panose="020B0609030804020204" pitchFamily="49" charset="0"/>
+              </a:rPr>
+              <a:t> 호출</a:t>
+            </a:r>
+            <a:r>
+              <a:rPr lang="en-US" altLang="ko-KR" sz="1200" dirty="0">
+                <a:solidFill>
+                  <a:schemeClr val="tx1"/>
+                </a:solidFill>
+                <a:latin typeface="DejaVu Sans Mono" panose="020B0609030804020204" pitchFamily="49" charset="0"/>
+                <a:cs typeface="DejaVu Sans Mono" panose="020B0609030804020204" pitchFamily="49" charset="0"/>
+              </a:rPr>
+              <a:t>!")</a:t>
+            </a:r>
+          </a:p>
+          <a:p>
+            <a:r>
+              <a:rPr lang="en-US" altLang="ko-KR" sz="1200" dirty="0">
+                <a:solidFill>
+                  <a:schemeClr val="tx1"/>
+                </a:solidFill>
+                <a:latin typeface="DejaVu Sans Mono" panose="020B0609030804020204" pitchFamily="49" charset="0"/>
+                <a:cs typeface="DejaVu Sans Mono" panose="020B0609030804020204" pitchFamily="49" charset="0"/>
+              </a:rPr>
+              <a:t>        </a:t>
+            </a:r>
+          </a:p>
+          <a:p>
+            <a:r>
+              <a:rPr lang="en-US" altLang="ko-KR" sz="1200" dirty="0">
+                <a:solidFill>
+                  <a:schemeClr val="tx1"/>
+                </a:solidFill>
+                <a:latin typeface="DejaVu Sans Mono" panose="020B0609030804020204" pitchFamily="49" charset="0"/>
+                <a:cs typeface="DejaVu Sans Mono" panose="020B0609030804020204" pitchFamily="49" charset="0"/>
+              </a:rPr>
+              <a:t>class B(A, object):</a:t>
+            </a:r>
+          </a:p>
+          <a:p>
+            <a:r>
+              <a:rPr lang="en-US" altLang="ko-KR" sz="1200" dirty="0">
+                <a:solidFill>
+                  <a:schemeClr val="tx1"/>
+                </a:solidFill>
+                <a:latin typeface="DejaVu Sans Mono" panose="020B0609030804020204" pitchFamily="49" charset="0"/>
+                <a:cs typeface="DejaVu Sans Mono" panose="020B0609030804020204" pitchFamily="49" charset="0"/>
+              </a:rPr>
+              <a:t>    </a:t>
+            </a:r>
+            <a:r>
+              <a:rPr lang="en-US" altLang="ko-KR" sz="1200" dirty="0" err="1">
+                <a:solidFill>
+                  <a:schemeClr val="tx1"/>
+                </a:solidFill>
+                <a:latin typeface="DejaVu Sans Mono" panose="020B0609030804020204" pitchFamily="49" charset="0"/>
+                <a:cs typeface="DejaVu Sans Mono" panose="020B0609030804020204" pitchFamily="49" charset="0"/>
+              </a:rPr>
+              <a:t>def</a:t>
+            </a:r>
+            <a:r>
+              <a:rPr lang="en-US" altLang="ko-KR" sz="1200" dirty="0">
+                <a:solidFill>
+                  <a:schemeClr val="tx1"/>
+                </a:solidFill>
+                <a:latin typeface="DejaVu Sans Mono" panose="020B0609030804020204" pitchFamily="49" charset="0"/>
+                <a:cs typeface="DejaVu Sans Mono" panose="020B0609030804020204" pitchFamily="49" charset="0"/>
+              </a:rPr>
+              <a:t> __</a:t>
+            </a:r>
+            <a:r>
+              <a:rPr lang="en-US" altLang="ko-KR" sz="1200" dirty="0" err="1">
+                <a:solidFill>
+                  <a:schemeClr val="tx1"/>
+                </a:solidFill>
+                <a:latin typeface="DejaVu Sans Mono" panose="020B0609030804020204" pitchFamily="49" charset="0"/>
+                <a:cs typeface="DejaVu Sans Mono" panose="020B0609030804020204" pitchFamily="49" charset="0"/>
+              </a:rPr>
+              <a:t>init</a:t>
+            </a:r>
+            <a:r>
+              <a:rPr lang="en-US" altLang="ko-KR" sz="1200" dirty="0">
+                <a:solidFill>
+                  <a:schemeClr val="tx1"/>
+                </a:solidFill>
+                <a:latin typeface="DejaVu Sans Mono" panose="020B0609030804020204" pitchFamily="49" charset="0"/>
+                <a:cs typeface="DejaVu Sans Mono" panose="020B0609030804020204" pitchFamily="49" charset="0"/>
+              </a:rPr>
+              <a:t>__(self):</a:t>
+            </a:r>
+          </a:p>
+          <a:p>
+            <a:r>
+              <a:rPr lang="en-US" altLang="ko-KR" sz="1200" dirty="0">
+                <a:solidFill>
+                  <a:schemeClr val="tx1"/>
+                </a:solidFill>
+                <a:latin typeface="DejaVu Sans Mono" panose="020B0609030804020204" pitchFamily="49" charset="0"/>
+                <a:cs typeface="DejaVu Sans Mono" panose="020B0609030804020204" pitchFamily="49" charset="0"/>
+              </a:rPr>
+              <a:t>        super(B, self).__</a:t>
+            </a:r>
+            <a:r>
+              <a:rPr lang="en-US" altLang="ko-KR" sz="1200" dirty="0" err="1">
+                <a:solidFill>
+                  <a:schemeClr val="tx1"/>
+                </a:solidFill>
+                <a:latin typeface="DejaVu Sans Mono" panose="020B0609030804020204" pitchFamily="49" charset="0"/>
+                <a:cs typeface="DejaVu Sans Mono" panose="020B0609030804020204" pitchFamily="49" charset="0"/>
+              </a:rPr>
+              <a:t>init</a:t>
+            </a:r>
+            <a:r>
+              <a:rPr lang="en-US" altLang="ko-KR" sz="1200" dirty="0">
+                <a:solidFill>
+                  <a:schemeClr val="tx1"/>
+                </a:solidFill>
+                <a:latin typeface="DejaVu Sans Mono" panose="020B0609030804020204" pitchFamily="49" charset="0"/>
+                <a:cs typeface="DejaVu Sans Mono" panose="020B0609030804020204" pitchFamily="49" charset="0"/>
+              </a:rPr>
+              <a:t>__()</a:t>
+            </a:r>
+          </a:p>
+          <a:p>
+            <a:r>
+              <a:rPr lang="en-US" altLang="ko-KR" sz="1200" dirty="0">
+                <a:solidFill>
+                  <a:schemeClr val="tx1"/>
+                </a:solidFill>
+                <a:latin typeface="DejaVu Sans Mono" panose="020B0609030804020204" pitchFamily="49" charset="0"/>
+                <a:cs typeface="DejaVu Sans Mono" panose="020B0609030804020204" pitchFamily="49" charset="0"/>
+              </a:rPr>
+              <a:t>        print("B </a:t>
+            </a:r>
+            <a:r>
+              <a:rPr lang="ko-KR" altLang="en-US" sz="1200" dirty="0">
+                <a:solidFill>
+                  <a:schemeClr val="tx1"/>
+                </a:solidFill>
+                <a:latin typeface="DejaVu Sans Mono" panose="020B0609030804020204" pitchFamily="49" charset="0"/>
+                <a:cs typeface="DejaVu Sans Mono" panose="020B0609030804020204" pitchFamily="49" charset="0"/>
+              </a:rPr>
+              <a:t>클래스의 </a:t>
+            </a:r>
+            <a:r>
+              <a:rPr lang="ko-KR" altLang="en-US" sz="1200" dirty="0" err="1">
+                <a:solidFill>
+                  <a:schemeClr val="tx1"/>
+                </a:solidFill>
+                <a:latin typeface="DejaVu Sans Mono" panose="020B0609030804020204" pitchFamily="49" charset="0"/>
+                <a:cs typeface="DejaVu Sans Mono" panose="020B0609030804020204" pitchFamily="49" charset="0"/>
+              </a:rPr>
+              <a:t>생성자</a:t>
+            </a:r>
+            <a:r>
+              <a:rPr lang="ko-KR" altLang="en-US" sz="1200" dirty="0">
+                <a:solidFill>
+                  <a:schemeClr val="tx1"/>
+                </a:solidFill>
+                <a:latin typeface="DejaVu Sans Mono" panose="020B0609030804020204" pitchFamily="49" charset="0"/>
+                <a:cs typeface="DejaVu Sans Mono" panose="020B0609030804020204" pitchFamily="49" charset="0"/>
+              </a:rPr>
+              <a:t> 호출</a:t>
+            </a:r>
+            <a:r>
+              <a:rPr lang="en-US" altLang="ko-KR" sz="1200" dirty="0">
+                <a:solidFill>
+                  <a:schemeClr val="tx1"/>
+                </a:solidFill>
+                <a:latin typeface="DejaVu Sans Mono" panose="020B0609030804020204" pitchFamily="49" charset="0"/>
+                <a:cs typeface="DejaVu Sans Mono" panose="020B0609030804020204" pitchFamily="49" charset="0"/>
+              </a:rPr>
+              <a:t>!")</a:t>
+            </a:r>
+          </a:p>
+          <a:p>
+            <a:r>
+              <a:rPr lang="en-US" altLang="ko-KR" sz="1200" dirty="0">
+                <a:solidFill>
+                  <a:schemeClr val="tx1"/>
+                </a:solidFill>
+                <a:latin typeface="DejaVu Sans Mono" panose="020B0609030804020204" pitchFamily="49" charset="0"/>
+                <a:cs typeface="DejaVu Sans Mono" panose="020B0609030804020204" pitchFamily="49" charset="0"/>
+              </a:rPr>
+              <a:t>        </a:t>
+            </a:r>
+          </a:p>
+          <a:p>
+            <a:r>
+              <a:rPr lang="en-US" altLang="ko-KR" sz="1200" dirty="0">
+                <a:solidFill>
+                  <a:schemeClr val="tx1"/>
+                </a:solidFill>
+                <a:latin typeface="DejaVu Sans Mono" panose="020B0609030804020204" pitchFamily="49" charset="0"/>
+                <a:cs typeface="DejaVu Sans Mono" panose="020B0609030804020204" pitchFamily="49" charset="0"/>
+              </a:rPr>
+              <a:t>class C(A, object):</a:t>
+            </a:r>
+          </a:p>
+          <a:p>
+            <a:r>
+              <a:rPr lang="en-US" altLang="ko-KR" sz="1200" dirty="0">
+                <a:solidFill>
+                  <a:schemeClr val="tx1"/>
+                </a:solidFill>
+                <a:latin typeface="DejaVu Sans Mono" panose="020B0609030804020204" pitchFamily="49" charset="0"/>
+                <a:cs typeface="DejaVu Sans Mono" panose="020B0609030804020204" pitchFamily="49" charset="0"/>
+              </a:rPr>
+              <a:t>    </a:t>
+            </a:r>
+            <a:r>
+              <a:rPr lang="en-US" altLang="ko-KR" sz="1200" dirty="0" err="1">
+                <a:solidFill>
+                  <a:schemeClr val="tx1"/>
+                </a:solidFill>
+                <a:latin typeface="DejaVu Sans Mono" panose="020B0609030804020204" pitchFamily="49" charset="0"/>
+                <a:cs typeface="DejaVu Sans Mono" panose="020B0609030804020204" pitchFamily="49" charset="0"/>
+              </a:rPr>
+              <a:t>def</a:t>
+            </a:r>
+            <a:r>
+              <a:rPr lang="en-US" altLang="ko-KR" sz="1200" dirty="0">
+                <a:solidFill>
+                  <a:schemeClr val="tx1"/>
+                </a:solidFill>
+                <a:latin typeface="DejaVu Sans Mono" panose="020B0609030804020204" pitchFamily="49" charset="0"/>
+                <a:cs typeface="DejaVu Sans Mono" panose="020B0609030804020204" pitchFamily="49" charset="0"/>
+              </a:rPr>
+              <a:t> __</a:t>
+            </a:r>
+            <a:r>
+              <a:rPr lang="en-US" altLang="ko-KR" sz="1200" dirty="0" err="1">
+                <a:solidFill>
+                  <a:schemeClr val="tx1"/>
+                </a:solidFill>
+                <a:latin typeface="DejaVu Sans Mono" panose="020B0609030804020204" pitchFamily="49" charset="0"/>
+                <a:cs typeface="DejaVu Sans Mono" panose="020B0609030804020204" pitchFamily="49" charset="0"/>
+              </a:rPr>
+              <a:t>init</a:t>
+            </a:r>
+            <a:r>
+              <a:rPr lang="en-US" altLang="ko-KR" sz="1200" dirty="0">
+                <a:solidFill>
+                  <a:schemeClr val="tx1"/>
+                </a:solidFill>
+                <a:latin typeface="DejaVu Sans Mono" panose="020B0609030804020204" pitchFamily="49" charset="0"/>
+                <a:cs typeface="DejaVu Sans Mono" panose="020B0609030804020204" pitchFamily="49" charset="0"/>
+              </a:rPr>
+              <a:t>__(self):</a:t>
+            </a:r>
+          </a:p>
+          <a:p>
+            <a:r>
+              <a:rPr lang="en-US" altLang="ko-KR" sz="1200" dirty="0">
+                <a:solidFill>
+                  <a:schemeClr val="tx1"/>
+                </a:solidFill>
+                <a:latin typeface="DejaVu Sans Mono" panose="020B0609030804020204" pitchFamily="49" charset="0"/>
+                <a:cs typeface="DejaVu Sans Mono" panose="020B0609030804020204" pitchFamily="49" charset="0"/>
+              </a:rPr>
+              <a:t>        super(C, self).__</a:t>
+            </a:r>
+            <a:r>
+              <a:rPr lang="en-US" altLang="ko-KR" sz="1200" dirty="0" err="1">
+                <a:solidFill>
+                  <a:schemeClr val="tx1"/>
+                </a:solidFill>
+                <a:latin typeface="DejaVu Sans Mono" panose="020B0609030804020204" pitchFamily="49" charset="0"/>
+                <a:cs typeface="DejaVu Sans Mono" panose="020B0609030804020204" pitchFamily="49" charset="0"/>
+              </a:rPr>
+              <a:t>init</a:t>
+            </a:r>
+            <a:r>
+              <a:rPr lang="en-US" altLang="ko-KR" sz="1200" dirty="0">
+                <a:solidFill>
+                  <a:schemeClr val="tx1"/>
+                </a:solidFill>
+                <a:latin typeface="DejaVu Sans Mono" panose="020B0609030804020204" pitchFamily="49" charset="0"/>
+                <a:cs typeface="DejaVu Sans Mono" panose="020B0609030804020204" pitchFamily="49" charset="0"/>
+              </a:rPr>
+              <a:t>__()</a:t>
+            </a:r>
+          </a:p>
+          <a:p>
+            <a:r>
+              <a:rPr lang="en-US" altLang="ko-KR" sz="1200" dirty="0">
+                <a:solidFill>
+                  <a:schemeClr val="tx1"/>
+                </a:solidFill>
+                <a:latin typeface="DejaVu Sans Mono" panose="020B0609030804020204" pitchFamily="49" charset="0"/>
+                <a:cs typeface="DejaVu Sans Mono" panose="020B0609030804020204" pitchFamily="49" charset="0"/>
+              </a:rPr>
+              <a:t>        print("C </a:t>
+            </a:r>
+            <a:r>
+              <a:rPr lang="ko-KR" altLang="en-US" sz="1200" dirty="0">
+                <a:solidFill>
+                  <a:schemeClr val="tx1"/>
+                </a:solidFill>
+                <a:latin typeface="DejaVu Sans Mono" panose="020B0609030804020204" pitchFamily="49" charset="0"/>
+                <a:cs typeface="DejaVu Sans Mono" panose="020B0609030804020204" pitchFamily="49" charset="0"/>
+              </a:rPr>
+              <a:t>클래스의 </a:t>
+            </a:r>
+            <a:r>
+              <a:rPr lang="ko-KR" altLang="en-US" sz="1200" dirty="0" err="1">
+                <a:solidFill>
+                  <a:schemeClr val="tx1"/>
+                </a:solidFill>
+                <a:latin typeface="DejaVu Sans Mono" panose="020B0609030804020204" pitchFamily="49" charset="0"/>
+                <a:cs typeface="DejaVu Sans Mono" panose="020B0609030804020204" pitchFamily="49" charset="0"/>
+              </a:rPr>
+              <a:t>생성자</a:t>
+            </a:r>
+            <a:r>
+              <a:rPr lang="ko-KR" altLang="en-US" sz="1200" dirty="0">
+                <a:solidFill>
+                  <a:schemeClr val="tx1"/>
+                </a:solidFill>
+                <a:latin typeface="DejaVu Sans Mono" panose="020B0609030804020204" pitchFamily="49" charset="0"/>
+                <a:cs typeface="DejaVu Sans Mono" panose="020B0609030804020204" pitchFamily="49" charset="0"/>
+              </a:rPr>
+              <a:t> 호출</a:t>
+            </a:r>
+            <a:r>
+              <a:rPr lang="en-US" altLang="ko-KR" sz="1200" dirty="0">
+                <a:solidFill>
+                  <a:schemeClr val="tx1"/>
+                </a:solidFill>
+                <a:latin typeface="DejaVu Sans Mono" panose="020B0609030804020204" pitchFamily="49" charset="0"/>
+                <a:cs typeface="DejaVu Sans Mono" panose="020B0609030804020204" pitchFamily="49" charset="0"/>
+              </a:rPr>
+              <a:t>!")</a:t>
+            </a:r>
+          </a:p>
+          <a:p>
+            <a:r>
+              <a:rPr lang="en-US" altLang="ko-KR" sz="1200" dirty="0">
+                <a:solidFill>
+                  <a:schemeClr val="tx1"/>
+                </a:solidFill>
+                <a:latin typeface="DejaVu Sans Mono" panose="020B0609030804020204" pitchFamily="49" charset="0"/>
+                <a:cs typeface="DejaVu Sans Mono" panose="020B0609030804020204" pitchFamily="49" charset="0"/>
+              </a:rPr>
+              <a:t>        </a:t>
+            </a:r>
+          </a:p>
+          <a:p>
+            <a:r>
+              <a:rPr lang="en-US" altLang="ko-KR" sz="1200" dirty="0">
+                <a:solidFill>
+                  <a:schemeClr val="tx1"/>
+                </a:solidFill>
+                <a:latin typeface="DejaVu Sans Mono" panose="020B0609030804020204" pitchFamily="49" charset="0"/>
+                <a:cs typeface="DejaVu Sans Mono" panose="020B0609030804020204" pitchFamily="49" charset="0"/>
+              </a:rPr>
+              <a:t>class D(B,C, object):</a:t>
+            </a:r>
+          </a:p>
+          <a:p>
+            <a:r>
+              <a:rPr lang="en-US" altLang="ko-KR" sz="1200" dirty="0">
+                <a:solidFill>
+                  <a:schemeClr val="tx1"/>
+                </a:solidFill>
+                <a:latin typeface="DejaVu Sans Mono" panose="020B0609030804020204" pitchFamily="49" charset="0"/>
+                <a:cs typeface="DejaVu Sans Mono" panose="020B0609030804020204" pitchFamily="49" charset="0"/>
+              </a:rPr>
+              <a:t>    </a:t>
+            </a:r>
+            <a:r>
+              <a:rPr lang="en-US" altLang="ko-KR" sz="1200" dirty="0" err="1">
+                <a:solidFill>
+                  <a:schemeClr val="tx1"/>
+                </a:solidFill>
+                <a:latin typeface="DejaVu Sans Mono" panose="020B0609030804020204" pitchFamily="49" charset="0"/>
+                <a:cs typeface="DejaVu Sans Mono" panose="020B0609030804020204" pitchFamily="49" charset="0"/>
+              </a:rPr>
+              <a:t>def</a:t>
+            </a:r>
+            <a:r>
+              <a:rPr lang="en-US" altLang="ko-KR" sz="1200" dirty="0">
+                <a:solidFill>
+                  <a:schemeClr val="tx1"/>
+                </a:solidFill>
+                <a:latin typeface="DejaVu Sans Mono" panose="020B0609030804020204" pitchFamily="49" charset="0"/>
+                <a:cs typeface="DejaVu Sans Mono" panose="020B0609030804020204" pitchFamily="49" charset="0"/>
+              </a:rPr>
+              <a:t> __</a:t>
+            </a:r>
+            <a:r>
+              <a:rPr lang="en-US" altLang="ko-KR" sz="1200" dirty="0" err="1">
+                <a:solidFill>
+                  <a:schemeClr val="tx1"/>
+                </a:solidFill>
+                <a:latin typeface="DejaVu Sans Mono" panose="020B0609030804020204" pitchFamily="49" charset="0"/>
+                <a:cs typeface="DejaVu Sans Mono" panose="020B0609030804020204" pitchFamily="49" charset="0"/>
+              </a:rPr>
+              <a:t>init</a:t>
+            </a:r>
+            <a:r>
+              <a:rPr lang="en-US" altLang="ko-KR" sz="1200" dirty="0">
+                <a:solidFill>
+                  <a:schemeClr val="tx1"/>
+                </a:solidFill>
+                <a:latin typeface="DejaVu Sans Mono" panose="020B0609030804020204" pitchFamily="49" charset="0"/>
+                <a:cs typeface="DejaVu Sans Mono" panose="020B0609030804020204" pitchFamily="49" charset="0"/>
+              </a:rPr>
+              <a:t>__(self):</a:t>
+            </a:r>
+          </a:p>
+          <a:p>
+            <a:r>
+              <a:rPr lang="en-US" altLang="ko-KR" sz="1200" dirty="0">
+                <a:solidFill>
+                  <a:schemeClr val="tx1"/>
+                </a:solidFill>
+                <a:latin typeface="DejaVu Sans Mono" panose="020B0609030804020204" pitchFamily="49" charset="0"/>
+                <a:cs typeface="DejaVu Sans Mono" panose="020B0609030804020204" pitchFamily="49" charset="0"/>
+              </a:rPr>
+              <a:t>        super(D, self).__</a:t>
+            </a:r>
+            <a:r>
+              <a:rPr lang="en-US" altLang="ko-KR" sz="1200" dirty="0" err="1">
+                <a:solidFill>
+                  <a:schemeClr val="tx1"/>
+                </a:solidFill>
+                <a:latin typeface="DejaVu Sans Mono" panose="020B0609030804020204" pitchFamily="49" charset="0"/>
+                <a:cs typeface="DejaVu Sans Mono" panose="020B0609030804020204" pitchFamily="49" charset="0"/>
+              </a:rPr>
+              <a:t>init</a:t>
+            </a:r>
+            <a:r>
+              <a:rPr lang="en-US" altLang="ko-KR" sz="1200" dirty="0">
+                <a:solidFill>
+                  <a:schemeClr val="tx1"/>
+                </a:solidFill>
+                <a:latin typeface="DejaVu Sans Mono" panose="020B0609030804020204" pitchFamily="49" charset="0"/>
+                <a:cs typeface="DejaVu Sans Mono" panose="020B0609030804020204" pitchFamily="49" charset="0"/>
+              </a:rPr>
+              <a:t>__()</a:t>
+            </a:r>
+          </a:p>
+          <a:p>
+            <a:r>
+              <a:rPr lang="en-US" altLang="ko-KR" sz="1200" dirty="0">
+                <a:solidFill>
+                  <a:schemeClr val="tx1"/>
+                </a:solidFill>
+                <a:latin typeface="DejaVu Sans Mono" panose="020B0609030804020204" pitchFamily="49" charset="0"/>
+                <a:cs typeface="DejaVu Sans Mono" panose="020B0609030804020204" pitchFamily="49" charset="0"/>
+              </a:rPr>
+              <a:t>        print("D </a:t>
+            </a:r>
+            <a:r>
+              <a:rPr lang="ko-KR" altLang="en-US" sz="1200" dirty="0">
+                <a:solidFill>
+                  <a:schemeClr val="tx1"/>
+                </a:solidFill>
+                <a:latin typeface="DejaVu Sans Mono" panose="020B0609030804020204" pitchFamily="49" charset="0"/>
+                <a:cs typeface="DejaVu Sans Mono" panose="020B0609030804020204" pitchFamily="49" charset="0"/>
+              </a:rPr>
+              <a:t>클래스의 </a:t>
+            </a:r>
+            <a:r>
+              <a:rPr lang="ko-KR" altLang="en-US" sz="1200" dirty="0" err="1">
+                <a:solidFill>
+                  <a:schemeClr val="tx1"/>
+                </a:solidFill>
+                <a:latin typeface="DejaVu Sans Mono" panose="020B0609030804020204" pitchFamily="49" charset="0"/>
+                <a:cs typeface="DejaVu Sans Mono" panose="020B0609030804020204" pitchFamily="49" charset="0"/>
+              </a:rPr>
+              <a:t>생성자</a:t>
+            </a:r>
+            <a:r>
+              <a:rPr lang="ko-KR" altLang="en-US" sz="1200" dirty="0">
+                <a:solidFill>
+                  <a:schemeClr val="tx1"/>
+                </a:solidFill>
+                <a:latin typeface="DejaVu Sans Mono" panose="020B0609030804020204" pitchFamily="49" charset="0"/>
+                <a:cs typeface="DejaVu Sans Mono" panose="020B0609030804020204" pitchFamily="49" charset="0"/>
+              </a:rPr>
+              <a:t> 호출</a:t>
+            </a:r>
+            <a:r>
+              <a:rPr lang="en-US" altLang="ko-KR" sz="1200" dirty="0">
+                <a:solidFill>
+                  <a:schemeClr val="tx1"/>
+                </a:solidFill>
+                <a:latin typeface="DejaVu Sans Mono" panose="020B0609030804020204" pitchFamily="49" charset="0"/>
+                <a:cs typeface="DejaVu Sans Mono" panose="020B0609030804020204" pitchFamily="49" charset="0"/>
+              </a:rPr>
+              <a:t>!")</a:t>
+            </a:r>
+          </a:p>
+          <a:p>
+            <a:r>
+              <a:rPr lang="en-US" altLang="ko-KR" sz="1200" dirty="0">
+                <a:solidFill>
+                  <a:schemeClr val="tx1"/>
+                </a:solidFill>
+                <a:latin typeface="DejaVu Sans Mono" panose="020B0609030804020204" pitchFamily="49" charset="0"/>
+                <a:cs typeface="DejaVu Sans Mono" panose="020B0609030804020204" pitchFamily="49" charset="0"/>
+              </a:rPr>
+              <a:t>        </a:t>
+            </a:r>
+          </a:p>
+          <a:p>
+            <a:r>
+              <a:rPr lang="en-US" altLang="ko-KR" sz="1200" dirty="0" err="1">
+                <a:solidFill>
+                  <a:schemeClr val="tx1"/>
+                </a:solidFill>
+                <a:latin typeface="DejaVu Sans Mono" panose="020B0609030804020204" pitchFamily="49" charset="0"/>
+                <a:cs typeface="DejaVu Sans Mono" panose="020B0609030804020204" pitchFamily="49" charset="0"/>
+              </a:rPr>
+              <a:t>objectD</a:t>
+            </a:r>
+            <a:r>
+              <a:rPr lang="en-US" altLang="ko-KR" sz="1200" dirty="0">
+                <a:solidFill>
+                  <a:schemeClr val="tx1"/>
+                </a:solidFill>
+                <a:latin typeface="DejaVu Sans Mono" panose="020B0609030804020204" pitchFamily="49" charset="0"/>
+                <a:cs typeface="DejaVu Sans Mono" panose="020B0609030804020204" pitchFamily="49" charset="0"/>
+              </a:rPr>
+              <a:t> = D</a:t>
+            </a:r>
+            <a:r>
+              <a:rPr lang="en-US" altLang="ko-KR" sz="1200" dirty="0" smtClean="0">
+                <a:solidFill>
+                  <a:schemeClr val="tx1"/>
+                </a:solidFill>
+                <a:latin typeface="DejaVu Sans Mono" panose="020B0609030804020204" pitchFamily="49" charset="0"/>
+                <a:cs typeface="DejaVu Sans Mono" panose="020B0609030804020204" pitchFamily="49" charset="0"/>
+              </a:rPr>
+              <a:t>()</a:t>
+            </a:r>
+          </a:p>
+          <a:p>
+            <a:r>
+              <a:rPr lang="en-US" altLang="ko-KR" sz="1200" dirty="0">
+                <a:solidFill>
+                  <a:schemeClr val="tx1"/>
+                </a:solidFill>
+                <a:latin typeface="DejaVu Sans Mono" panose="020B0609030804020204" pitchFamily="49" charset="0"/>
+                <a:cs typeface="DejaVu Sans Mono" panose="020B0609030804020204" pitchFamily="49" charset="0"/>
+              </a:rPr>
+              <a:t>A </a:t>
+            </a:r>
+            <a:r>
+              <a:rPr lang="ko-KR" altLang="en-US" sz="1200" dirty="0">
+                <a:solidFill>
+                  <a:schemeClr val="tx1"/>
+                </a:solidFill>
+                <a:latin typeface="DejaVu Sans Mono" panose="020B0609030804020204" pitchFamily="49" charset="0"/>
+                <a:cs typeface="DejaVu Sans Mono" panose="020B0609030804020204" pitchFamily="49" charset="0"/>
+              </a:rPr>
+              <a:t>클래스의 </a:t>
+            </a:r>
+            <a:r>
+              <a:rPr lang="ko-KR" altLang="en-US" sz="1200" dirty="0" err="1">
+                <a:solidFill>
+                  <a:schemeClr val="tx1"/>
+                </a:solidFill>
+                <a:latin typeface="DejaVu Sans Mono" panose="020B0609030804020204" pitchFamily="49" charset="0"/>
+                <a:cs typeface="DejaVu Sans Mono" panose="020B0609030804020204" pitchFamily="49" charset="0"/>
+              </a:rPr>
+              <a:t>생성자</a:t>
+            </a:r>
+            <a:r>
+              <a:rPr lang="ko-KR" altLang="en-US" sz="1200" dirty="0">
+                <a:solidFill>
+                  <a:schemeClr val="tx1"/>
+                </a:solidFill>
+                <a:latin typeface="DejaVu Sans Mono" panose="020B0609030804020204" pitchFamily="49" charset="0"/>
+                <a:cs typeface="DejaVu Sans Mono" panose="020B0609030804020204" pitchFamily="49" charset="0"/>
+              </a:rPr>
+              <a:t> 호출</a:t>
+            </a:r>
+            <a:r>
+              <a:rPr lang="en-US" altLang="ko-KR" sz="1200" dirty="0">
+                <a:solidFill>
+                  <a:schemeClr val="tx1"/>
+                </a:solidFill>
+                <a:latin typeface="DejaVu Sans Mono" panose="020B0609030804020204" pitchFamily="49" charset="0"/>
+                <a:cs typeface="DejaVu Sans Mono" panose="020B0609030804020204" pitchFamily="49" charset="0"/>
+              </a:rPr>
+              <a:t>!</a:t>
+            </a:r>
+          </a:p>
+          <a:p>
+            <a:r>
+              <a:rPr lang="en-US" altLang="ko-KR" sz="1200" dirty="0">
+                <a:solidFill>
+                  <a:schemeClr val="tx1"/>
+                </a:solidFill>
+                <a:latin typeface="DejaVu Sans Mono" panose="020B0609030804020204" pitchFamily="49" charset="0"/>
+                <a:cs typeface="DejaVu Sans Mono" panose="020B0609030804020204" pitchFamily="49" charset="0"/>
+              </a:rPr>
+              <a:t>C </a:t>
+            </a:r>
+            <a:r>
+              <a:rPr lang="ko-KR" altLang="en-US" sz="1200" dirty="0">
+                <a:solidFill>
+                  <a:schemeClr val="tx1"/>
+                </a:solidFill>
+                <a:latin typeface="DejaVu Sans Mono" panose="020B0609030804020204" pitchFamily="49" charset="0"/>
+                <a:cs typeface="DejaVu Sans Mono" panose="020B0609030804020204" pitchFamily="49" charset="0"/>
+              </a:rPr>
+              <a:t>클래스의 </a:t>
+            </a:r>
+            <a:r>
+              <a:rPr lang="ko-KR" altLang="en-US" sz="1200" dirty="0" err="1">
+                <a:solidFill>
+                  <a:schemeClr val="tx1"/>
+                </a:solidFill>
+                <a:latin typeface="DejaVu Sans Mono" panose="020B0609030804020204" pitchFamily="49" charset="0"/>
+                <a:cs typeface="DejaVu Sans Mono" panose="020B0609030804020204" pitchFamily="49" charset="0"/>
+              </a:rPr>
+              <a:t>생성자</a:t>
+            </a:r>
+            <a:r>
+              <a:rPr lang="ko-KR" altLang="en-US" sz="1200" dirty="0">
+                <a:solidFill>
+                  <a:schemeClr val="tx1"/>
+                </a:solidFill>
+                <a:latin typeface="DejaVu Sans Mono" panose="020B0609030804020204" pitchFamily="49" charset="0"/>
+                <a:cs typeface="DejaVu Sans Mono" panose="020B0609030804020204" pitchFamily="49" charset="0"/>
+              </a:rPr>
+              <a:t> 호출</a:t>
+            </a:r>
+            <a:r>
+              <a:rPr lang="en-US" altLang="ko-KR" sz="1200" dirty="0">
+                <a:solidFill>
+                  <a:schemeClr val="tx1"/>
+                </a:solidFill>
+                <a:latin typeface="DejaVu Sans Mono" panose="020B0609030804020204" pitchFamily="49" charset="0"/>
+                <a:cs typeface="DejaVu Sans Mono" panose="020B0609030804020204" pitchFamily="49" charset="0"/>
+              </a:rPr>
+              <a:t>!</a:t>
+            </a:r>
+          </a:p>
+          <a:p>
+            <a:r>
+              <a:rPr lang="en-US" altLang="ko-KR" sz="1200" dirty="0">
+                <a:solidFill>
+                  <a:schemeClr val="tx1"/>
+                </a:solidFill>
+                <a:latin typeface="DejaVu Sans Mono" panose="020B0609030804020204" pitchFamily="49" charset="0"/>
+                <a:cs typeface="DejaVu Sans Mono" panose="020B0609030804020204" pitchFamily="49" charset="0"/>
+              </a:rPr>
+              <a:t>B </a:t>
+            </a:r>
+            <a:r>
+              <a:rPr lang="ko-KR" altLang="en-US" sz="1200" dirty="0">
+                <a:solidFill>
+                  <a:schemeClr val="tx1"/>
+                </a:solidFill>
+                <a:latin typeface="DejaVu Sans Mono" panose="020B0609030804020204" pitchFamily="49" charset="0"/>
+                <a:cs typeface="DejaVu Sans Mono" panose="020B0609030804020204" pitchFamily="49" charset="0"/>
+              </a:rPr>
+              <a:t>클래스의 </a:t>
+            </a:r>
+            <a:r>
+              <a:rPr lang="ko-KR" altLang="en-US" sz="1200" dirty="0" err="1">
+                <a:solidFill>
+                  <a:schemeClr val="tx1"/>
+                </a:solidFill>
+                <a:latin typeface="DejaVu Sans Mono" panose="020B0609030804020204" pitchFamily="49" charset="0"/>
+                <a:cs typeface="DejaVu Sans Mono" panose="020B0609030804020204" pitchFamily="49" charset="0"/>
+              </a:rPr>
+              <a:t>생성자</a:t>
+            </a:r>
+            <a:r>
+              <a:rPr lang="ko-KR" altLang="en-US" sz="1200" dirty="0">
+                <a:solidFill>
+                  <a:schemeClr val="tx1"/>
+                </a:solidFill>
+                <a:latin typeface="DejaVu Sans Mono" panose="020B0609030804020204" pitchFamily="49" charset="0"/>
+                <a:cs typeface="DejaVu Sans Mono" panose="020B0609030804020204" pitchFamily="49" charset="0"/>
+              </a:rPr>
+              <a:t> 호출</a:t>
+            </a:r>
+            <a:r>
+              <a:rPr lang="en-US" altLang="ko-KR" sz="1200" dirty="0">
+                <a:solidFill>
+                  <a:schemeClr val="tx1"/>
+                </a:solidFill>
+                <a:latin typeface="DejaVu Sans Mono" panose="020B0609030804020204" pitchFamily="49" charset="0"/>
+                <a:cs typeface="DejaVu Sans Mono" panose="020B0609030804020204" pitchFamily="49" charset="0"/>
+              </a:rPr>
+              <a:t>!</a:t>
+            </a:r>
+          </a:p>
+          <a:p>
+            <a:r>
+              <a:rPr lang="en-US" altLang="ko-KR" sz="1200" dirty="0">
+                <a:solidFill>
+                  <a:schemeClr val="tx1"/>
+                </a:solidFill>
+                <a:latin typeface="DejaVu Sans Mono" panose="020B0609030804020204" pitchFamily="49" charset="0"/>
+                <a:cs typeface="DejaVu Sans Mono" panose="020B0609030804020204" pitchFamily="49" charset="0"/>
+              </a:rPr>
+              <a:t>D </a:t>
+            </a:r>
+            <a:r>
+              <a:rPr lang="ko-KR" altLang="en-US" sz="1200" dirty="0">
+                <a:solidFill>
+                  <a:schemeClr val="tx1"/>
+                </a:solidFill>
+                <a:latin typeface="DejaVu Sans Mono" panose="020B0609030804020204" pitchFamily="49" charset="0"/>
+                <a:cs typeface="DejaVu Sans Mono" panose="020B0609030804020204" pitchFamily="49" charset="0"/>
+              </a:rPr>
+              <a:t>클래스의 </a:t>
+            </a:r>
+            <a:r>
+              <a:rPr lang="ko-KR" altLang="en-US" sz="1200" dirty="0" err="1">
+                <a:solidFill>
+                  <a:schemeClr val="tx1"/>
+                </a:solidFill>
+                <a:latin typeface="DejaVu Sans Mono" panose="020B0609030804020204" pitchFamily="49" charset="0"/>
+                <a:cs typeface="DejaVu Sans Mono" panose="020B0609030804020204" pitchFamily="49" charset="0"/>
+              </a:rPr>
+              <a:t>생성자</a:t>
+            </a:r>
+            <a:r>
+              <a:rPr lang="ko-KR" altLang="en-US" sz="1200" dirty="0">
+                <a:solidFill>
+                  <a:schemeClr val="tx1"/>
+                </a:solidFill>
+                <a:latin typeface="DejaVu Sans Mono" panose="020B0609030804020204" pitchFamily="49" charset="0"/>
+                <a:cs typeface="DejaVu Sans Mono" panose="020B0609030804020204" pitchFamily="49" charset="0"/>
+              </a:rPr>
+              <a:t> 호출</a:t>
+            </a:r>
+            <a:r>
+              <a:rPr lang="en-US" altLang="ko-KR" sz="1200" dirty="0">
+                <a:solidFill>
+                  <a:schemeClr val="tx1"/>
+                </a:solidFill>
+                <a:latin typeface="DejaVu Sans Mono" panose="020B0609030804020204" pitchFamily="49" charset="0"/>
+                <a:cs typeface="DejaVu Sans Mono" panose="020B0609030804020204" pitchFamily="49" charset="0"/>
+              </a:rPr>
+              <a:t>!</a:t>
+            </a:r>
+          </a:p>
+          <a:p>
+            <a:endParaRPr lang="en-US" altLang="ko-KR" sz="1200" dirty="0" smtClean="0">
+              <a:solidFill>
+                <a:schemeClr val="tx1"/>
+              </a:solidFill>
+              <a:latin typeface="DejaVu Sans Mono" panose="020B0609030804020204" pitchFamily="49" charset="0"/>
+              <a:cs typeface="DejaVu Sans Mono" panose="020B0609030804020204" pitchFamily="49" charset="0"/>
+            </a:endParaRPr>
+          </a:p>
+          <a:p>
+            <a:r>
+              <a:rPr lang="en-US" altLang="ko-KR" sz="1200" dirty="0" smtClean="0">
+                <a:solidFill>
+                  <a:schemeClr val="tx1"/>
+                </a:solidFill>
+                <a:latin typeface="DejaVu Sans Mono" panose="020B0609030804020204" pitchFamily="49" charset="0"/>
+                <a:cs typeface="DejaVu Sans Mono" panose="020B0609030804020204" pitchFamily="49" charset="0"/>
+              </a:rPr>
+              <a:t># B</a:t>
+            </a:r>
+            <a:r>
+              <a:rPr lang="ko-KR" altLang="en-US" sz="1200" dirty="0" smtClean="0">
+                <a:solidFill>
+                  <a:schemeClr val="tx1"/>
+                </a:solidFill>
+                <a:latin typeface="DejaVu Sans Mono" panose="020B0609030804020204" pitchFamily="49" charset="0"/>
+                <a:cs typeface="DejaVu Sans Mono" panose="020B0609030804020204" pitchFamily="49" charset="0"/>
+              </a:rPr>
+              <a:t>와 </a:t>
+            </a:r>
+            <a:r>
+              <a:rPr lang="en-US" altLang="ko-KR" sz="1200" dirty="0" smtClean="0">
+                <a:solidFill>
+                  <a:schemeClr val="tx1"/>
+                </a:solidFill>
+                <a:latin typeface="DejaVu Sans Mono" panose="020B0609030804020204" pitchFamily="49" charset="0"/>
+                <a:cs typeface="DejaVu Sans Mono" panose="020B0609030804020204" pitchFamily="49" charset="0"/>
+              </a:rPr>
+              <a:t>C</a:t>
+            </a:r>
+            <a:r>
+              <a:rPr lang="ko-KR" altLang="en-US" sz="1200" dirty="0" smtClean="0">
+                <a:solidFill>
+                  <a:schemeClr val="tx1"/>
+                </a:solidFill>
+                <a:latin typeface="DejaVu Sans Mono" panose="020B0609030804020204" pitchFamily="49" charset="0"/>
+                <a:cs typeface="DejaVu Sans Mono" panose="020B0609030804020204" pitchFamily="49" charset="0"/>
+              </a:rPr>
+              <a:t>클래스가 </a:t>
+            </a:r>
+            <a:r>
+              <a:rPr lang="en-US" altLang="ko-KR" sz="1200" dirty="0" smtClean="0">
+                <a:solidFill>
+                  <a:schemeClr val="tx1"/>
+                </a:solidFill>
+                <a:latin typeface="DejaVu Sans Mono" panose="020B0609030804020204" pitchFamily="49" charset="0"/>
+                <a:cs typeface="DejaVu Sans Mono" panose="020B0609030804020204" pitchFamily="49" charset="0"/>
+              </a:rPr>
+              <a:t>A</a:t>
+            </a:r>
+            <a:r>
+              <a:rPr lang="ko-KR" altLang="en-US" sz="1200" dirty="0" smtClean="0">
+                <a:solidFill>
+                  <a:schemeClr val="tx1"/>
+                </a:solidFill>
+                <a:latin typeface="DejaVu Sans Mono" panose="020B0609030804020204" pitchFamily="49" charset="0"/>
+                <a:cs typeface="DejaVu Sans Mono" panose="020B0609030804020204" pitchFamily="49" charset="0"/>
+              </a:rPr>
+              <a:t>클래스의 자식인 것을 생각하여 인터프리터가 </a:t>
+            </a:r>
+            <a:r>
+              <a:rPr lang="en-US" altLang="ko-KR" sz="1200" dirty="0" smtClean="0">
+                <a:solidFill>
+                  <a:schemeClr val="tx1"/>
+                </a:solidFill>
+                <a:latin typeface="DejaVu Sans Mono" panose="020B0609030804020204" pitchFamily="49" charset="0"/>
+                <a:cs typeface="DejaVu Sans Mono" panose="020B0609030804020204" pitchFamily="49" charset="0"/>
+              </a:rPr>
+              <a:t>A</a:t>
+            </a:r>
+            <a:r>
+              <a:rPr lang="ko-KR" altLang="en-US" sz="1200" dirty="0" smtClean="0">
+                <a:solidFill>
+                  <a:schemeClr val="tx1"/>
+                </a:solidFill>
+                <a:latin typeface="DejaVu Sans Mono" panose="020B0609030804020204" pitchFamily="49" charset="0"/>
+                <a:cs typeface="DejaVu Sans Mono" panose="020B0609030804020204" pitchFamily="49" charset="0"/>
+              </a:rPr>
+              <a:t>클래스의 생성자가 두 번 호출되는 것을 막는 방법이다</a:t>
+            </a:r>
+            <a:r>
+              <a:rPr lang="en-US" altLang="ko-KR" sz="1200" dirty="0" smtClean="0">
+                <a:solidFill>
+                  <a:schemeClr val="tx1"/>
+                </a:solidFill>
+                <a:latin typeface="DejaVu Sans Mono" panose="020B0609030804020204" pitchFamily="49" charset="0"/>
+                <a:cs typeface="DejaVu Sans Mono" panose="020B0609030804020204" pitchFamily="49" charset="0"/>
+              </a:rPr>
+              <a:t>.</a:t>
+            </a:r>
+            <a:endParaRPr lang="ko-KR" altLang="en-US" sz="1200" dirty="0">
+              <a:solidFill>
+                <a:schemeClr val="tx1"/>
+              </a:solidFill>
+              <a:latin typeface="DejaVu Sans Mono" panose="020B0609030804020204" pitchFamily="49" charset="0"/>
+              <a:cs typeface="DejaVu Sans Mono" panose="020B0609030804020204" pitchFamily="49" charset="0"/>
+            </a:endParaRPr>
+          </a:p>
+        </p:txBody>
+      </p:sp>
+    </p:spTree>
+    <p:extLst>
+      <p:ext uri="{BB962C8B-B14F-4D97-AF65-F5344CB8AC3E}">
+        <p14:creationId xmlns:p14="http://schemas.microsoft.com/office/powerpoint/2010/main" val="848569600"/>
+      </p:ext>
+    </p:extLst>
+  </p:cSld>
+  <p:clrMapOvr>
+    <a:masterClrMapping/>
+  </p:clrMapOvr>
+</p:sld>
+</file>
+
+<file path=ppt/slides/slide11.xml><?xml version="1.0" encoding="utf-8"?>
+<p:sld xmlns:a="http://schemas.openxmlformats.org/drawingml/2006/main" xmlns:r="http://schemas.openxmlformats.org/officeDocument/2006/relationships" xmlns:p="http://schemas.openxmlformats.org/presentationml/2006/main">
+  <p:cSld>
     <p:bg>
       <p:bgPr>
         <a:solidFill>
@@ -3960,7 +6096,7 @@
           <a:p>
             <a:fld id="{FE150C24-AA4D-4CD8-91C7-5A50E7823163}" type="slidenum">
               <a:rPr lang="ko-KR" altLang="en-US" smtClean="0"/>
-              <a:t>10</a:t>
+              <a:t>11</a:t>
             </a:fld>
             <a:endParaRPr lang="ko-KR" altLang="en-US"/>
           </a:p>
@@ -4020,7 +6156,7 @@
         <p:spPr>
           <a:xfrm>
             <a:off x="678730" y="1734532"/>
-            <a:ext cx="1790875" cy="1323439"/>
+            <a:ext cx="1790875" cy="1938992"/>
           </a:xfrm>
           <a:prstGeom prst="rect">
             <a:avLst/>
@@ -4063,6 +6199,50 @@
               </a:rPr>
               <a:t>?</a:t>
             </a:r>
+          </a:p>
+          <a:p>
+            <a:pPr marL="457200" indent="-457200">
+              <a:buAutoNum type="arabicPeriod"/>
+            </a:pPr>
+            <a:endParaRPr lang="en-US" altLang="ko-KR" sz="2000" dirty="0">
+              <a:solidFill>
+                <a:schemeClr val="bg1"/>
+              </a:solidFill>
+            </a:endParaRPr>
+          </a:p>
+          <a:p>
+            <a:pPr marL="457200" indent="-457200">
+              <a:buAutoNum type="arabicPeriod"/>
+            </a:pPr>
+            <a:r>
+              <a:rPr lang="en-US" altLang="ko-KR" sz="2000" dirty="0" smtClean="0">
+                <a:solidFill>
+                  <a:schemeClr val="bg1"/>
+                </a:solidFill>
+              </a:rPr>
+              <a:t>Self</a:t>
+            </a:r>
+            <a:r>
+              <a:rPr lang="ko-KR" altLang="en-US" sz="2000" dirty="0" smtClean="0">
+                <a:solidFill>
+                  <a:schemeClr val="bg1"/>
+                </a:solidFill>
+              </a:rPr>
+              <a:t>란</a:t>
+            </a:r>
+            <a:r>
+              <a:rPr lang="en-US" altLang="ko-KR" sz="2000" dirty="0" smtClean="0">
+                <a:solidFill>
+                  <a:schemeClr val="bg1"/>
+                </a:solidFill>
+              </a:rPr>
+              <a:t>?</a:t>
+            </a:r>
+            <a:endParaRPr lang="en-US" altLang="ko-KR" sz="2000" dirty="0" smtClean="0">
+              <a:solidFill>
+                <a:schemeClr val="bg1"/>
+              </a:solidFill>
+            </a:endParaRPr>
           </a:p>
           <a:p>
             <a:pPr marL="457200" indent="-457200">
@@ -4239,13 +6419,13 @@
         </p:nvSpPr>
         <p:spPr>
           <a:xfrm>
-            <a:off x="838200" y="1825625"/>
-            <a:ext cx="10515600" cy="3785466"/>
+            <a:off x="838200" y="1611086"/>
+            <a:ext cx="10515600" cy="5033553"/>
           </a:xfrm>
         </p:spPr>
         <p:txBody>
           <a:bodyPr>
-            <a:normAutofit/>
+            <a:normAutofit lnSpcReduction="10000"/>
           </a:bodyPr>
           <a:lstStyle/>
           <a:p>
@@ -4255,11 +6435,7 @@
             </a:r>
             <a:r>
               <a:rPr lang="en-US" altLang="ko-KR" sz="2500" dirty="0" smtClean="0"/>
-              <a:t>(</a:t>
-            </a:r>
-            <a:r>
-              <a:rPr lang="en-US" altLang="ko-KR" sz="2500" dirty="0" smtClean="0"/>
-              <a:t>OOP)</a:t>
+              <a:t>(OOP)</a:t>
             </a:r>
             <a:r>
               <a:rPr lang="ko-KR" altLang="en-US" sz="2500" dirty="0" smtClean="0"/>
@@ -4323,8 +6499,132 @@
               <a:t>가 발생한다</a:t>
             </a:r>
             <a:r>
-              <a:rPr lang="en-US" altLang="ko-KR" sz="2500" dirty="0"/>
+              <a:rPr lang="en-US" altLang="ko-KR" sz="2500" dirty="0" smtClean="0"/>
               <a:t>.</a:t>
+            </a:r>
+          </a:p>
+          <a:p>
+            <a:endParaRPr lang="en-US" altLang="ko-KR" sz="2500" dirty="0"/>
+          </a:p>
+          <a:p>
+            <a:r>
+              <a:rPr lang="ko-KR" altLang="en-US" sz="2500" dirty="0" smtClean="0"/>
+              <a:t>클래스란 함수나 변수들을 모아놓은 집합체</a:t>
+            </a:r>
+            <a:r>
+              <a:rPr lang="en-US" altLang="ko-KR" sz="2500" dirty="0" smtClean="0"/>
+              <a:t/>
+            </a:r>
+            <a:br>
+              <a:rPr lang="en-US" altLang="ko-KR" sz="2500" dirty="0" smtClean="0"/>
+            </a:br>
+            <a:r>
+              <a:rPr lang="ko-KR" altLang="en-US" sz="2500" dirty="0" smtClean="0"/>
+              <a:t>클래스에서 함수를 </a:t>
+            </a:r>
+            <a:r>
+              <a:rPr lang="en-US" altLang="ko-KR" sz="2500" dirty="0" smtClean="0"/>
+              <a:t>(instance) method, </a:t>
+            </a:r>
+            <a:r>
+              <a:rPr lang="ko-KR" altLang="en-US" sz="2500" dirty="0" smtClean="0"/>
+              <a:t>변수를 </a:t>
+            </a:r>
+            <a:r>
+              <a:rPr lang="en-US" altLang="ko-KR" sz="2500" dirty="0" smtClean="0"/>
+              <a:t>class variable</a:t>
+            </a:r>
+            <a:r>
+              <a:rPr lang="ko-KR" altLang="en-US" sz="2500" dirty="0" smtClean="0"/>
+              <a:t>이라고 한다</a:t>
+            </a:r>
+            <a:r>
+              <a:rPr lang="en-US" altLang="ko-KR" sz="2500" dirty="0" smtClean="0"/>
+              <a:t>.</a:t>
+            </a:r>
+          </a:p>
+          <a:p>
+            <a:r>
+              <a:rPr lang="ko-KR" altLang="en-US" sz="2500" dirty="0" smtClean="0"/>
+              <a:t>클래스는 설계에 따라 코딩만 해놓은 상태를 말하며</a:t>
+            </a:r>
+            <a:r>
+              <a:rPr lang="en-US" altLang="ko-KR" sz="2500" dirty="0" smtClean="0"/>
+              <a:t>,</a:t>
+            </a:r>
+            <a:r>
+              <a:rPr lang="ko-KR" altLang="en-US" sz="2500" dirty="0" smtClean="0"/>
+              <a:t> 이런 클래스가 메모리에 올라가 있는 상태를 </a:t>
+            </a:r>
+            <a:r>
+              <a:rPr lang="en-US" altLang="ko-KR" sz="2500" dirty="0" smtClean="0"/>
+              <a:t>instance(</a:t>
+            </a:r>
+            <a:r>
+              <a:rPr lang="ko-KR" altLang="en-US" sz="2500" dirty="0" smtClean="0"/>
+              <a:t>객체</a:t>
+            </a:r>
+            <a:r>
+              <a:rPr lang="en-US" altLang="ko-KR" sz="2500" dirty="0" smtClean="0"/>
+              <a:t>)</a:t>
+            </a:r>
+            <a:r>
+              <a:rPr lang="ko-KR" altLang="en-US" sz="2500" dirty="0" smtClean="0"/>
+              <a:t>라고 한다</a:t>
+            </a:r>
+            <a:r>
+              <a:rPr lang="en-US" altLang="ko-KR" sz="2500" dirty="0" smtClean="0"/>
+              <a:t>.</a:t>
+            </a:r>
+            <a:br>
+              <a:rPr lang="en-US" altLang="ko-KR" sz="2500" dirty="0" smtClean="0"/>
+            </a:br>
+            <a:r>
+              <a:rPr lang="ko-KR" altLang="en-US" sz="2500" dirty="0" smtClean="0"/>
+              <a:t>하나의 </a:t>
+            </a:r>
+            <a:r>
+              <a:rPr lang="ko-KR" altLang="en-US" sz="2500" dirty="0" smtClean="0"/>
+              <a:t>클래스는 무수히 많은 </a:t>
+            </a:r>
+            <a:r>
+              <a:rPr lang="ko-KR" altLang="en-US" sz="2500" dirty="0" err="1" smtClean="0"/>
+              <a:t>인스턴스들을</a:t>
+            </a:r>
+            <a:r>
+              <a:rPr lang="ko-KR" altLang="en-US" sz="2500" dirty="0" smtClean="0"/>
+              <a:t> 만들 수 있다</a:t>
+            </a:r>
+            <a:r>
+              <a:rPr lang="en-US" altLang="ko-KR" sz="2500" dirty="0" smtClean="0"/>
+              <a:t>.</a:t>
+            </a:r>
+            <a:br>
+              <a:rPr lang="en-US" altLang="ko-KR" sz="2500" dirty="0" smtClean="0"/>
+            </a:br>
+            <a:r>
+              <a:rPr lang="ko-KR" altLang="en-US" sz="2500" dirty="0" smtClean="0"/>
+              <a:t>예</a:t>
+            </a:r>
+            <a:r>
+              <a:rPr lang="en-US" altLang="ko-KR" sz="2500" dirty="0" smtClean="0"/>
+              <a:t>) </a:t>
+            </a:r>
+            <a:r>
+              <a:rPr lang="ko-KR" altLang="en-US" sz="2500" dirty="0" smtClean="0"/>
+              <a:t>붕어빵 틀</a:t>
+            </a:r>
+            <a:r>
+              <a:rPr lang="en-US" altLang="ko-KR" sz="2500" dirty="0" smtClean="0"/>
+              <a:t>(class), </a:t>
+            </a:r>
+            <a:r>
+              <a:rPr lang="ko-KR" altLang="en-US" sz="2500" dirty="0" smtClean="0"/>
+              <a:t>붕어빵</a:t>
+            </a:r>
+            <a:r>
+              <a:rPr lang="en-US" altLang="ko-KR" sz="2500" dirty="0" smtClean="0"/>
+              <a:t>(instance)</a:t>
             </a:r>
             <a:endParaRPr lang="en-US" altLang="ko-KR" sz="2500" dirty="0" smtClean="0"/>
           </a:p>
@@ -5374,13 +7674,6 @@
               </a:rPr>
               <a:t>.")</a:t>
             </a:r>
-            <a:endParaRPr lang="en-US" altLang="ko-KR" sz="1200" dirty="0">
-              <a:solidFill>
-                <a:schemeClr val="tx1"/>
-              </a:solidFill>
-              <a:latin typeface="DejaVu Sans Mono" panose="020B0609030804020204" pitchFamily="49" charset="0"/>
-              <a:cs typeface="DejaVu Sans Mono" panose="020B0609030804020204" pitchFamily="49" charset="0"/>
-            </a:endParaRPr>
           </a:p>
           <a:p>
             <a:endParaRPr lang="en-US" altLang="ko-KR" sz="1200" dirty="0" smtClean="0">
@@ -6538,6 +8831,241 @@
           <a:lstStyle/>
           <a:p>
             <a:r>
+              <a:rPr lang="en-US" altLang="ko-KR" dirty="0" smtClean="0"/>
+              <a:t>self</a:t>
+            </a:r>
+            <a:r>
+              <a:rPr lang="ko-KR" altLang="en-US" dirty="0" smtClean="0"/>
+              <a:t>란</a:t>
+            </a:r>
+            <a:r>
+              <a:rPr lang="en-US" altLang="ko-KR" dirty="0"/>
+              <a:t>?</a:t>
+            </a:r>
+            <a:endParaRPr lang="ko-KR" altLang="en-US" dirty="0"/>
+          </a:p>
+        </p:txBody>
+      </p:sp>
+      <p:sp>
+        <p:nvSpPr>
+          <p:cNvPr id="3" name="내용 개체 틀 2"/>
+          <p:cNvSpPr>
+            <a:spLocks noGrp="1"/>
+          </p:cNvSpPr>
+          <p:nvPr>
+            <p:ph idx="1"/>
+          </p:nvPr>
+        </p:nvSpPr>
+        <p:spPr/>
+        <p:txBody>
+          <a:bodyPr>
+            <a:normAutofit/>
+          </a:bodyPr>
+          <a:lstStyle/>
+          <a:p>
+            <a:r>
+              <a:rPr lang="en-US" altLang="ko-KR" sz="2400" dirty="0" smtClean="0"/>
+              <a:t>Class</a:t>
+            </a:r>
+            <a:r>
+              <a:rPr lang="ko-KR" altLang="en-US" sz="2400" dirty="0" smtClean="0"/>
+              <a:t>에서 정의된 </a:t>
+            </a:r>
+            <a:r>
+              <a:rPr lang="en-US" altLang="ko-KR" sz="2400" dirty="0" smtClean="0"/>
+              <a:t>method</a:t>
+            </a:r>
+            <a:r>
+              <a:rPr lang="ko-KR" altLang="en-US" sz="2400" dirty="0" smtClean="0"/>
+              <a:t>는 </a:t>
+            </a:r>
+            <a:r>
+              <a:rPr lang="en-US" altLang="ko-KR" sz="2400" dirty="0" smtClean="0"/>
+              <a:t>class</a:t>
+            </a:r>
+            <a:r>
+              <a:rPr lang="ko-KR" altLang="en-US" sz="2400" dirty="0" smtClean="0"/>
+              <a:t>가 객체화 되면서 </a:t>
+            </a:r>
+            <a:r>
+              <a:rPr lang="en-US" altLang="ko-KR" sz="2400" dirty="0" smtClean="0"/>
+              <a:t>instance method</a:t>
+            </a:r>
+            <a:r>
+              <a:rPr lang="ko-KR" altLang="en-US" sz="2400" dirty="0" smtClean="0"/>
+              <a:t>라 한다</a:t>
+            </a:r>
+            <a:r>
+              <a:rPr lang="en-US" altLang="ko-KR" sz="2400" dirty="0" smtClean="0"/>
+              <a:t>.</a:t>
+            </a:r>
+          </a:p>
+          <a:p>
+            <a:endParaRPr lang="en-US" altLang="ko-KR" sz="2400" dirty="0"/>
+          </a:p>
+          <a:p>
+            <a:r>
+              <a:rPr lang="en-US" altLang="ko-KR" sz="2400" dirty="0" smtClean="0"/>
+              <a:t>Instance method</a:t>
+            </a:r>
+            <a:r>
+              <a:rPr lang="ko-KR" altLang="en-US" sz="2400" dirty="0" smtClean="0"/>
+              <a:t>는 첫 번째 인수로 넘어오는 </a:t>
+            </a:r>
+            <a:r>
+              <a:rPr lang="en-US" altLang="ko-KR" sz="2400" dirty="0" smtClean="0"/>
+              <a:t>class</a:t>
+            </a:r>
+            <a:r>
+              <a:rPr lang="ko-KR" altLang="en-US" sz="2400" dirty="0" smtClean="0"/>
+              <a:t>의 </a:t>
+            </a:r>
+            <a:r>
+              <a:rPr lang="en-US" altLang="ko-KR" sz="2400" dirty="0" smtClean="0"/>
+              <a:t>instance</a:t>
+            </a:r>
+            <a:r>
+              <a:rPr lang="ko-KR" altLang="en-US" sz="2400" dirty="0" smtClean="0"/>
+              <a:t>에 대해 작동하는 함수이다</a:t>
+            </a:r>
+            <a:r>
+              <a:rPr lang="en-US" altLang="ko-KR" sz="2400" dirty="0" smtClean="0"/>
+              <a:t>.</a:t>
+            </a:r>
+          </a:p>
+          <a:p>
+            <a:endParaRPr lang="en-US" altLang="ko-KR" sz="2400" dirty="0"/>
+          </a:p>
+          <a:p>
+            <a:r>
+              <a:rPr lang="ko-KR" altLang="en-US" sz="2400" dirty="0" smtClean="0"/>
+              <a:t>즉</a:t>
+            </a:r>
+            <a:r>
+              <a:rPr lang="en-US" altLang="ko-KR" sz="2400" dirty="0" smtClean="0"/>
+              <a:t>, method</a:t>
+            </a:r>
+            <a:r>
+              <a:rPr lang="ko-KR" altLang="en-US" sz="2400" dirty="0" smtClean="0"/>
+              <a:t>를 호출하는 </a:t>
+            </a:r>
+            <a:r>
+              <a:rPr lang="en-US" altLang="ko-KR" sz="2400" dirty="0" smtClean="0"/>
+              <a:t>instance</a:t>
+            </a:r>
+            <a:r>
+              <a:rPr lang="ko-KR" altLang="en-US" sz="2400" dirty="0" smtClean="0"/>
+              <a:t>에 대해 명시해주는 것이다</a:t>
+            </a:r>
+            <a:r>
+              <a:rPr lang="en-US" altLang="ko-KR" sz="2400" dirty="0" smtClean="0"/>
+              <a:t>.</a:t>
+            </a:r>
+          </a:p>
+          <a:p>
+            <a:endParaRPr lang="en-US" altLang="ko-KR" sz="2400" dirty="0"/>
+          </a:p>
+          <a:p>
+            <a:r>
+              <a:rPr lang="en-US" altLang="ko-KR" sz="2400" dirty="0" smtClean="0"/>
+              <a:t>Self</a:t>
+            </a:r>
+            <a:r>
+              <a:rPr lang="ko-KR" altLang="en-US" sz="2400" dirty="0" smtClean="0"/>
+              <a:t>가 이런 역할을 하며 </a:t>
+            </a:r>
+            <a:r>
+              <a:rPr lang="en-US" altLang="ko-KR" sz="2400" dirty="0" smtClean="0"/>
+              <a:t>instance method</a:t>
+            </a:r>
+            <a:r>
+              <a:rPr lang="ko-KR" altLang="en-US" sz="2400" dirty="0" smtClean="0"/>
+              <a:t>를 사용하기 위해서 첫 번째 인자는 무조건 </a:t>
+            </a:r>
+            <a:r>
+              <a:rPr lang="en-US" altLang="ko-KR" sz="2400" dirty="0" smtClean="0"/>
+              <a:t>self</a:t>
+            </a:r>
+            <a:r>
+              <a:rPr lang="ko-KR" altLang="en-US" sz="2400" dirty="0" smtClean="0"/>
+              <a:t>이어야 한다</a:t>
+            </a:r>
+            <a:r>
+              <a:rPr lang="en-US" altLang="ko-KR" sz="2400" dirty="0" smtClean="0"/>
+              <a:t>.</a:t>
+            </a:r>
+          </a:p>
+        </p:txBody>
+      </p:sp>
+      <p:sp>
+        <p:nvSpPr>
+          <p:cNvPr id="4" name="슬라이드 번호 개체 틀 3"/>
+          <p:cNvSpPr>
+            <a:spLocks noGrp="1"/>
+          </p:cNvSpPr>
+          <p:nvPr>
+            <p:ph type="sldNum" sz="quarter" idx="12"/>
+          </p:nvPr>
+        </p:nvSpPr>
+        <p:spPr/>
+        <p:txBody>
+          <a:bodyPr/>
+          <a:lstStyle/>
+          <a:p>
+            <a:fld id="{FE150C24-AA4D-4CD8-91C7-5A50E7823163}" type="slidenum">
+              <a:rPr lang="ko-KR" altLang="en-US" smtClean="0"/>
+              <a:t>6</a:t>
+            </a:fld>
+            <a:endParaRPr lang="ko-KR" altLang="en-US"/>
+          </a:p>
+        </p:txBody>
+      </p:sp>
+    </p:spTree>
+    <p:extLst>
+      <p:ext uri="{BB962C8B-B14F-4D97-AF65-F5344CB8AC3E}">
+        <p14:creationId xmlns:p14="http://schemas.microsoft.com/office/powerpoint/2010/main" val="2234036056"/>
+      </p:ext>
+    </p:extLst>
+  </p:cSld>
+  <p:clrMapOvr>
+    <a:masterClrMapping/>
+  </p:clrMapOvr>
+</p:sld>
+</file>
+
+<file path=ppt/slides/slide7.xml><?xml version="1.0" encoding="utf-8"?>
+<p:sld xmlns:a="http://schemas.openxmlformats.org/drawingml/2006/main" xmlns:r="http://schemas.openxmlformats.org/officeDocument/2006/relationships" xmlns:p="http://schemas.openxmlformats.org/presentationml/2006/main">
+  <p:cSld>
+    <p:spTree>
+      <p:nvGrpSpPr>
+        <p:cNvPr id="1" name=""/>
+        <p:cNvGrpSpPr/>
+        <p:nvPr/>
+      </p:nvGrpSpPr>
+      <p:grpSpPr>
+        <a:xfrm>
+          <a:off x="0" y="0"/>
+          <a:ext cx="0" cy="0"/>
+          <a:chOff x="0" y="0"/>
+          <a:chExt cx="0" cy="0"/>
+        </a:xfrm>
+      </p:grpSpPr>
+      <p:sp>
+        <p:nvSpPr>
+          <p:cNvPr id="2" name="제목 1"/>
+          <p:cNvSpPr>
+            <a:spLocks noGrp="1"/>
+          </p:cNvSpPr>
+          <p:nvPr>
+            <p:ph type="title"/>
+          </p:nvPr>
+        </p:nvSpPr>
+        <p:spPr/>
+        <p:txBody>
+          <a:bodyPr/>
+          <a:lstStyle/>
+          <a:p>
+            <a:r>
               <a:rPr lang="ko-KR" altLang="en-US" dirty="0" smtClean="0"/>
               <a:t>다중상속</a:t>
             </a:r>
@@ -6562,7 +9090,7 @@
           <a:p>
             <a:fld id="{FE150C24-AA4D-4CD8-91C7-5A50E7823163}" type="slidenum">
               <a:rPr lang="ko-KR" altLang="en-US" smtClean="0"/>
-              <a:t>6</a:t>
+              <a:t>7</a:t>
             </a:fld>
             <a:endParaRPr lang="ko-KR" altLang="en-US"/>
           </a:p>
@@ -6592,11 +9120,7 @@
           <a:p>
             <a:r>
               <a:rPr lang="ko-KR" altLang="en-US" sz="2500" dirty="0" smtClean="0"/>
-              <a:t>두 개 </a:t>
-            </a:r>
-            <a:r>
-              <a:rPr lang="ko-KR" altLang="en-US" sz="2500" dirty="0" smtClean="0"/>
-              <a:t>이상의 클래스를 상속 받는 것을 말한다</a:t>
+              <a:t>두 개 이상의 클래스를 상속 받는 것을 말한다</a:t>
             </a:r>
             <a:r>
               <a:rPr lang="en-US" altLang="ko-KR" sz="2500" dirty="0" smtClean="0"/>
@@ -6876,7 +9400,7 @@
 </p:sld>
 </file>
 
-<file path=ppt/slides/slide7.xml><?xml version="1.0" encoding="utf-8"?>
+<file path=ppt/slides/slide8.xml><?xml version="1.0" encoding="utf-8"?>
 <p:sld xmlns:a="http://schemas.openxmlformats.org/drawingml/2006/main" xmlns:r="http://schemas.openxmlformats.org/officeDocument/2006/relationships" xmlns:p="http://schemas.openxmlformats.org/presentationml/2006/main">
   <p:cSld>
     <p:spTree>
@@ -6952,7 +9476,7 @@
           <a:p>
             <a:fld id="{FE150C24-AA4D-4CD8-91C7-5A50E7823163}" type="slidenum">
               <a:rPr lang="ko-KR" altLang="en-US" smtClean="0"/>
-              <a:t>7</a:t>
+              <a:t>8</a:t>
             </a:fld>
             <a:endParaRPr lang="ko-KR" altLang="en-US"/>
           </a:p>
@@ -7448,13 +9972,6 @@
               </a:rPr>
               <a:t>(self)</a:t>
             </a:r>
-            <a:endParaRPr lang="en-US" altLang="ko-KR" sz="1500" dirty="0">
-              <a:solidFill>
-                <a:schemeClr val="tx1"/>
-              </a:solidFill>
-              <a:latin typeface="DejaVu Sans Mono" panose="020B0609030804020204" pitchFamily="49" charset="0"/>
-              <a:cs typeface="DejaVu Sans Mono" panose="020B0609030804020204" pitchFamily="49" charset="0"/>
-            </a:endParaRPr>
           </a:p>
           <a:p>
             <a:endParaRPr lang="en-US" altLang="ko-KR" sz="1500" dirty="0" smtClean="0">
@@ -7732,13 +10249,6 @@
               </a:rPr>
               <a:t>!</a:t>
             </a:r>
-            <a:endParaRPr lang="en-US" altLang="ko-KR" sz="1500" dirty="0">
-              <a:solidFill>
-                <a:schemeClr val="tx1"/>
-              </a:solidFill>
-              <a:latin typeface="DejaVu Sans Mono" panose="020B0609030804020204" pitchFamily="49" charset="0"/>
-              <a:cs typeface="DejaVu Sans Mono" panose="020B0609030804020204" pitchFamily="49" charset="0"/>
-            </a:endParaRPr>
           </a:p>
           <a:p>
             <a:endParaRPr lang="ko-KR" altLang="en-US" sz="1500" dirty="0">
@@ -7764,7 +10274,7 @@
 </p:sld>
 </file>
 
-<file path=ppt/slides/slide8.xml><?xml version="1.0" encoding="utf-8"?>
+<file path=ppt/slides/slide9.xml><?xml version="1.0" encoding="utf-8"?>
 <p:sld xmlns:a="http://schemas.openxmlformats.org/drawingml/2006/main" xmlns:r="http://schemas.openxmlformats.org/officeDocument/2006/relationships" xmlns:p="http://schemas.openxmlformats.org/presentationml/2006/main">
   <p:cSld>
     <p:spTree>
@@ -7821,7 +10331,7 @@
           <a:p>
             <a:fld id="{FE150C24-AA4D-4CD8-91C7-5A50E7823163}" type="slidenum">
               <a:rPr lang="ko-KR" altLang="en-US" smtClean="0"/>
-              <a:t>8</a:t>
+              <a:t>9</a:t>
             </a:fld>
             <a:endParaRPr lang="ko-KR" altLang="en-US"/>
           </a:p>
@@ -8258,2141 +10768,6 @@
       </p:par>
     </p:tnLst>
   </p:timing>
-</p:sld>
-</file>
-
-<file path=ppt/slides/slide9.xml><?xml version="1.0" encoding="utf-8"?>
-<p:sld xmlns:a="http://schemas.openxmlformats.org/drawingml/2006/main" xmlns:r="http://schemas.openxmlformats.org/officeDocument/2006/relationships" xmlns:p="http://schemas.openxmlformats.org/presentationml/2006/main">
-  <p:cSld>
-    <p:spTree>
-      <p:nvGrpSpPr>
-        <p:cNvPr id="1" name=""/>
-        <p:cNvGrpSpPr/>
-        <p:nvPr/>
-      </p:nvGrpSpPr>
-      <p:grpSpPr>
-        <a:xfrm>
-          <a:off x="0" y="0"/>
-          <a:ext cx="0" cy="0"/>
-          <a:chOff x="0" y="0"/>
-          <a:chExt cx="0" cy="0"/>
-        </a:xfrm>
-      </p:grpSpPr>
-      <p:sp>
-        <p:nvSpPr>
-          <p:cNvPr id="2" name="제목 1"/>
-          <p:cNvSpPr>
-            <a:spLocks noGrp="1"/>
-          </p:cNvSpPr>
-          <p:nvPr>
-            <p:ph type="title"/>
-          </p:nvPr>
-        </p:nvSpPr>
-        <p:spPr/>
-        <p:txBody>
-          <a:bodyPr/>
-          <a:lstStyle/>
-          <a:p>
-            <a:r>
-              <a:rPr lang="ko-KR" altLang="en-US" dirty="0" smtClean="0"/>
-              <a:t>다중상속</a:t>
-            </a:r>
-            <a:endParaRPr lang="ko-KR" altLang="en-US" dirty="0"/>
-          </a:p>
-        </p:txBody>
-      </p:sp>
-      <p:sp>
-        <p:nvSpPr>
-          <p:cNvPr id="3" name="내용 개체 틀 2"/>
-          <p:cNvSpPr>
-            <a:spLocks noGrp="1"/>
-          </p:cNvSpPr>
-          <p:nvPr>
-            <p:ph idx="1"/>
-          </p:nvPr>
-        </p:nvSpPr>
-        <p:spPr/>
-        <p:txBody>
-          <a:bodyPr/>
-          <a:lstStyle/>
-          <a:p>
-            <a:endParaRPr lang="ko-KR" altLang="en-US" dirty="0"/>
-          </a:p>
-        </p:txBody>
-      </p:sp>
-      <p:sp>
-        <p:nvSpPr>
-          <p:cNvPr id="4" name="슬라이드 번호 개체 틀 3"/>
-          <p:cNvSpPr>
-            <a:spLocks noGrp="1"/>
-          </p:cNvSpPr>
-          <p:nvPr>
-            <p:ph type="sldNum" sz="quarter" idx="12"/>
-          </p:nvPr>
-        </p:nvSpPr>
-        <p:spPr/>
-        <p:txBody>
-          <a:bodyPr/>
-          <a:lstStyle/>
-          <a:p>
-            <a:fld id="{FE150C24-AA4D-4CD8-91C7-5A50E7823163}" type="slidenum">
-              <a:rPr lang="ko-KR" altLang="en-US" smtClean="0"/>
-              <a:t>9</a:t>
-            </a:fld>
-            <a:endParaRPr lang="ko-KR" altLang="en-US"/>
-          </a:p>
-        </p:txBody>
-      </p:sp>
-      <p:sp>
-        <p:nvSpPr>
-          <p:cNvPr id="5" name="직사각형 4"/>
-          <p:cNvSpPr/>
-          <p:nvPr/>
-        </p:nvSpPr>
-        <p:spPr>
-          <a:xfrm>
-            <a:off x="838200" y="1479290"/>
-            <a:ext cx="5204381" cy="5128900"/>
-          </a:xfrm>
-          <a:prstGeom prst="rect">
-            <a:avLst/>
-          </a:prstGeom>
-          <a:solidFill>
-            <a:schemeClr val="bg1"/>
-          </a:solidFill>
-        </p:spPr>
-        <p:style>
-          <a:lnRef idx="2">
-            <a:schemeClr val="accent1">
-              <a:shade val="50000"/>
-            </a:schemeClr>
-          </a:lnRef>
-          <a:fillRef idx="1">
-            <a:schemeClr val="accent1"/>
-          </a:fillRef>
-          <a:effectRef idx="0">
-            <a:schemeClr val="accent1"/>
-          </a:effectRef>
-          <a:fontRef idx="minor">
-            <a:schemeClr val="lt1"/>
-          </a:fontRef>
-        </p:style>
-        <p:txBody>
-          <a:bodyPr lIns="180000" tIns="180000" rIns="180000" bIns="180000" rtlCol="0" anchor="t" anchorCtr="0"/>
-          <a:lstStyle/>
-          <a:p>
-            <a:r>
-              <a:rPr lang="en-US" altLang="ko-KR" sz="1200" dirty="0" smtClean="0">
-                <a:solidFill>
-                  <a:schemeClr val="tx1"/>
-                </a:solidFill>
-                <a:latin typeface="DejaVu Sans Mono" panose="020B0609030804020204" pitchFamily="49" charset="0"/>
-                <a:cs typeface="DejaVu Sans Mono" panose="020B0609030804020204" pitchFamily="49" charset="0"/>
-              </a:rPr>
-              <a:t>class </a:t>
-            </a:r>
-            <a:r>
-              <a:rPr lang="en-US" altLang="ko-KR" sz="1200" dirty="0">
-                <a:solidFill>
-                  <a:schemeClr val="tx1"/>
-                </a:solidFill>
-                <a:latin typeface="DejaVu Sans Mono" panose="020B0609030804020204" pitchFamily="49" charset="0"/>
-                <a:cs typeface="DejaVu Sans Mono" panose="020B0609030804020204" pitchFamily="49" charset="0"/>
-              </a:rPr>
-              <a:t>A</a:t>
-            </a:r>
-            <a:r>
-              <a:rPr lang="en-US" altLang="ko-KR" sz="1200" dirty="0" smtClean="0">
-                <a:solidFill>
-                  <a:schemeClr val="tx1"/>
-                </a:solidFill>
-                <a:latin typeface="DejaVu Sans Mono" panose="020B0609030804020204" pitchFamily="49" charset="0"/>
-                <a:cs typeface="DejaVu Sans Mono" panose="020B0609030804020204" pitchFamily="49" charset="0"/>
-              </a:rPr>
-              <a:t>:		#class A(object)</a:t>
-            </a:r>
-            <a:r>
-              <a:rPr lang="ko-KR" altLang="en-US" sz="1200" dirty="0" smtClean="0">
-                <a:solidFill>
-                  <a:schemeClr val="tx1"/>
-                </a:solidFill>
-                <a:latin typeface="DejaVu Sans Mono" panose="020B0609030804020204" pitchFamily="49" charset="0"/>
-                <a:cs typeface="DejaVu Sans Mono" panose="020B0609030804020204" pitchFamily="49" charset="0"/>
-              </a:rPr>
-              <a:t>도 가능</a:t>
-            </a:r>
-            <a:endParaRPr lang="en-US" altLang="ko-KR" sz="1200" dirty="0">
-              <a:solidFill>
-                <a:schemeClr val="tx1"/>
-              </a:solidFill>
-              <a:latin typeface="DejaVu Sans Mono" panose="020B0609030804020204" pitchFamily="49" charset="0"/>
-              <a:cs typeface="DejaVu Sans Mono" panose="020B0609030804020204" pitchFamily="49" charset="0"/>
-            </a:endParaRPr>
-          </a:p>
-          <a:p>
-            <a:r>
-              <a:rPr lang="en-US" altLang="ko-KR" sz="1200" dirty="0">
-                <a:solidFill>
-                  <a:schemeClr val="tx1"/>
-                </a:solidFill>
-                <a:latin typeface="DejaVu Sans Mono" panose="020B0609030804020204" pitchFamily="49" charset="0"/>
-                <a:cs typeface="DejaVu Sans Mono" panose="020B0609030804020204" pitchFamily="49" charset="0"/>
-              </a:rPr>
-              <a:t>    </a:t>
-            </a:r>
-            <a:r>
-              <a:rPr lang="en-US" altLang="ko-KR" sz="1200" dirty="0" err="1">
-                <a:solidFill>
-                  <a:schemeClr val="tx1"/>
-                </a:solidFill>
-                <a:latin typeface="DejaVu Sans Mono" panose="020B0609030804020204" pitchFamily="49" charset="0"/>
-                <a:cs typeface="DejaVu Sans Mono" panose="020B0609030804020204" pitchFamily="49" charset="0"/>
-              </a:rPr>
-              <a:t>def</a:t>
-            </a:r>
-            <a:r>
-              <a:rPr lang="en-US" altLang="ko-KR" sz="1200" dirty="0">
-                <a:solidFill>
-                  <a:schemeClr val="tx1"/>
-                </a:solidFill>
-                <a:latin typeface="DejaVu Sans Mono" panose="020B0609030804020204" pitchFamily="49" charset="0"/>
-                <a:cs typeface="DejaVu Sans Mono" panose="020B0609030804020204" pitchFamily="49" charset="0"/>
-              </a:rPr>
-              <a:t> __</a:t>
-            </a:r>
-            <a:r>
-              <a:rPr lang="en-US" altLang="ko-KR" sz="1200" dirty="0" err="1">
-                <a:solidFill>
-                  <a:schemeClr val="tx1"/>
-                </a:solidFill>
-                <a:latin typeface="DejaVu Sans Mono" panose="020B0609030804020204" pitchFamily="49" charset="0"/>
-                <a:cs typeface="DejaVu Sans Mono" panose="020B0609030804020204" pitchFamily="49" charset="0"/>
-              </a:rPr>
-              <a:t>init</a:t>
-            </a:r>
-            <a:r>
-              <a:rPr lang="en-US" altLang="ko-KR" sz="1200" dirty="0">
-                <a:solidFill>
-                  <a:schemeClr val="tx1"/>
-                </a:solidFill>
-                <a:latin typeface="DejaVu Sans Mono" panose="020B0609030804020204" pitchFamily="49" charset="0"/>
-                <a:cs typeface="DejaVu Sans Mono" panose="020B0609030804020204" pitchFamily="49" charset="0"/>
-              </a:rPr>
-              <a:t>__(self):</a:t>
-            </a:r>
-          </a:p>
-          <a:p>
-            <a:r>
-              <a:rPr lang="en-US" altLang="ko-KR" sz="1200" dirty="0">
-                <a:solidFill>
-                  <a:schemeClr val="tx1"/>
-                </a:solidFill>
-                <a:latin typeface="DejaVu Sans Mono" panose="020B0609030804020204" pitchFamily="49" charset="0"/>
-                <a:cs typeface="DejaVu Sans Mono" panose="020B0609030804020204" pitchFamily="49" charset="0"/>
-              </a:rPr>
-              <a:t>        print("A </a:t>
-            </a:r>
-            <a:r>
-              <a:rPr lang="ko-KR" altLang="en-US" sz="1200" dirty="0">
-                <a:solidFill>
-                  <a:schemeClr val="tx1"/>
-                </a:solidFill>
-                <a:latin typeface="DejaVu Sans Mono" panose="020B0609030804020204" pitchFamily="49" charset="0"/>
-                <a:cs typeface="DejaVu Sans Mono" panose="020B0609030804020204" pitchFamily="49" charset="0"/>
-              </a:rPr>
-              <a:t>클래스의 </a:t>
-            </a:r>
-            <a:r>
-              <a:rPr lang="ko-KR" altLang="en-US" sz="1200" dirty="0" err="1">
-                <a:solidFill>
-                  <a:schemeClr val="tx1"/>
-                </a:solidFill>
-                <a:latin typeface="DejaVu Sans Mono" panose="020B0609030804020204" pitchFamily="49" charset="0"/>
-                <a:cs typeface="DejaVu Sans Mono" panose="020B0609030804020204" pitchFamily="49" charset="0"/>
-              </a:rPr>
-              <a:t>생성자</a:t>
-            </a:r>
-            <a:r>
-              <a:rPr lang="ko-KR" altLang="en-US" sz="1200" dirty="0">
-                <a:solidFill>
-                  <a:schemeClr val="tx1"/>
-                </a:solidFill>
-                <a:latin typeface="DejaVu Sans Mono" panose="020B0609030804020204" pitchFamily="49" charset="0"/>
-                <a:cs typeface="DejaVu Sans Mono" panose="020B0609030804020204" pitchFamily="49" charset="0"/>
-              </a:rPr>
-              <a:t> 호출</a:t>
-            </a:r>
-            <a:r>
-              <a:rPr lang="en-US" altLang="ko-KR" sz="1200" dirty="0">
-                <a:solidFill>
-                  <a:schemeClr val="tx1"/>
-                </a:solidFill>
-                <a:latin typeface="DejaVu Sans Mono" panose="020B0609030804020204" pitchFamily="49" charset="0"/>
-                <a:cs typeface="DejaVu Sans Mono" panose="020B0609030804020204" pitchFamily="49" charset="0"/>
-              </a:rPr>
-              <a:t>!")</a:t>
-            </a:r>
-          </a:p>
-          <a:p>
-            <a:r>
-              <a:rPr lang="en-US" altLang="ko-KR" sz="1200" dirty="0">
-                <a:solidFill>
-                  <a:schemeClr val="tx1"/>
-                </a:solidFill>
-                <a:latin typeface="DejaVu Sans Mono" panose="020B0609030804020204" pitchFamily="49" charset="0"/>
-                <a:cs typeface="DejaVu Sans Mono" panose="020B0609030804020204" pitchFamily="49" charset="0"/>
-              </a:rPr>
-              <a:t>         </a:t>
-            </a:r>
-          </a:p>
-          <a:p>
-            <a:r>
-              <a:rPr lang="en-US" altLang="ko-KR" sz="1200" dirty="0" smtClean="0">
-                <a:solidFill>
-                  <a:schemeClr val="tx1"/>
-                </a:solidFill>
-                <a:latin typeface="DejaVu Sans Mono" panose="020B0609030804020204" pitchFamily="49" charset="0"/>
-                <a:cs typeface="DejaVu Sans Mono" panose="020B0609030804020204" pitchFamily="49" charset="0"/>
-              </a:rPr>
-              <a:t>class </a:t>
-            </a:r>
-            <a:r>
-              <a:rPr lang="en-US" altLang="ko-KR" sz="1200" dirty="0">
-                <a:solidFill>
-                  <a:schemeClr val="tx1"/>
-                </a:solidFill>
-                <a:latin typeface="DejaVu Sans Mono" panose="020B0609030804020204" pitchFamily="49" charset="0"/>
-                <a:cs typeface="DejaVu Sans Mono" panose="020B0609030804020204" pitchFamily="49" charset="0"/>
-              </a:rPr>
-              <a:t>B(A):</a:t>
-            </a:r>
-          </a:p>
-          <a:p>
-            <a:r>
-              <a:rPr lang="en-US" altLang="ko-KR" sz="1200" dirty="0">
-                <a:solidFill>
-                  <a:schemeClr val="tx1"/>
-                </a:solidFill>
-                <a:latin typeface="DejaVu Sans Mono" panose="020B0609030804020204" pitchFamily="49" charset="0"/>
-                <a:cs typeface="DejaVu Sans Mono" panose="020B0609030804020204" pitchFamily="49" charset="0"/>
-              </a:rPr>
-              <a:t>    </a:t>
-            </a:r>
-            <a:r>
-              <a:rPr lang="en-US" altLang="ko-KR" sz="1200" dirty="0" err="1">
-                <a:solidFill>
-                  <a:schemeClr val="tx1"/>
-                </a:solidFill>
-                <a:latin typeface="DejaVu Sans Mono" panose="020B0609030804020204" pitchFamily="49" charset="0"/>
-                <a:cs typeface="DejaVu Sans Mono" panose="020B0609030804020204" pitchFamily="49" charset="0"/>
-              </a:rPr>
-              <a:t>def</a:t>
-            </a:r>
-            <a:r>
-              <a:rPr lang="en-US" altLang="ko-KR" sz="1200" dirty="0">
-                <a:solidFill>
-                  <a:schemeClr val="tx1"/>
-                </a:solidFill>
-                <a:latin typeface="DejaVu Sans Mono" panose="020B0609030804020204" pitchFamily="49" charset="0"/>
-                <a:cs typeface="DejaVu Sans Mono" panose="020B0609030804020204" pitchFamily="49" charset="0"/>
-              </a:rPr>
-              <a:t> __</a:t>
-            </a:r>
-            <a:r>
-              <a:rPr lang="en-US" altLang="ko-KR" sz="1200" dirty="0" err="1">
-                <a:solidFill>
-                  <a:schemeClr val="tx1"/>
-                </a:solidFill>
-                <a:latin typeface="DejaVu Sans Mono" panose="020B0609030804020204" pitchFamily="49" charset="0"/>
-                <a:cs typeface="DejaVu Sans Mono" panose="020B0609030804020204" pitchFamily="49" charset="0"/>
-              </a:rPr>
-              <a:t>init</a:t>
-            </a:r>
-            <a:r>
-              <a:rPr lang="en-US" altLang="ko-KR" sz="1200" dirty="0">
-                <a:solidFill>
-                  <a:schemeClr val="tx1"/>
-                </a:solidFill>
-                <a:latin typeface="DejaVu Sans Mono" panose="020B0609030804020204" pitchFamily="49" charset="0"/>
-                <a:cs typeface="DejaVu Sans Mono" panose="020B0609030804020204" pitchFamily="49" charset="0"/>
-              </a:rPr>
-              <a:t>__(self):</a:t>
-            </a:r>
-          </a:p>
-          <a:p>
-            <a:r>
-              <a:rPr lang="en-US" altLang="ko-KR" sz="1200" dirty="0">
-                <a:solidFill>
-                  <a:schemeClr val="tx1"/>
-                </a:solidFill>
-                <a:latin typeface="DejaVu Sans Mono" panose="020B0609030804020204" pitchFamily="49" charset="0"/>
-                <a:cs typeface="DejaVu Sans Mono" panose="020B0609030804020204" pitchFamily="49" charset="0"/>
-              </a:rPr>
-              <a:t>        A.__</a:t>
-            </a:r>
-            <a:r>
-              <a:rPr lang="en-US" altLang="ko-KR" sz="1200" dirty="0" err="1">
-                <a:solidFill>
-                  <a:schemeClr val="tx1"/>
-                </a:solidFill>
-                <a:latin typeface="DejaVu Sans Mono" panose="020B0609030804020204" pitchFamily="49" charset="0"/>
-                <a:cs typeface="DejaVu Sans Mono" panose="020B0609030804020204" pitchFamily="49" charset="0"/>
-              </a:rPr>
-              <a:t>init</a:t>
-            </a:r>
-            <a:r>
-              <a:rPr lang="en-US" altLang="ko-KR" sz="1200" dirty="0">
-                <a:solidFill>
-                  <a:schemeClr val="tx1"/>
-                </a:solidFill>
-                <a:latin typeface="DejaVu Sans Mono" panose="020B0609030804020204" pitchFamily="49" charset="0"/>
-                <a:cs typeface="DejaVu Sans Mono" panose="020B0609030804020204" pitchFamily="49" charset="0"/>
-              </a:rPr>
-              <a:t>__(self)</a:t>
-            </a:r>
-          </a:p>
-          <a:p>
-            <a:r>
-              <a:rPr lang="en-US" altLang="ko-KR" sz="1200" dirty="0">
-                <a:solidFill>
-                  <a:schemeClr val="tx1"/>
-                </a:solidFill>
-                <a:latin typeface="DejaVu Sans Mono" panose="020B0609030804020204" pitchFamily="49" charset="0"/>
-                <a:cs typeface="DejaVu Sans Mono" panose="020B0609030804020204" pitchFamily="49" charset="0"/>
-              </a:rPr>
-              <a:t>        print("B </a:t>
-            </a:r>
-            <a:r>
-              <a:rPr lang="ko-KR" altLang="en-US" sz="1200" dirty="0">
-                <a:solidFill>
-                  <a:schemeClr val="tx1"/>
-                </a:solidFill>
-                <a:latin typeface="DejaVu Sans Mono" panose="020B0609030804020204" pitchFamily="49" charset="0"/>
-                <a:cs typeface="DejaVu Sans Mono" panose="020B0609030804020204" pitchFamily="49" charset="0"/>
-              </a:rPr>
-              <a:t>클래스의 </a:t>
-            </a:r>
-            <a:r>
-              <a:rPr lang="ko-KR" altLang="en-US" sz="1200" dirty="0" err="1">
-                <a:solidFill>
-                  <a:schemeClr val="tx1"/>
-                </a:solidFill>
-                <a:latin typeface="DejaVu Sans Mono" panose="020B0609030804020204" pitchFamily="49" charset="0"/>
-                <a:cs typeface="DejaVu Sans Mono" panose="020B0609030804020204" pitchFamily="49" charset="0"/>
-              </a:rPr>
-              <a:t>생성자</a:t>
-            </a:r>
-            <a:r>
-              <a:rPr lang="ko-KR" altLang="en-US" sz="1200" dirty="0">
-                <a:solidFill>
-                  <a:schemeClr val="tx1"/>
-                </a:solidFill>
-                <a:latin typeface="DejaVu Sans Mono" panose="020B0609030804020204" pitchFamily="49" charset="0"/>
-                <a:cs typeface="DejaVu Sans Mono" panose="020B0609030804020204" pitchFamily="49" charset="0"/>
-              </a:rPr>
-              <a:t> 호출</a:t>
-            </a:r>
-            <a:r>
-              <a:rPr lang="en-US" altLang="ko-KR" sz="1200" dirty="0">
-                <a:solidFill>
-                  <a:schemeClr val="tx1"/>
-                </a:solidFill>
-                <a:latin typeface="DejaVu Sans Mono" panose="020B0609030804020204" pitchFamily="49" charset="0"/>
-                <a:cs typeface="DejaVu Sans Mono" panose="020B0609030804020204" pitchFamily="49" charset="0"/>
-              </a:rPr>
-              <a:t>!")</a:t>
-            </a:r>
-          </a:p>
-          <a:p>
-            <a:r>
-              <a:rPr lang="en-US" altLang="ko-KR" sz="1200" dirty="0">
-                <a:solidFill>
-                  <a:schemeClr val="tx1"/>
-                </a:solidFill>
-                <a:latin typeface="DejaVu Sans Mono" panose="020B0609030804020204" pitchFamily="49" charset="0"/>
-                <a:cs typeface="DejaVu Sans Mono" panose="020B0609030804020204" pitchFamily="49" charset="0"/>
-              </a:rPr>
-              <a:t>     </a:t>
-            </a:r>
-          </a:p>
-          <a:p>
-            <a:r>
-              <a:rPr lang="en-US" altLang="ko-KR" sz="1200" dirty="0" smtClean="0">
-                <a:solidFill>
-                  <a:schemeClr val="tx1"/>
-                </a:solidFill>
-                <a:latin typeface="DejaVu Sans Mono" panose="020B0609030804020204" pitchFamily="49" charset="0"/>
-                <a:cs typeface="DejaVu Sans Mono" panose="020B0609030804020204" pitchFamily="49" charset="0"/>
-              </a:rPr>
-              <a:t>class </a:t>
-            </a:r>
-            <a:r>
-              <a:rPr lang="en-US" altLang="ko-KR" sz="1200" dirty="0">
-                <a:solidFill>
-                  <a:schemeClr val="tx1"/>
-                </a:solidFill>
-                <a:latin typeface="DejaVu Sans Mono" panose="020B0609030804020204" pitchFamily="49" charset="0"/>
-                <a:cs typeface="DejaVu Sans Mono" panose="020B0609030804020204" pitchFamily="49" charset="0"/>
-              </a:rPr>
-              <a:t>C(A):</a:t>
-            </a:r>
-          </a:p>
-          <a:p>
-            <a:r>
-              <a:rPr lang="en-US" altLang="ko-KR" sz="1200" dirty="0">
-                <a:solidFill>
-                  <a:schemeClr val="tx1"/>
-                </a:solidFill>
-                <a:latin typeface="DejaVu Sans Mono" panose="020B0609030804020204" pitchFamily="49" charset="0"/>
-                <a:cs typeface="DejaVu Sans Mono" panose="020B0609030804020204" pitchFamily="49" charset="0"/>
-              </a:rPr>
-              <a:t>    </a:t>
-            </a:r>
-            <a:r>
-              <a:rPr lang="en-US" altLang="ko-KR" sz="1200" dirty="0" err="1">
-                <a:solidFill>
-                  <a:schemeClr val="tx1"/>
-                </a:solidFill>
-                <a:latin typeface="DejaVu Sans Mono" panose="020B0609030804020204" pitchFamily="49" charset="0"/>
-                <a:cs typeface="DejaVu Sans Mono" panose="020B0609030804020204" pitchFamily="49" charset="0"/>
-              </a:rPr>
-              <a:t>def</a:t>
-            </a:r>
-            <a:r>
-              <a:rPr lang="en-US" altLang="ko-KR" sz="1200" dirty="0">
-                <a:solidFill>
-                  <a:schemeClr val="tx1"/>
-                </a:solidFill>
-                <a:latin typeface="DejaVu Sans Mono" panose="020B0609030804020204" pitchFamily="49" charset="0"/>
-                <a:cs typeface="DejaVu Sans Mono" panose="020B0609030804020204" pitchFamily="49" charset="0"/>
-              </a:rPr>
-              <a:t> __</a:t>
-            </a:r>
-            <a:r>
-              <a:rPr lang="en-US" altLang="ko-KR" sz="1200" dirty="0" err="1">
-                <a:solidFill>
-                  <a:schemeClr val="tx1"/>
-                </a:solidFill>
-                <a:latin typeface="DejaVu Sans Mono" panose="020B0609030804020204" pitchFamily="49" charset="0"/>
-                <a:cs typeface="DejaVu Sans Mono" panose="020B0609030804020204" pitchFamily="49" charset="0"/>
-              </a:rPr>
-              <a:t>init</a:t>
-            </a:r>
-            <a:r>
-              <a:rPr lang="en-US" altLang="ko-KR" sz="1200" dirty="0">
-                <a:solidFill>
-                  <a:schemeClr val="tx1"/>
-                </a:solidFill>
-                <a:latin typeface="DejaVu Sans Mono" panose="020B0609030804020204" pitchFamily="49" charset="0"/>
-                <a:cs typeface="DejaVu Sans Mono" panose="020B0609030804020204" pitchFamily="49" charset="0"/>
-              </a:rPr>
-              <a:t>__(self):</a:t>
-            </a:r>
-          </a:p>
-          <a:p>
-            <a:r>
-              <a:rPr lang="en-US" altLang="ko-KR" sz="1200" dirty="0">
-                <a:solidFill>
-                  <a:schemeClr val="tx1"/>
-                </a:solidFill>
-                <a:latin typeface="DejaVu Sans Mono" panose="020B0609030804020204" pitchFamily="49" charset="0"/>
-                <a:cs typeface="DejaVu Sans Mono" panose="020B0609030804020204" pitchFamily="49" charset="0"/>
-              </a:rPr>
-              <a:t>        A.__</a:t>
-            </a:r>
-            <a:r>
-              <a:rPr lang="en-US" altLang="ko-KR" sz="1200" dirty="0" err="1">
-                <a:solidFill>
-                  <a:schemeClr val="tx1"/>
-                </a:solidFill>
-                <a:latin typeface="DejaVu Sans Mono" panose="020B0609030804020204" pitchFamily="49" charset="0"/>
-                <a:cs typeface="DejaVu Sans Mono" panose="020B0609030804020204" pitchFamily="49" charset="0"/>
-              </a:rPr>
-              <a:t>init</a:t>
-            </a:r>
-            <a:r>
-              <a:rPr lang="en-US" altLang="ko-KR" sz="1200" dirty="0">
-                <a:solidFill>
-                  <a:schemeClr val="tx1"/>
-                </a:solidFill>
-                <a:latin typeface="DejaVu Sans Mono" panose="020B0609030804020204" pitchFamily="49" charset="0"/>
-                <a:cs typeface="DejaVu Sans Mono" panose="020B0609030804020204" pitchFamily="49" charset="0"/>
-              </a:rPr>
-              <a:t>__(self)</a:t>
-            </a:r>
-          </a:p>
-          <a:p>
-            <a:r>
-              <a:rPr lang="en-US" altLang="ko-KR" sz="1200" dirty="0">
-                <a:solidFill>
-                  <a:schemeClr val="tx1"/>
-                </a:solidFill>
-                <a:latin typeface="DejaVu Sans Mono" panose="020B0609030804020204" pitchFamily="49" charset="0"/>
-                <a:cs typeface="DejaVu Sans Mono" panose="020B0609030804020204" pitchFamily="49" charset="0"/>
-              </a:rPr>
-              <a:t>        print("C </a:t>
-            </a:r>
-            <a:r>
-              <a:rPr lang="ko-KR" altLang="en-US" sz="1200" dirty="0">
-                <a:solidFill>
-                  <a:schemeClr val="tx1"/>
-                </a:solidFill>
-                <a:latin typeface="DejaVu Sans Mono" panose="020B0609030804020204" pitchFamily="49" charset="0"/>
-                <a:cs typeface="DejaVu Sans Mono" panose="020B0609030804020204" pitchFamily="49" charset="0"/>
-              </a:rPr>
-              <a:t>클래스의 </a:t>
-            </a:r>
-            <a:r>
-              <a:rPr lang="ko-KR" altLang="en-US" sz="1200" dirty="0" err="1">
-                <a:solidFill>
-                  <a:schemeClr val="tx1"/>
-                </a:solidFill>
-                <a:latin typeface="DejaVu Sans Mono" panose="020B0609030804020204" pitchFamily="49" charset="0"/>
-                <a:cs typeface="DejaVu Sans Mono" panose="020B0609030804020204" pitchFamily="49" charset="0"/>
-              </a:rPr>
-              <a:t>생성자</a:t>
-            </a:r>
-            <a:r>
-              <a:rPr lang="ko-KR" altLang="en-US" sz="1200" dirty="0">
-                <a:solidFill>
-                  <a:schemeClr val="tx1"/>
-                </a:solidFill>
-                <a:latin typeface="DejaVu Sans Mono" panose="020B0609030804020204" pitchFamily="49" charset="0"/>
-                <a:cs typeface="DejaVu Sans Mono" panose="020B0609030804020204" pitchFamily="49" charset="0"/>
-              </a:rPr>
-              <a:t> 호출</a:t>
-            </a:r>
-            <a:r>
-              <a:rPr lang="en-US" altLang="ko-KR" sz="1200" dirty="0">
-                <a:solidFill>
-                  <a:schemeClr val="tx1"/>
-                </a:solidFill>
-                <a:latin typeface="DejaVu Sans Mono" panose="020B0609030804020204" pitchFamily="49" charset="0"/>
-                <a:cs typeface="DejaVu Sans Mono" panose="020B0609030804020204" pitchFamily="49" charset="0"/>
-              </a:rPr>
-              <a:t>!")</a:t>
-            </a:r>
-          </a:p>
-          <a:p>
-            <a:r>
-              <a:rPr lang="en-US" altLang="ko-KR" sz="1200" dirty="0">
-                <a:solidFill>
-                  <a:schemeClr val="tx1"/>
-                </a:solidFill>
-                <a:latin typeface="DejaVu Sans Mono" panose="020B0609030804020204" pitchFamily="49" charset="0"/>
-                <a:cs typeface="DejaVu Sans Mono" panose="020B0609030804020204" pitchFamily="49" charset="0"/>
-              </a:rPr>
-              <a:t>     </a:t>
-            </a:r>
-          </a:p>
-          <a:p>
-            <a:r>
-              <a:rPr lang="en-US" altLang="ko-KR" sz="1200" dirty="0" smtClean="0">
-                <a:solidFill>
-                  <a:schemeClr val="tx1"/>
-                </a:solidFill>
-                <a:latin typeface="DejaVu Sans Mono" panose="020B0609030804020204" pitchFamily="49" charset="0"/>
-                <a:cs typeface="DejaVu Sans Mono" panose="020B0609030804020204" pitchFamily="49" charset="0"/>
-              </a:rPr>
-              <a:t>class </a:t>
-            </a:r>
-            <a:r>
-              <a:rPr lang="en-US" altLang="ko-KR" sz="1200" dirty="0">
-                <a:solidFill>
-                  <a:schemeClr val="tx1"/>
-                </a:solidFill>
-                <a:latin typeface="DejaVu Sans Mono" panose="020B0609030804020204" pitchFamily="49" charset="0"/>
-                <a:cs typeface="DejaVu Sans Mono" panose="020B0609030804020204" pitchFamily="49" charset="0"/>
-              </a:rPr>
-              <a:t>D(B, C):</a:t>
-            </a:r>
-          </a:p>
-          <a:p>
-            <a:r>
-              <a:rPr lang="en-US" altLang="ko-KR" sz="1200" dirty="0">
-                <a:solidFill>
-                  <a:schemeClr val="tx1"/>
-                </a:solidFill>
-                <a:latin typeface="DejaVu Sans Mono" panose="020B0609030804020204" pitchFamily="49" charset="0"/>
-                <a:cs typeface="DejaVu Sans Mono" panose="020B0609030804020204" pitchFamily="49" charset="0"/>
-              </a:rPr>
-              <a:t>    </a:t>
-            </a:r>
-            <a:r>
-              <a:rPr lang="en-US" altLang="ko-KR" sz="1200" dirty="0" err="1">
-                <a:solidFill>
-                  <a:schemeClr val="tx1"/>
-                </a:solidFill>
-                <a:latin typeface="DejaVu Sans Mono" panose="020B0609030804020204" pitchFamily="49" charset="0"/>
-                <a:cs typeface="DejaVu Sans Mono" panose="020B0609030804020204" pitchFamily="49" charset="0"/>
-              </a:rPr>
-              <a:t>def</a:t>
-            </a:r>
-            <a:r>
-              <a:rPr lang="en-US" altLang="ko-KR" sz="1200" dirty="0">
-                <a:solidFill>
-                  <a:schemeClr val="tx1"/>
-                </a:solidFill>
-                <a:latin typeface="DejaVu Sans Mono" panose="020B0609030804020204" pitchFamily="49" charset="0"/>
-                <a:cs typeface="DejaVu Sans Mono" panose="020B0609030804020204" pitchFamily="49" charset="0"/>
-              </a:rPr>
-              <a:t> __</a:t>
-            </a:r>
-            <a:r>
-              <a:rPr lang="en-US" altLang="ko-KR" sz="1200" dirty="0" err="1">
-                <a:solidFill>
-                  <a:schemeClr val="tx1"/>
-                </a:solidFill>
-                <a:latin typeface="DejaVu Sans Mono" panose="020B0609030804020204" pitchFamily="49" charset="0"/>
-                <a:cs typeface="DejaVu Sans Mono" panose="020B0609030804020204" pitchFamily="49" charset="0"/>
-              </a:rPr>
-              <a:t>init</a:t>
-            </a:r>
-            <a:r>
-              <a:rPr lang="en-US" altLang="ko-KR" sz="1200" dirty="0">
-                <a:solidFill>
-                  <a:schemeClr val="tx1"/>
-                </a:solidFill>
-                <a:latin typeface="DejaVu Sans Mono" panose="020B0609030804020204" pitchFamily="49" charset="0"/>
-                <a:cs typeface="DejaVu Sans Mono" panose="020B0609030804020204" pitchFamily="49" charset="0"/>
-              </a:rPr>
-              <a:t>__(self):</a:t>
-            </a:r>
-          </a:p>
-          <a:p>
-            <a:r>
-              <a:rPr lang="en-US" altLang="ko-KR" sz="1200" dirty="0">
-                <a:solidFill>
-                  <a:schemeClr val="tx1"/>
-                </a:solidFill>
-                <a:latin typeface="DejaVu Sans Mono" panose="020B0609030804020204" pitchFamily="49" charset="0"/>
-                <a:cs typeface="DejaVu Sans Mono" panose="020B0609030804020204" pitchFamily="49" charset="0"/>
-              </a:rPr>
-              <a:t>        B.__</a:t>
-            </a:r>
-            <a:r>
-              <a:rPr lang="en-US" altLang="ko-KR" sz="1200" dirty="0" err="1">
-                <a:solidFill>
-                  <a:schemeClr val="tx1"/>
-                </a:solidFill>
-                <a:latin typeface="DejaVu Sans Mono" panose="020B0609030804020204" pitchFamily="49" charset="0"/>
-                <a:cs typeface="DejaVu Sans Mono" panose="020B0609030804020204" pitchFamily="49" charset="0"/>
-              </a:rPr>
-              <a:t>init</a:t>
-            </a:r>
-            <a:r>
-              <a:rPr lang="en-US" altLang="ko-KR" sz="1200" dirty="0">
-                <a:solidFill>
-                  <a:schemeClr val="tx1"/>
-                </a:solidFill>
-                <a:latin typeface="DejaVu Sans Mono" panose="020B0609030804020204" pitchFamily="49" charset="0"/>
-                <a:cs typeface="DejaVu Sans Mono" panose="020B0609030804020204" pitchFamily="49" charset="0"/>
-              </a:rPr>
-              <a:t>__(self)</a:t>
-            </a:r>
-          </a:p>
-          <a:p>
-            <a:r>
-              <a:rPr lang="en-US" altLang="ko-KR" sz="1200" dirty="0">
-                <a:solidFill>
-                  <a:schemeClr val="tx1"/>
-                </a:solidFill>
-                <a:latin typeface="DejaVu Sans Mono" panose="020B0609030804020204" pitchFamily="49" charset="0"/>
-                <a:cs typeface="DejaVu Sans Mono" panose="020B0609030804020204" pitchFamily="49" charset="0"/>
-              </a:rPr>
-              <a:t>        C.__</a:t>
-            </a:r>
-            <a:r>
-              <a:rPr lang="en-US" altLang="ko-KR" sz="1200" dirty="0" err="1">
-                <a:solidFill>
-                  <a:schemeClr val="tx1"/>
-                </a:solidFill>
-                <a:latin typeface="DejaVu Sans Mono" panose="020B0609030804020204" pitchFamily="49" charset="0"/>
-                <a:cs typeface="DejaVu Sans Mono" panose="020B0609030804020204" pitchFamily="49" charset="0"/>
-              </a:rPr>
-              <a:t>init</a:t>
-            </a:r>
-            <a:r>
-              <a:rPr lang="en-US" altLang="ko-KR" sz="1200" dirty="0">
-                <a:solidFill>
-                  <a:schemeClr val="tx1"/>
-                </a:solidFill>
-                <a:latin typeface="DejaVu Sans Mono" panose="020B0609030804020204" pitchFamily="49" charset="0"/>
-                <a:cs typeface="DejaVu Sans Mono" panose="020B0609030804020204" pitchFamily="49" charset="0"/>
-              </a:rPr>
-              <a:t>__(self)</a:t>
-            </a:r>
-          </a:p>
-          <a:p>
-            <a:r>
-              <a:rPr lang="en-US" altLang="ko-KR" sz="1200" dirty="0">
-                <a:solidFill>
-                  <a:schemeClr val="tx1"/>
-                </a:solidFill>
-                <a:latin typeface="DejaVu Sans Mono" panose="020B0609030804020204" pitchFamily="49" charset="0"/>
-                <a:cs typeface="DejaVu Sans Mono" panose="020B0609030804020204" pitchFamily="49" charset="0"/>
-              </a:rPr>
-              <a:t>        print("D </a:t>
-            </a:r>
-            <a:r>
-              <a:rPr lang="ko-KR" altLang="en-US" sz="1200" dirty="0">
-                <a:solidFill>
-                  <a:schemeClr val="tx1"/>
-                </a:solidFill>
-                <a:latin typeface="DejaVu Sans Mono" panose="020B0609030804020204" pitchFamily="49" charset="0"/>
-                <a:cs typeface="DejaVu Sans Mono" panose="020B0609030804020204" pitchFamily="49" charset="0"/>
-              </a:rPr>
-              <a:t>클래스의 </a:t>
-            </a:r>
-            <a:r>
-              <a:rPr lang="ko-KR" altLang="en-US" sz="1200" dirty="0" err="1">
-                <a:solidFill>
-                  <a:schemeClr val="tx1"/>
-                </a:solidFill>
-                <a:latin typeface="DejaVu Sans Mono" panose="020B0609030804020204" pitchFamily="49" charset="0"/>
-                <a:cs typeface="DejaVu Sans Mono" panose="020B0609030804020204" pitchFamily="49" charset="0"/>
-              </a:rPr>
-              <a:t>생성자</a:t>
-            </a:r>
-            <a:r>
-              <a:rPr lang="ko-KR" altLang="en-US" sz="1200" dirty="0">
-                <a:solidFill>
-                  <a:schemeClr val="tx1"/>
-                </a:solidFill>
-                <a:latin typeface="DejaVu Sans Mono" panose="020B0609030804020204" pitchFamily="49" charset="0"/>
-                <a:cs typeface="DejaVu Sans Mono" panose="020B0609030804020204" pitchFamily="49" charset="0"/>
-              </a:rPr>
-              <a:t> 호출</a:t>
-            </a:r>
-            <a:r>
-              <a:rPr lang="en-US" altLang="ko-KR" sz="1200" dirty="0">
-                <a:solidFill>
-                  <a:schemeClr val="tx1"/>
-                </a:solidFill>
-                <a:latin typeface="DejaVu Sans Mono" panose="020B0609030804020204" pitchFamily="49" charset="0"/>
-                <a:cs typeface="DejaVu Sans Mono" panose="020B0609030804020204" pitchFamily="49" charset="0"/>
-              </a:rPr>
-              <a:t>!")</a:t>
-            </a:r>
-          </a:p>
-          <a:p>
-            <a:r>
-              <a:rPr lang="en-US" altLang="ko-KR" sz="1200" dirty="0">
-                <a:solidFill>
-                  <a:schemeClr val="tx1"/>
-                </a:solidFill>
-                <a:latin typeface="DejaVu Sans Mono" panose="020B0609030804020204" pitchFamily="49" charset="0"/>
-                <a:cs typeface="DejaVu Sans Mono" panose="020B0609030804020204" pitchFamily="49" charset="0"/>
-              </a:rPr>
-              <a:t>     </a:t>
-            </a:r>
-          </a:p>
-          <a:p>
-            <a:r>
-              <a:rPr lang="en-US" altLang="ko-KR" sz="1200" dirty="0" err="1" smtClean="0">
-                <a:solidFill>
-                  <a:schemeClr val="tx1"/>
-                </a:solidFill>
-                <a:latin typeface="DejaVu Sans Mono" panose="020B0609030804020204" pitchFamily="49" charset="0"/>
-                <a:cs typeface="DejaVu Sans Mono" panose="020B0609030804020204" pitchFamily="49" charset="0"/>
-              </a:rPr>
-              <a:t>objectD</a:t>
-            </a:r>
-            <a:r>
-              <a:rPr lang="en-US" altLang="ko-KR" sz="1200" dirty="0" smtClean="0">
-                <a:solidFill>
-                  <a:schemeClr val="tx1"/>
-                </a:solidFill>
-                <a:latin typeface="DejaVu Sans Mono" panose="020B0609030804020204" pitchFamily="49" charset="0"/>
-                <a:cs typeface="DejaVu Sans Mono" panose="020B0609030804020204" pitchFamily="49" charset="0"/>
-              </a:rPr>
-              <a:t> </a:t>
-            </a:r>
-            <a:r>
-              <a:rPr lang="en-US" altLang="ko-KR" sz="1200" dirty="0">
-                <a:solidFill>
-                  <a:schemeClr val="tx1"/>
-                </a:solidFill>
-                <a:latin typeface="DejaVu Sans Mono" panose="020B0609030804020204" pitchFamily="49" charset="0"/>
-                <a:cs typeface="DejaVu Sans Mono" panose="020B0609030804020204" pitchFamily="49" charset="0"/>
-              </a:rPr>
-              <a:t>= D()</a:t>
-            </a:r>
-          </a:p>
-          <a:p>
-            <a:r>
-              <a:rPr lang="en-US" altLang="ko-KR" sz="1200" dirty="0">
-                <a:solidFill>
-                  <a:schemeClr val="tx1"/>
-                </a:solidFill>
-                <a:latin typeface="DejaVu Sans Mono" panose="020B0609030804020204" pitchFamily="49" charset="0"/>
-                <a:cs typeface="DejaVu Sans Mono" panose="020B0609030804020204" pitchFamily="49" charset="0"/>
-              </a:rPr>
-              <a:t>A </a:t>
-            </a:r>
-            <a:r>
-              <a:rPr lang="ko-KR" altLang="en-US" sz="1200" dirty="0">
-                <a:solidFill>
-                  <a:schemeClr val="tx1"/>
-                </a:solidFill>
-                <a:latin typeface="DejaVu Sans Mono" panose="020B0609030804020204" pitchFamily="49" charset="0"/>
-                <a:cs typeface="DejaVu Sans Mono" panose="020B0609030804020204" pitchFamily="49" charset="0"/>
-              </a:rPr>
-              <a:t>클래스의 </a:t>
-            </a:r>
-            <a:r>
-              <a:rPr lang="ko-KR" altLang="en-US" sz="1200" dirty="0" err="1">
-                <a:solidFill>
-                  <a:schemeClr val="tx1"/>
-                </a:solidFill>
-                <a:latin typeface="DejaVu Sans Mono" panose="020B0609030804020204" pitchFamily="49" charset="0"/>
-                <a:cs typeface="DejaVu Sans Mono" panose="020B0609030804020204" pitchFamily="49" charset="0"/>
-              </a:rPr>
-              <a:t>생성자</a:t>
-            </a:r>
-            <a:r>
-              <a:rPr lang="ko-KR" altLang="en-US" sz="1200" dirty="0">
-                <a:solidFill>
-                  <a:schemeClr val="tx1"/>
-                </a:solidFill>
-                <a:latin typeface="DejaVu Sans Mono" panose="020B0609030804020204" pitchFamily="49" charset="0"/>
-                <a:cs typeface="DejaVu Sans Mono" panose="020B0609030804020204" pitchFamily="49" charset="0"/>
-              </a:rPr>
-              <a:t> 호출</a:t>
-            </a:r>
-            <a:r>
-              <a:rPr lang="en-US" altLang="ko-KR" sz="1200" dirty="0">
-                <a:solidFill>
-                  <a:schemeClr val="tx1"/>
-                </a:solidFill>
-                <a:latin typeface="DejaVu Sans Mono" panose="020B0609030804020204" pitchFamily="49" charset="0"/>
-                <a:cs typeface="DejaVu Sans Mono" panose="020B0609030804020204" pitchFamily="49" charset="0"/>
-              </a:rPr>
-              <a:t>!</a:t>
-            </a:r>
-          </a:p>
-          <a:p>
-            <a:r>
-              <a:rPr lang="en-US" altLang="ko-KR" sz="1200" dirty="0">
-                <a:solidFill>
-                  <a:schemeClr val="tx1"/>
-                </a:solidFill>
-                <a:latin typeface="DejaVu Sans Mono" panose="020B0609030804020204" pitchFamily="49" charset="0"/>
-                <a:cs typeface="DejaVu Sans Mono" panose="020B0609030804020204" pitchFamily="49" charset="0"/>
-              </a:rPr>
-              <a:t>B </a:t>
-            </a:r>
-            <a:r>
-              <a:rPr lang="ko-KR" altLang="en-US" sz="1200" dirty="0">
-                <a:solidFill>
-                  <a:schemeClr val="tx1"/>
-                </a:solidFill>
-                <a:latin typeface="DejaVu Sans Mono" panose="020B0609030804020204" pitchFamily="49" charset="0"/>
-                <a:cs typeface="DejaVu Sans Mono" panose="020B0609030804020204" pitchFamily="49" charset="0"/>
-              </a:rPr>
-              <a:t>클래스의 </a:t>
-            </a:r>
-            <a:r>
-              <a:rPr lang="ko-KR" altLang="en-US" sz="1200" dirty="0" err="1">
-                <a:solidFill>
-                  <a:schemeClr val="tx1"/>
-                </a:solidFill>
-                <a:latin typeface="DejaVu Sans Mono" panose="020B0609030804020204" pitchFamily="49" charset="0"/>
-                <a:cs typeface="DejaVu Sans Mono" panose="020B0609030804020204" pitchFamily="49" charset="0"/>
-              </a:rPr>
-              <a:t>생성자</a:t>
-            </a:r>
-            <a:r>
-              <a:rPr lang="ko-KR" altLang="en-US" sz="1200" dirty="0">
-                <a:solidFill>
-                  <a:schemeClr val="tx1"/>
-                </a:solidFill>
-                <a:latin typeface="DejaVu Sans Mono" panose="020B0609030804020204" pitchFamily="49" charset="0"/>
-                <a:cs typeface="DejaVu Sans Mono" panose="020B0609030804020204" pitchFamily="49" charset="0"/>
-              </a:rPr>
-              <a:t> 호출</a:t>
-            </a:r>
-            <a:r>
-              <a:rPr lang="en-US" altLang="ko-KR" sz="1200" dirty="0">
-                <a:solidFill>
-                  <a:schemeClr val="tx1"/>
-                </a:solidFill>
-                <a:latin typeface="DejaVu Sans Mono" panose="020B0609030804020204" pitchFamily="49" charset="0"/>
-                <a:cs typeface="DejaVu Sans Mono" panose="020B0609030804020204" pitchFamily="49" charset="0"/>
-              </a:rPr>
-              <a:t>!</a:t>
-            </a:r>
-          </a:p>
-          <a:p>
-            <a:r>
-              <a:rPr lang="en-US" altLang="ko-KR" sz="1200" dirty="0">
-                <a:solidFill>
-                  <a:schemeClr val="tx1"/>
-                </a:solidFill>
-                <a:latin typeface="DejaVu Sans Mono" panose="020B0609030804020204" pitchFamily="49" charset="0"/>
-                <a:cs typeface="DejaVu Sans Mono" panose="020B0609030804020204" pitchFamily="49" charset="0"/>
-              </a:rPr>
-              <a:t>A </a:t>
-            </a:r>
-            <a:r>
-              <a:rPr lang="ko-KR" altLang="en-US" sz="1200" dirty="0">
-                <a:solidFill>
-                  <a:schemeClr val="tx1"/>
-                </a:solidFill>
-                <a:latin typeface="DejaVu Sans Mono" panose="020B0609030804020204" pitchFamily="49" charset="0"/>
-                <a:cs typeface="DejaVu Sans Mono" panose="020B0609030804020204" pitchFamily="49" charset="0"/>
-              </a:rPr>
-              <a:t>클래스의 </a:t>
-            </a:r>
-            <a:r>
-              <a:rPr lang="ko-KR" altLang="en-US" sz="1200" dirty="0" err="1">
-                <a:solidFill>
-                  <a:schemeClr val="tx1"/>
-                </a:solidFill>
-                <a:latin typeface="DejaVu Sans Mono" panose="020B0609030804020204" pitchFamily="49" charset="0"/>
-                <a:cs typeface="DejaVu Sans Mono" panose="020B0609030804020204" pitchFamily="49" charset="0"/>
-              </a:rPr>
-              <a:t>생성자</a:t>
-            </a:r>
-            <a:r>
-              <a:rPr lang="ko-KR" altLang="en-US" sz="1200" dirty="0">
-                <a:solidFill>
-                  <a:schemeClr val="tx1"/>
-                </a:solidFill>
-                <a:latin typeface="DejaVu Sans Mono" panose="020B0609030804020204" pitchFamily="49" charset="0"/>
-                <a:cs typeface="DejaVu Sans Mono" panose="020B0609030804020204" pitchFamily="49" charset="0"/>
-              </a:rPr>
-              <a:t> 호출</a:t>
-            </a:r>
-            <a:r>
-              <a:rPr lang="en-US" altLang="ko-KR" sz="1200" dirty="0">
-                <a:solidFill>
-                  <a:schemeClr val="tx1"/>
-                </a:solidFill>
-                <a:latin typeface="DejaVu Sans Mono" panose="020B0609030804020204" pitchFamily="49" charset="0"/>
-                <a:cs typeface="DejaVu Sans Mono" panose="020B0609030804020204" pitchFamily="49" charset="0"/>
-              </a:rPr>
-              <a:t>!</a:t>
-            </a:r>
-          </a:p>
-          <a:p>
-            <a:r>
-              <a:rPr lang="en-US" altLang="ko-KR" sz="1200" dirty="0">
-                <a:solidFill>
-                  <a:schemeClr val="tx1"/>
-                </a:solidFill>
-                <a:latin typeface="DejaVu Sans Mono" panose="020B0609030804020204" pitchFamily="49" charset="0"/>
-                <a:cs typeface="DejaVu Sans Mono" panose="020B0609030804020204" pitchFamily="49" charset="0"/>
-              </a:rPr>
-              <a:t>C </a:t>
-            </a:r>
-            <a:r>
-              <a:rPr lang="ko-KR" altLang="en-US" sz="1200" dirty="0">
-                <a:solidFill>
-                  <a:schemeClr val="tx1"/>
-                </a:solidFill>
-                <a:latin typeface="DejaVu Sans Mono" panose="020B0609030804020204" pitchFamily="49" charset="0"/>
-                <a:cs typeface="DejaVu Sans Mono" panose="020B0609030804020204" pitchFamily="49" charset="0"/>
-              </a:rPr>
-              <a:t>클래스의 </a:t>
-            </a:r>
-            <a:r>
-              <a:rPr lang="ko-KR" altLang="en-US" sz="1200" dirty="0" err="1">
-                <a:solidFill>
-                  <a:schemeClr val="tx1"/>
-                </a:solidFill>
-                <a:latin typeface="DejaVu Sans Mono" panose="020B0609030804020204" pitchFamily="49" charset="0"/>
-                <a:cs typeface="DejaVu Sans Mono" panose="020B0609030804020204" pitchFamily="49" charset="0"/>
-              </a:rPr>
-              <a:t>생성자</a:t>
-            </a:r>
-            <a:r>
-              <a:rPr lang="ko-KR" altLang="en-US" sz="1200" dirty="0">
-                <a:solidFill>
-                  <a:schemeClr val="tx1"/>
-                </a:solidFill>
-                <a:latin typeface="DejaVu Sans Mono" panose="020B0609030804020204" pitchFamily="49" charset="0"/>
-                <a:cs typeface="DejaVu Sans Mono" panose="020B0609030804020204" pitchFamily="49" charset="0"/>
-              </a:rPr>
-              <a:t> 호출</a:t>
-            </a:r>
-            <a:r>
-              <a:rPr lang="en-US" altLang="ko-KR" sz="1200" dirty="0">
-                <a:solidFill>
-                  <a:schemeClr val="tx1"/>
-                </a:solidFill>
-                <a:latin typeface="DejaVu Sans Mono" panose="020B0609030804020204" pitchFamily="49" charset="0"/>
-                <a:cs typeface="DejaVu Sans Mono" panose="020B0609030804020204" pitchFamily="49" charset="0"/>
-              </a:rPr>
-              <a:t>!</a:t>
-            </a:r>
-          </a:p>
-          <a:p>
-            <a:r>
-              <a:rPr lang="en-US" altLang="ko-KR" sz="1200" dirty="0">
-                <a:solidFill>
-                  <a:schemeClr val="tx1"/>
-                </a:solidFill>
-                <a:latin typeface="DejaVu Sans Mono" panose="020B0609030804020204" pitchFamily="49" charset="0"/>
-                <a:cs typeface="DejaVu Sans Mono" panose="020B0609030804020204" pitchFamily="49" charset="0"/>
-              </a:rPr>
-              <a:t>D </a:t>
-            </a:r>
-            <a:r>
-              <a:rPr lang="ko-KR" altLang="en-US" sz="1200" dirty="0">
-                <a:solidFill>
-                  <a:schemeClr val="tx1"/>
-                </a:solidFill>
-                <a:latin typeface="DejaVu Sans Mono" panose="020B0609030804020204" pitchFamily="49" charset="0"/>
-                <a:cs typeface="DejaVu Sans Mono" panose="020B0609030804020204" pitchFamily="49" charset="0"/>
-              </a:rPr>
-              <a:t>클래스의 </a:t>
-            </a:r>
-            <a:r>
-              <a:rPr lang="ko-KR" altLang="en-US" sz="1200" dirty="0" err="1">
-                <a:solidFill>
-                  <a:schemeClr val="tx1"/>
-                </a:solidFill>
-                <a:latin typeface="DejaVu Sans Mono" panose="020B0609030804020204" pitchFamily="49" charset="0"/>
-                <a:cs typeface="DejaVu Sans Mono" panose="020B0609030804020204" pitchFamily="49" charset="0"/>
-              </a:rPr>
-              <a:t>생성자</a:t>
-            </a:r>
-            <a:r>
-              <a:rPr lang="ko-KR" altLang="en-US" sz="1200" dirty="0">
-                <a:solidFill>
-                  <a:schemeClr val="tx1"/>
-                </a:solidFill>
-                <a:latin typeface="DejaVu Sans Mono" panose="020B0609030804020204" pitchFamily="49" charset="0"/>
-                <a:cs typeface="DejaVu Sans Mono" panose="020B0609030804020204" pitchFamily="49" charset="0"/>
-              </a:rPr>
-              <a:t> 호출</a:t>
-            </a:r>
-            <a:r>
-              <a:rPr lang="en-US" altLang="ko-KR" sz="1200" dirty="0">
-                <a:solidFill>
-                  <a:schemeClr val="tx1"/>
-                </a:solidFill>
-                <a:latin typeface="DejaVu Sans Mono" panose="020B0609030804020204" pitchFamily="49" charset="0"/>
-                <a:cs typeface="DejaVu Sans Mono" panose="020B0609030804020204" pitchFamily="49" charset="0"/>
-              </a:rPr>
-              <a:t>!</a:t>
-            </a:r>
-            <a:endParaRPr lang="ko-KR" altLang="en-US" sz="1200" dirty="0">
-              <a:solidFill>
-                <a:schemeClr val="tx1"/>
-              </a:solidFill>
-              <a:latin typeface="DejaVu Sans Mono" panose="020B0609030804020204" pitchFamily="49" charset="0"/>
-              <a:cs typeface="DejaVu Sans Mono" panose="020B0609030804020204" pitchFamily="49" charset="0"/>
-            </a:endParaRPr>
-          </a:p>
-        </p:txBody>
-      </p:sp>
-      <p:sp>
-        <p:nvSpPr>
-          <p:cNvPr id="6" name="직사각형 5"/>
-          <p:cNvSpPr/>
-          <p:nvPr/>
-        </p:nvSpPr>
-        <p:spPr>
-          <a:xfrm>
-            <a:off x="6149419" y="1479290"/>
-            <a:ext cx="5204381" cy="5128900"/>
-          </a:xfrm>
-          <a:prstGeom prst="rect">
-            <a:avLst/>
-          </a:prstGeom>
-          <a:solidFill>
-            <a:schemeClr val="bg1"/>
-          </a:solidFill>
-        </p:spPr>
-        <p:style>
-          <a:lnRef idx="2">
-            <a:schemeClr val="accent1">
-              <a:shade val="50000"/>
-            </a:schemeClr>
-          </a:lnRef>
-          <a:fillRef idx="1">
-            <a:schemeClr val="accent1"/>
-          </a:fillRef>
-          <a:effectRef idx="0">
-            <a:schemeClr val="accent1"/>
-          </a:effectRef>
-          <a:fontRef idx="minor">
-            <a:schemeClr val="lt1"/>
-          </a:fontRef>
-        </p:style>
-        <p:txBody>
-          <a:bodyPr lIns="180000" tIns="180000" rIns="180000" bIns="180000" rtlCol="0" anchor="t" anchorCtr="0"/>
-          <a:lstStyle/>
-          <a:p>
-            <a:r>
-              <a:rPr lang="en-US" altLang="ko-KR" sz="1200" dirty="0">
-                <a:solidFill>
-                  <a:schemeClr val="tx1"/>
-                </a:solidFill>
-                <a:latin typeface="DejaVu Sans Mono" panose="020B0609030804020204" pitchFamily="49" charset="0"/>
-                <a:cs typeface="DejaVu Sans Mono" panose="020B0609030804020204" pitchFamily="49" charset="0"/>
-              </a:rPr>
-              <a:t>class A(object):</a:t>
-            </a:r>
-          </a:p>
-          <a:p>
-            <a:r>
-              <a:rPr lang="en-US" altLang="ko-KR" sz="1200" dirty="0">
-                <a:solidFill>
-                  <a:schemeClr val="tx1"/>
-                </a:solidFill>
-                <a:latin typeface="DejaVu Sans Mono" panose="020B0609030804020204" pitchFamily="49" charset="0"/>
-                <a:cs typeface="DejaVu Sans Mono" panose="020B0609030804020204" pitchFamily="49" charset="0"/>
-              </a:rPr>
-              <a:t>    </a:t>
-            </a:r>
-            <a:r>
-              <a:rPr lang="en-US" altLang="ko-KR" sz="1200" dirty="0" err="1">
-                <a:solidFill>
-                  <a:schemeClr val="tx1"/>
-                </a:solidFill>
-                <a:latin typeface="DejaVu Sans Mono" panose="020B0609030804020204" pitchFamily="49" charset="0"/>
-                <a:cs typeface="DejaVu Sans Mono" panose="020B0609030804020204" pitchFamily="49" charset="0"/>
-              </a:rPr>
-              <a:t>def</a:t>
-            </a:r>
-            <a:r>
-              <a:rPr lang="en-US" altLang="ko-KR" sz="1200" dirty="0">
-                <a:solidFill>
-                  <a:schemeClr val="tx1"/>
-                </a:solidFill>
-                <a:latin typeface="DejaVu Sans Mono" panose="020B0609030804020204" pitchFamily="49" charset="0"/>
-                <a:cs typeface="DejaVu Sans Mono" panose="020B0609030804020204" pitchFamily="49" charset="0"/>
-              </a:rPr>
-              <a:t> __</a:t>
-            </a:r>
-            <a:r>
-              <a:rPr lang="en-US" altLang="ko-KR" sz="1200" dirty="0" err="1">
-                <a:solidFill>
-                  <a:schemeClr val="tx1"/>
-                </a:solidFill>
-                <a:latin typeface="DejaVu Sans Mono" panose="020B0609030804020204" pitchFamily="49" charset="0"/>
-                <a:cs typeface="DejaVu Sans Mono" panose="020B0609030804020204" pitchFamily="49" charset="0"/>
-              </a:rPr>
-              <a:t>init</a:t>
-            </a:r>
-            <a:r>
-              <a:rPr lang="en-US" altLang="ko-KR" sz="1200" dirty="0">
-                <a:solidFill>
-                  <a:schemeClr val="tx1"/>
-                </a:solidFill>
-                <a:latin typeface="DejaVu Sans Mono" panose="020B0609030804020204" pitchFamily="49" charset="0"/>
-                <a:cs typeface="DejaVu Sans Mono" panose="020B0609030804020204" pitchFamily="49" charset="0"/>
-              </a:rPr>
-              <a:t>__(self):</a:t>
-            </a:r>
-          </a:p>
-          <a:p>
-            <a:r>
-              <a:rPr lang="en-US" altLang="ko-KR" sz="1200" dirty="0">
-                <a:solidFill>
-                  <a:schemeClr val="tx1"/>
-                </a:solidFill>
-                <a:latin typeface="DejaVu Sans Mono" panose="020B0609030804020204" pitchFamily="49" charset="0"/>
-                <a:cs typeface="DejaVu Sans Mono" panose="020B0609030804020204" pitchFamily="49" charset="0"/>
-              </a:rPr>
-              <a:t>        print("A </a:t>
-            </a:r>
-            <a:r>
-              <a:rPr lang="ko-KR" altLang="en-US" sz="1200" dirty="0">
-                <a:solidFill>
-                  <a:schemeClr val="tx1"/>
-                </a:solidFill>
-                <a:latin typeface="DejaVu Sans Mono" panose="020B0609030804020204" pitchFamily="49" charset="0"/>
-                <a:cs typeface="DejaVu Sans Mono" panose="020B0609030804020204" pitchFamily="49" charset="0"/>
-              </a:rPr>
-              <a:t>클래스의 </a:t>
-            </a:r>
-            <a:r>
-              <a:rPr lang="ko-KR" altLang="en-US" sz="1200" dirty="0" err="1">
-                <a:solidFill>
-                  <a:schemeClr val="tx1"/>
-                </a:solidFill>
-                <a:latin typeface="DejaVu Sans Mono" panose="020B0609030804020204" pitchFamily="49" charset="0"/>
-                <a:cs typeface="DejaVu Sans Mono" panose="020B0609030804020204" pitchFamily="49" charset="0"/>
-              </a:rPr>
-              <a:t>생성자</a:t>
-            </a:r>
-            <a:r>
-              <a:rPr lang="ko-KR" altLang="en-US" sz="1200" dirty="0">
-                <a:solidFill>
-                  <a:schemeClr val="tx1"/>
-                </a:solidFill>
-                <a:latin typeface="DejaVu Sans Mono" panose="020B0609030804020204" pitchFamily="49" charset="0"/>
-                <a:cs typeface="DejaVu Sans Mono" panose="020B0609030804020204" pitchFamily="49" charset="0"/>
-              </a:rPr>
-              <a:t> 호출</a:t>
-            </a:r>
-            <a:r>
-              <a:rPr lang="en-US" altLang="ko-KR" sz="1200" dirty="0">
-                <a:solidFill>
-                  <a:schemeClr val="tx1"/>
-                </a:solidFill>
-                <a:latin typeface="DejaVu Sans Mono" panose="020B0609030804020204" pitchFamily="49" charset="0"/>
-                <a:cs typeface="DejaVu Sans Mono" panose="020B0609030804020204" pitchFamily="49" charset="0"/>
-              </a:rPr>
-              <a:t>!")</a:t>
-            </a:r>
-          </a:p>
-          <a:p>
-            <a:r>
-              <a:rPr lang="en-US" altLang="ko-KR" sz="1200" dirty="0">
-                <a:solidFill>
-                  <a:schemeClr val="tx1"/>
-                </a:solidFill>
-                <a:latin typeface="DejaVu Sans Mono" panose="020B0609030804020204" pitchFamily="49" charset="0"/>
-                <a:cs typeface="DejaVu Sans Mono" panose="020B0609030804020204" pitchFamily="49" charset="0"/>
-              </a:rPr>
-              <a:t>        </a:t>
-            </a:r>
-          </a:p>
-          <a:p>
-            <a:r>
-              <a:rPr lang="en-US" altLang="ko-KR" sz="1200" dirty="0">
-                <a:solidFill>
-                  <a:schemeClr val="tx1"/>
-                </a:solidFill>
-                <a:latin typeface="DejaVu Sans Mono" panose="020B0609030804020204" pitchFamily="49" charset="0"/>
-                <a:cs typeface="DejaVu Sans Mono" panose="020B0609030804020204" pitchFamily="49" charset="0"/>
-              </a:rPr>
-              <a:t>class B(A, object):</a:t>
-            </a:r>
-          </a:p>
-          <a:p>
-            <a:r>
-              <a:rPr lang="en-US" altLang="ko-KR" sz="1200" dirty="0">
-                <a:solidFill>
-                  <a:schemeClr val="tx1"/>
-                </a:solidFill>
-                <a:latin typeface="DejaVu Sans Mono" panose="020B0609030804020204" pitchFamily="49" charset="0"/>
-                <a:cs typeface="DejaVu Sans Mono" panose="020B0609030804020204" pitchFamily="49" charset="0"/>
-              </a:rPr>
-              <a:t>    </a:t>
-            </a:r>
-            <a:r>
-              <a:rPr lang="en-US" altLang="ko-KR" sz="1200" dirty="0" err="1">
-                <a:solidFill>
-                  <a:schemeClr val="tx1"/>
-                </a:solidFill>
-                <a:latin typeface="DejaVu Sans Mono" panose="020B0609030804020204" pitchFamily="49" charset="0"/>
-                <a:cs typeface="DejaVu Sans Mono" panose="020B0609030804020204" pitchFamily="49" charset="0"/>
-              </a:rPr>
-              <a:t>def</a:t>
-            </a:r>
-            <a:r>
-              <a:rPr lang="en-US" altLang="ko-KR" sz="1200" dirty="0">
-                <a:solidFill>
-                  <a:schemeClr val="tx1"/>
-                </a:solidFill>
-                <a:latin typeface="DejaVu Sans Mono" panose="020B0609030804020204" pitchFamily="49" charset="0"/>
-                <a:cs typeface="DejaVu Sans Mono" panose="020B0609030804020204" pitchFamily="49" charset="0"/>
-              </a:rPr>
-              <a:t> __</a:t>
-            </a:r>
-            <a:r>
-              <a:rPr lang="en-US" altLang="ko-KR" sz="1200" dirty="0" err="1">
-                <a:solidFill>
-                  <a:schemeClr val="tx1"/>
-                </a:solidFill>
-                <a:latin typeface="DejaVu Sans Mono" panose="020B0609030804020204" pitchFamily="49" charset="0"/>
-                <a:cs typeface="DejaVu Sans Mono" panose="020B0609030804020204" pitchFamily="49" charset="0"/>
-              </a:rPr>
-              <a:t>init</a:t>
-            </a:r>
-            <a:r>
-              <a:rPr lang="en-US" altLang="ko-KR" sz="1200" dirty="0">
-                <a:solidFill>
-                  <a:schemeClr val="tx1"/>
-                </a:solidFill>
-                <a:latin typeface="DejaVu Sans Mono" panose="020B0609030804020204" pitchFamily="49" charset="0"/>
-                <a:cs typeface="DejaVu Sans Mono" panose="020B0609030804020204" pitchFamily="49" charset="0"/>
-              </a:rPr>
-              <a:t>__(self):</a:t>
-            </a:r>
-          </a:p>
-          <a:p>
-            <a:r>
-              <a:rPr lang="en-US" altLang="ko-KR" sz="1200" dirty="0">
-                <a:solidFill>
-                  <a:schemeClr val="tx1"/>
-                </a:solidFill>
-                <a:latin typeface="DejaVu Sans Mono" panose="020B0609030804020204" pitchFamily="49" charset="0"/>
-                <a:cs typeface="DejaVu Sans Mono" panose="020B0609030804020204" pitchFamily="49" charset="0"/>
-              </a:rPr>
-              <a:t>        super(B, self).__</a:t>
-            </a:r>
-            <a:r>
-              <a:rPr lang="en-US" altLang="ko-KR" sz="1200" dirty="0" err="1">
-                <a:solidFill>
-                  <a:schemeClr val="tx1"/>
-                </a:solidFill>
-                <a:latin typeface="DejaVu Sans Mono" panose="020B0609030804020204" pitchFamily="49" charset="0"/>
-                <a:cs typeface="DejaVu Sans Mono" panose="020B0609030804020204" pitchFamily="49" charset="0"/>
-              </a:rPr>
-              <a:t>init</a:t>
-            </a:r>
-            <a:r>
-              <a:rPr lang="en-US" altLang="ko-KR" sz="1200" dirty="0">
-                <a:solidFill>
-                  <a:schemeClr val="tx1"/>
-                </a:solidFill>
-                <a:latin typeface="DejaVu Sans Mono" panose="020B0609030804020204" pitchFamily="49" charset="0"/>
-                <a:cs typeface="DejaVu Sans Mono" panose="020B0609030804020204" pitchFamily="49" charset="0"/>
-              </a:rPr>
-              <a:t>__()</a:t>
-            </a:r>
-          </a:p>
-          <a:p>
-            <a:r>
-              <a:rPr lang="en-US" altLang="ko-KR" sz="1200" dirty="0">
-                <a:solidFill>
-                  <a:schemeClr val="tx1"/>
-                </a:solidFill>
-                <a:latin typeface="DejaVu Sans Mono" panose="020B0609030804020204" pitchFamily="49" charset="0"/>
-                <a:cs typeface="DejaVu Sans Mono" panose="020B0609030804020204" pitchFamily="49" charset="0"/>
-              </a:rPr>
-              <a:t>        print("B </a:t>
-            </a:r>
-            <a:r>
-              <a:rPr lang="ko-KR" altLang="en-US" sz="1200" dirty="0">
-                <a:solidFill>
-                  <a:schemeClr val="tx1"/>
-                </a:solidFill>
-                <a:latin typeface="DejaVu Sans Mono" panose="020B0609030804020204" pitchFamily="49" charset="0"/>
-                <a:cs typeface="DejaVu Sans Mono" panose="020B0609030804020204" pitchFamily="49" charset="0"/>
-              </a:rPr>
-              <a:t>클래스의 </a:t>
-            </a:r>
-            <a:r>
-              <a:rPr lang="ko-KR" altLang="en-US" sz="1200" dirty="0" err="1">
-                <a:solidFill>
-                  <a:schemeClr val="tx1"/>
-                </a:solidFill>
-                <a:latin typeface="DejaVu Sans Mono" panose="020B0609030804020204" pitchFamily="49" charset="0"/>
-                <a:cs typeface="DejaVu Sans Mono" panose="020B0609030804020204" pitchFamily="49" charset="0"/>
-              </a:rPr>
-              <a:t>생성자</a:t>
-            </a:r>
-            <a:r>
-              <a:rPr lang="ko-KR" altLang="en-US" sz="1200" dirty="0">
-                <a:solidFill>
-                  <a:schemeClr val="tx1"/>
-                </a:solidFill>
-                <a:latin typeface="DejaVu Sans Mono" panose="020B0609030804020204" pitchFamily="49" charset="0"/>
-                <a:cs typeface="DejaVu Sans Mono" panose="020B0609030804020204" pitchFamily="49" charset="0"/>
-              </a:rPr>
-              <a:t> 호출</a:t>
-            </a:r>
-            <a:r>
-              <a:rPr lang="en-US" altLang="ko-KR" sz="1200" dirty="0">
-                <a:solidFill>
-                  <a:schemeClr val="tx1"/>
-                </a:solidFill>
-                <a:latin typeface="DejaVu Sans Mono" panose="020B0609030804020204" pitchFamily="49" charset="0"/>
-                <a:cs typeface="DejaVu Sans Mono" panose="020B0609030804020204" pitchFamily="49" charset="0"/>
-              </a:rPr>
-              <a:t>!")</a:t>
-            </a:r>
-          </a:p>
-          <a:p>
-            <a:r>
-              <a:rPr lang="en-US" altLang="ko-KR" sz="1200" dirty="0">
-                <a:solidFill>
-                  <a:schemeClr val="tx1"/>
-                </a:solidFill>
-                <a:latin typeface="DejaVu Sans Mono" panose="020B0609030804020204" pitchFamily="49" charset="0"/>
-                <a:cs typeface="DejaVu Sans Mono" panose="020B0609030804020204" pitchFamily="49" charset="0"/>
-              </a:rPr>
-              <a:t>        </a:t>
-            </a:r>
-          </a:p>
-          <a:p>
-            <a:r>
-              <a:rPr lang="en-US" altLang="ko-KR" sz="1200" dirty="0">
-                <a:solidFill>
-                  <a:schemeClr val="tx1"/>
-                </a:solidFill>
-                <a:latin typeface="DejaVu Sans Mono" panose="020B0609030804020204" pitchFamily="49" charset="0"/>
-                <a:cs typeface="DejaVu Sans Mono" panose="020B0609030804020204" pitchFamily="49" charset="0"/>
-              </a:rPr>
-              <a:t>class C(A, object):</a:t>
-            </a:r>
-          </a:p>
-          <a:p>
-            <a:r>
-              <a:rPr lang="en-US" altLang="ko-KR" sz="1200" dirty="0">
-                <a:solidFill>
-                  <a:schemeClr val="tx1"/>
-                </a:solidFill>
-                <a:latin typeface="DejaVu Sans Mono" panose="020B0609030804020204" pitchFamily="49" charset="0"/>
-                <a:cs typeface="DejaVu Sans Mono" panose="020B0609030804020204" pitchFamily="49" charset="0"/>
-              </a:rPr>
-              <a:t>    </a:t>
-            </a:r>
-            <a:r>
-              <a:rPr lang="en-US" altLang="ko-KR" sz="1200" dirty="0" err="1">
-                <a:solidFill>
-                  <a:schemeClr val="tx1"/>
-                </a:solidFill>
-                <a:latin typeface="DejaVu Sans Mono" panose="020B0609030804020204" pitchFamily="49" charset="0"/>
-                <a:cs typeface="DejaVu Sans Mono" panose="020B0609030804020204" pitchFamily="49" charset="0"/>
-              </a:rPr>
-              <a:t>def</a:t>
-            </a:r>
-            <a:r>
-              <a:rPr lang="en-US" altLang="ko-KR" sz="1200" dirty="0">
-                <a:solidFill>
-                  <a:schemeClr val="tx1"/>
-                </a:solidFill>
-                <a:latin typeface="DejaVu Sans Mono" panose="020B0609030804020204" pitchFamily="49" charset="0"/>
-                <a:cs typeface="DejaVu Sans Mono" panose="020B0609030804020204" pitchFamily="49" charset="0"/>
-              </a:rPr>
-              <a:t> __</a:t>
-            </a:r>
-            <a:r>
-              <a:rPr lang="en-US" altLang="ko-KR" sz="1200" dirty="0" err="1">
-                <a:solidFill>
-                  <a:schemeClr val="tx1"/>
-                </a:solidFill>
-                <a:latin typeface="DejaVu Sans Mono" panose="020B0609030804020204" pitchFamily="49" charset="0"/>
-                <a:cs typeface="DejaVu Sans Mono" panose="020B0609030804020204" pitchFamily="49" charset="0"/>
-              </a:rPr>
-              <a:t>init</a:t>
-            </a:r>
-            <a:r>
-              <a:rPr lang="en-US" altLang="ko-KR" sz="1200" dirty="0">
-                <a:solidFill>
-                  <a:schemeClr val="tx1"/>
-                </a:solidFill>
-                <a:latin typeface="DejaVu Sans Mono" panose="020B0609030804020204" pitchFamily="49" charset="0"/>
-                <a:cs typeface="DejaVu Sans Mono" panose="020B0609030804020204" pitchFamily="49" charset="0"/>
-              </a:rPr>
-              <a:t>__(self):</a:t>
-            </a:r>
-          </a:p>
-          <a:p>
-            <a:r>
-              <a:rPr lang="en-US" altLang="ko-KR" sz="1200" dirty="0">
-                <a:solidFill>
-                  <a:schemeClr val="tx1"/>
-                </a:solidFill>
-                <a:latin typeface="DejaVu Sans Mono" panose="020B0609030804020204" pitchFamily="49" charset="0"/>
-                <a:cs typeface="DejaVu Sans Mono" panose="020B0609030804020204" pitchFamily="49" charset="0"/>
-              </a:rPr>
-              <a:t>        super(C, self).__</a:t>
-            </a:r>
-            <a:r>
-              <a:rPr lang="en-US" altLang="ko-KR" sz="1200" dirty="0" err="1">
-                <a:solidFill>
-                  <a:schemeClr val="tx1"/>
-                </a:solidFill>
-                <a:latin typeface="DejaVu Sans Mono" panose="020B0609030804020204" pitchFamily="49" charset="0"/>
-                <a:cs typeface="DejaVu Sans Mono" panose="020B0609030804020204" pitchFamily="49" charset="0"/>
-              </a:rPr>
-              <a:t>init</a:t>
-            </a:r>
-            <a:r>
-              <a:rPr lang="en-US" altLang="ko-KR" sz="1200" dirty="0">
-                <a:solidFill>
-                  <a:schemeClr val="tx1"/>
-                </a:solidFill>
-                <a:latin typeface="DejaVu Sans Mono" panose="020B0609030804020204" pitchFamily="49" charset="0"/>
-                <a:cs typeface="DejaVu Sans Mono" panose="020B0609030804020204" pitchFamily="49" charset="0"/>
-              </a:rPr>
-              <a:t>__()</a:t>
-            </a:r>
-          </a:p>
-          <a:p>
-            <a:r>
-              <a:rPr lang="en-US" altLang="ko-KR" sz="1200" dirty="0">
-                <a:solidFill>
-                  <a:schemeClr val="tx1"/>
-                </a:solidFill>
-                <a:latin typeface="DejaVu Sans Mono" panose="020B0609030804020204" pitchFamily="49" charset="0"/>
-                <a:cs typeface="DejaVu Sans Mono" panose="020B0609030804020204" pitchFamily="49" charset="0"/>
-              </a:rPr>
-              <a:t>        print("C </a:t>
-            </a:r>
-            <a:r>
-              <a:rPr lang="ko-KR" altLang="en-US" sz="1200" dirty="0">
-                <a:solidFill>
-                  <a:schemeClr val="tx1"/>
-                </a:solidFill>
-                <a:latin typeface="DejaVu Sans Mono" panose="020B0609030804020204" pitchFamily="49" charset="0"/>
-                <a:cs typeface="DejaVu Sans Mono" panose="020B0609030804020204" pitchFamily="49" charset="0"/>
-              </a:rPr>
-              <a:t>클래스의 </a:t>
-            </a:r>
-            <a:r>
-              <a:rPr lang="ko-KR" altLang="en-US" sz="1200" dirty="0" err="1">
-                <a:solidFill>
-                  <a:schemeClr val="tx1"/>
-                </a:solidFill>
-                <a:latin typeface="DejaVu Sans Mono" panose="020B0609030804020204" pitchFamily="49" charset="0"/>
-                <a:cs typeface="DejaVu Sans Mono" panose="020B0609030804020204" pitchFamily="49" charset="0"/>
-              </a:rPr>
-              <a:t>생성자</a:t>
-            </a:r>
-            <a:r>
-              <a:rPr lang="ko-KR" altLang="en-US" sz="1200" dirty="0">
-                <a:solidFill>
-                  <a:schemeClr val="tx1"/>
-                </a:solidFill>
-                <a:latin typeface="DejaVu Sans Mono" panose="020B0609030804020204" pitchFamily="49" charset="0"/>
-                <a:cs typeface="DejaVu Sans Mono" panose="020B0609030804020204" pitchFamily="49" charset="0"/>
-              </a:rPr>
-              <a:t> 호출</a:t>
-            </a:r>
-            <a:r>
-              <a:rPr lang="en-US" altLang="ko-KR" sz="1200" dirty="0">
-                <a:solidFill>
-                  <a:schemeClr val="tx1"/>
-                </a:solidFill>
-                <a:latin typeface="DejaVu Sans Mono" panose="020B0609030804020204" pitchFamily="49" charset="0"/>
-                <a:cs typeface="DejaVu Sans Mono" panose="020B0609030804020204" pitchFamily="49" charset="0"/>
-              </a:rPr>
-              <a:t>!")</a:t>
-            </a:r>
-          </a:p>
-          <a:p>
-            <a:r>
-              <a:rPr lang="en-US" altLang="ko-KR" sz="1200" dirty="0">
-                <a:solidFill>
-                  <a:schemeClr val="tx1"/>
-                </a:solidFill>
-                <a:latin typeface="DejaVu Sans Mono" panose="020B0609030804020204" pitchFamily="49" charset="0"/>
-                <a:cs typeface="DejaVu Sans Mono" panose="020B0609030804020204" pitchFamily="49" charset="0"/>
-              </a:rPr>
-              <a:t>        </a:t>
-            </a:r>
-          </a:p>
-          <a:p>
-            <a:r>
-              <a:rPr lang="en-US" altLang="ko-KR" sz="1200" dirty="0">
-                <a:solidFill>
-                  <a:schemeClr val="tx1"/>
-                </a:solidFill>
-                <a:latin typeface="DejaVu Sans Mono" panose="020B0609030804020204" pitchFamily="49" charset="0"/>
-                <a:cs typeface="DejaVu Sans Mono" panose="020B0609030804020204" pitchFamily="49" charset="0"/>
-              </a:rPr>
-              <a:t>class D(B,C, object):</a:t>
-            </a:r>
-          </a:p>
-          <a:p>
-            <a:r>
-              <a:rPr lang="en-US" altLang="ko-KR" sz="1200" dirty="0">
-                <a:solidFill>
-                  <a:schemeClr val="tx1"/>
-                </a:solidFill>
-                <a:latin typeface="DejaVu Sans Mono" panose="020B0609030804020204" pitchFamily="49" charset="0"/>
-                <a:cs typeface="DejaVu Sans Mono" panose="020B0609030804020204" pitchFamily="49" charset="0"/>
-              </a:rPr>
-              <a:t>    </a:t>
-            </a:r>
-            <a:r>
-              <a:rPr lang="en-US" altLang="ko-KR" sz="1200" dirty="0" err="1">
-                <a:solidFill>
-                  <a:schemeClr val="tx1"/>
-                </a:solidFill>
-                <a:latin typeface="DejaVu Sans Mono" panose="020B0609030804020204" pitchFamily="49" charset="0"/>
-                <a:cs typeface="DejaVu Sans Mono" panose="020B0609030804020204" pitchFamily="49" charset="0"/>
-              </a:rPr>
-              <a:t>def</a:t>
-            </a:r>
-            <a:r>
-              <a:rPr lang="en-US" altLang="ko-KR" sz="1200" dirty="0">
-                <a:solidFill>
-                  <a:schemeClr val="tx1"/>
-                </a:solidFill>
-                <a:latin typeface="DejaVu Sans Mono" panose="020B0609030804020204" pitchFamily="49" charset="0"/>
-                <a:cs typeface="DejaVu Sans Mono" panose="020B0609030804020204" pitchFamily="49" charset="0"/>
-              </a:rPr>
-              <a:t> __</a:t>
-            </a:r>
-            <a:r>
-              <a:rPr lang="en-US" altLang="ko-KR" sz="1200" dirty="0" err="1">
-                <a:solidFill>
-                  <a:schemeClr val="tx1"/>
-                </a:solidFill>
-                <a:latin typeface="DejaVu Sans Mono" panose="020B0609030804020204" pitchFamily="49" charset="0"/>
-                <a:cs typeface="DejaVu Sans Mono" panose="020B0609030804020204" pitchFamily="49" charset="0"/>
-              </a:rPr>
-              <a:t>init</a:t>
-            </a:r>
-            <a:r>
-              <a:rPr lang="en-US" altLang="ko-KR" sz="1200" dirty="0">
-                <a:solidFill>
-                  <a:schemeClr val="tx1"/>
-                </a:solidFill>
-                <a:latin typeface="DejaVu Sans Mono" panose="020B0609030804020204" pitchFamily="49" charset="0"/>
-                <a:cs typeface="DejaVu Sans Mono" panose="020B0609030804020204" pitchFamily="49" charset="0"/>
-              </a:rPr>
-              <a:t>__(self):</a:t>
-            </a:r>
-          </a:p>
-          <a:p>
-            <a:r>
-              <a:rPr lang="en-US" altLang="ko-KR" sz="1200" dirty="0">
-                <a:solidFill>
-                  <a:schemeClr val="tx1"/>
-                </a:solidFill>
-                <a:latin typeface="DejaVu Sans Mono" panose="020B0609030804020204" pitchFamily="49" charset="0"/>
-                <a:cs typeface="DejaVu Sans Mono" panose="020B0609030804020204" pitchFamily="49" charset="0"/>
-              </a:rPr>
-              <a:t>        super(D, self).__</a:t>
-            </a:r>
-            <a:r>
-              <a:rPr lang="en-US" altLang="ko-KR" sz="1200" dirty="0" err="1">
-                <a:solidFill>
-                  <a:schemeClr val="tx1"/>
-                </a:solidFill>
-                <a:latin typeface="DejaVu Sans Mono" panose="020B0609030804020204" pitchFamily="49" charset="0"/>
-                <a:cs typeface="DejaVu Sans Mono" panose="020B0609030804020204" pitchFamily="49" charset="0"/>
-              </a:rPr>
-              <a:t>init</a:t>
-            </a:r>
-            <a:r>
-              <a:rPr lang="en-US" altLang="ko-KR" sz="1200" dirty="0">
-                <a:solidFill>
-                  <a:schemeClr val="tx1"/>
-                </a:solidFill>
-                <a:latin typeface="DejaVu Sans Mono" panose="020B0609030804020204" pitchFamily="49" charset="0"/>
-                <a:cs typeface="DejaVu Sans Mono" panose="020B0609030804020204" pitchFamily="49" charset="0"/>
-              </a:rPr>
-              <a:t>__()</a:t>
-            </a:r>
-          </a:p>
-          <a:p>
-            <a:r>
-              <a:rPr lang="en-US" altLang="ko-KR" sz="1200" dirty="0">
-                <a:solidFill>
-                  <a:schemeClr val="tx1"/>
-                </a:solidFill>
-                <a:latin typeface="DejaVu Sans Mono" panose="020B0609030804020204" pitchFamily="49" charset="0"/>
-                <a:cs typeface="DejaVu Sans Mono" panose="020B0609030804020204" pitchFamily="49" charset="0"/>
-              </a:rPr>
-              <a:t>        print("D </a:t>
-            </a:r>
-            <a:r>
-              <a:rPr lang="ko-KR" altLang="en-US" sz="1200" dirty="0">
-                <a:solidFill>
-                  <a:schemeClr val="tx1"/>
-                </a:solidFill>
-                <a:latin typeface="DejaVu Sans Mono" panose="020B0609030804020204" pitchFamily="49" charset="0"/>
-                <a:cs typeface="DejaVu Sans Mono" panose="020B0609030804020204" pitchFamily="49" charset="0"/>
-              </a:rPr>
-              <a:t>클래스의 </a:t>
-            </a:r>
-            <a:r>
-              <a:rPr lang="ko-KR" altLang="en-US" sz="1200" dirty="0" err="1">
-                <a:solidFill>
-                  <a:schemeClr val="tx1"/>
-                </a:solidFill>
-                <a:latin typeface="DejaVu Sans Mono" panose="020B0609030804020204" pitchFamily="49" charset="0"/>
-                <a:cs typeface="DejaVu Sans Mono" panose="020B0609030804020204" pitchFamily="49" charset="0"/>
-              </a:rPr>
-              <a:t>생성자</a:t>
-            </a:r>
-            <a:r>
-              <a:rPr lang="ko-KR" altLang="en-US" sz="1200" dirty="0">
-                <a:solidFill>
-                  <a:schemeClr val="tx1"/>
-                </a:solidFill>
-                <a:latin typeface="DejaVu Sans Mono" panose="020B0609030804020204" pitchFamily="49" charset="0"/>
-                <a:cs typeface="DejaVu Sans Mono" panose="020B0609030804020204" pitchFamily="49" charset="0"/>
-              </a:rPr>
-              <a:t> 호출</a:t>
-            </a:r>
-            <a:r>
-              <a:rPr lang="en-US" altLang="ko-KR" sz="1200" dirty="0">
-                <a:solidFill>
-                  <a:schemeClr val="tx1"/>
-                </a:solidFill>
-                <a:latin typeface="DejaVu Sans Mono" panose="020B0609030804020204" pitchFamily="49" charset="0"/>
-                <a:cs typeface="DejaVu Sans Mono" panose="020B0609030804020204" pitchFamily="49" charset="0"/>
-              </a:rPr>
-              <a:t>!")</a:t>
-            </a:r>
-          </a:p>
-          <a:p>
-            <a:r>
-              <a:rPr lang="en-US" altLang="ko-KR" sz="1200" dirty="0">
-                <a:solidFill>
-                  <a:schemeClr val="tx1"/>
-                </a:solidFill>
-                <a:latin typeface="DejaVu Sans Mono" panose="020B0609030804020204" pitchFamily="49" charset="0"/>
-                <a:cs typeface="DejaVu Sans Mono" panose="020B0609030804020204" pitchFamily="49" charset="0"/>
-              </a:rPr>
-              <a:t>        </a:t>
-            </a:r>
-          </a:p>
-          <a:p>
-            <a:r>
-              <a:rPr lang="en-US" altLang="ko-KR" sz="1200" dirty="0" err="1">
-                <a:solidFill>
-                  <a:schemeClr val="tx1"/>
-                </a:solidFill>
-                <a:latin typeface="DejaVu Sans Mono" panose="020B0609030804020204" pitchFamily="49" charset="0"/>
-                <a:cs typeface="DejaVu Sans Mono" panose="020B0609030804020204" pitchFamily="49" charset="0"/>
-              </a:rPr>
-              <a:t>objectD</a:t>
-            </a:r>
-            <a:r>
-              <a:rPr lang="en-US" altLang="ko-KR" sz="1200" dirty="0">
-                <a:solidFill>
-                  <a:schemeClr val="tx1"/>
-                </a:solidFill>
-                <a:latin typeface="DejaVu Sans Mono" panose="020B0609030804020204" pitchFamily="49" charset="0"/>
-                <a:cs typeface="DejaVu Sans Mono" panose="020B0609030804020204" pitchFamily="49" charset="0"/>
-              </a:rPr>
-              <a:t> = D</a:t>
-            </a:r>
-            <a:r>
-              <a:rPr lang="en-US" altLang="ko-KR" sz="1200" dirty="0" smtClean="0">
-                <a:solidFill>
-                  <a:schemeClr val="tx1"/>
-                </a:solidFill>
-                <a:latin typeface="DejaVu Sans Mono" panose="020B0609030804020204" pitchFamily="49" charset="0"/>
-                <a:cs typeface="DejaVu Sans Mono" panose="020B0609030804020204" pitchFamily="49" charset="0"/>
-              </a:rPr>
-              <a:t>()</a:t>
-            </a:r>
-          </a:p>
-          <a:p>
-            <a:r>
-              <a:rPr lang="en-US" altLang="ko-KR" sz="1200" dirty="0">
-                <a:solidFill>
-                  <a:schemeClr val="tx1"/>
-                </a:solidFill>
-                <a:latin typeface="DejaVu Sans Mono" panose="020B0609030804020204" pitchFamily="49" charset="0"/>
-                <a:cs typeface="DejaVu Sans Mono" panose="020B0609030804020204" pitchFamily="49" charset="0"/>
-              </a:rPr>
-              <a:t>A </a:t>
-            </a:r>
-            <a:r>
-              <a:rPr lang="ko-KR" altLang="en-US" sz="1200" dirty="0">
-                <a:solidFill>
-                  <a:schemeClr val="tx1"/>
-                </a:solidFill>
-                <a:latin typeface="DejaVu Sans Mono" panose="020B0609030804020204" pitchFamily="49" charset="0"/>
-                <a:cs typeface="DejaVu Sans Mono" panose="020B0609030804020204" pitchFamily="49" charset="0"/>
-              </a:rPr>
-              <a:t>클래스의 </a:t>
-            </a:r>
-            <a:r>
-              <a:rPr lang="ko-KR" altLang="en-US" sz="1200" dirty="0" err="1">
-                <a:solidFill>
-                  <a:schemeClr val="tx1"/>
-                </a:solidFill>
-                <a:latin typeface="DejaVu Sans Mono" panose="020B0609030804020204" pitchFamily="49" charset="0"/>
-                <a:cs typeface="DejaVu Sans Mono" panose="020B0609030804020204" pitchFamily="49" charset="0"/>
-              </a:rPr>
-              <a:t>생성자</a:t>
-            </a:r>
-            <a:r>
-              <a:rPr lang="ko-KR" altLang="en-US" sz="1200" dirty="0">
-                <a:solidFill>
-                  <a:schemeClr val="tx1"/>
-                </a:solidFill>
-                <a:latin typeface="DejaVu Sans Mono" panose="020B0609030804020204" pitchFamily="49" charset="0"/>
-                <a:cs typeface="DejaVu Sans Mono" panose="020B0609030804020204" pitchFamily="49" charset="0"/>
-              </a:rPr>
-              <a:t> 호출</a:t>
-            </a:r>
-            <a:r>
-              <a:rPr lang="en-US" altLang="ko-KR" sz="1200" dirty="0">
-                <a:solidFill>
-                  <a:schemeClr val="tx1"/>
-                </a:solidFill>
-                <a:latin typeface="DejaVu Sans Mono" panose="020B0609030804020204" pitchFamily="49" charset="0"/>
-                <a:cs typeface="DejaVu Sans Mono" panose="020B0609030804020204" pitchFamily="49" charset="0"/>
-              </a:rPr>
-              <a:t>!</a:t>
-            </a:r>
-          </a:p>
-          <a:p>
-            <a:r>
-              <a:rPr lang="en-US" altLang="ko-KR" sz="1200" dirty="0">
-                <a:solidFill>
-                  <a:schemeClr val="tx1"/>
-                </a:solidFill>
-                <a:latin typeface="DejaVu Sans Mono" panose="020B0609030804020204" pitchFamily="49" charset="0"/>
-                <a:cs typeface="DejaVu Sans Mono" panose="020B0609030804020204" pitchFamily="49" charset="0"/>
-              </a:rPr>
-              <a:t>C </a:t>
-            </a:r>
-            <a:r>
-              <a:rPr lang="ko-KR" altLang="en-US" sz="1200" dirty="0">
-                <a:solidFill>
-                  <a:schemeClr val="tx1"/>
-                </a:solidFill>
-                <a:latin typeface="DejaVu Sans Mono" panose="020B0609030804020204" pitchFamily="49" charset="0"/>
-                <a:cs typeface="DejaVu Sans Mono" panose="020B0609030804020204" pitchFamily="49" charset="0"/>
-              </a:rPr>
-              <a:t>클래스의 </a:t>
-            </a:r>
-            <a:r>
-              <a:rPr lang="ko-KR" altLang="en-US" sz="1200" dirty="0" err="1">
-                <a:solidFill>
-                  <a:schemeClr val="tx1"/>
-                </a:solidFill>
-                <a:latin typeface="DejaVu Sans Mono" panose="020B0609030804020204" pitchFamily="49" charset="0"/>
-                <a:cs typeface="DejaVu Sans Mono" panose="020B0609030804020204" pitchFamily="49" charset="0"/>
-              </a:rPr>
-              <a:t>생성자</a:t>
-            </a:r>
-            <a:r>
-              <a:rPr lang="ko-KR" altLang="en-US" sz="1200" dirty="0">
-                <a:solidFill>
-                  <a:schemeClr val="tx1"/>
-                </a:solidFill>
-                <a:latin typeface="DejaVu Sans Mono" panose="020B0609030804020204" pitchFamily="49" charset="0"/>
-                <a:cs typeface="DejaVu Sans Mono" panose="020B0609030804020204" pitchFamily="49" charset="0"/>
-              </a:rPr>
-              <a:t> 호출</a:t>
-            </a:r>
-            <a:r>
-              <a:rPr lang="en-US" altLang="ko-KR" sz="1200" dirty="0">
-                <a:solidFill>
-                  <a:schemeClr val="tx1"/>
-                </a:solidFill>
-                <a:latin typeface="DejaVu Sans Mono" panose="020B0609030804020204" pitchFamily="49" charset="0"/>
-                <a:cs typeface="DejaVu Sans Mono" panose="020B0609030804020204" pitchFamily="49" charset="0"/>
-              </a:rPr>
-              <a:t>!</a:t>
-            </a:r>
-          </a:p>
-          <a:p>
-            <a:r>
-              <a:rPr lang="en-US" altLang="ko-KR" sz="1200" dirty="0">
-                <a:solidFill>
-                  <a:schemeClr val="tx1"/>
-                </a:solidFill>
-                <a:latin typeface="DejaVu Sans Mono" panose="020B0609030804020204" pitchFamily="49" charset="0"/>
-                <a:cs typeface="DejaVu Sans Mono" panose="020B0609030804020204" pitchFamily="49" charset="0"/>
-              </a:rPr>
-              <a:t>B </a:t>
-            </a:r>
-            <a:r>
-              <a:rPr lang="ko-KR" altLang="en-US" sz="1200" dirty="0">
-                <a:solidFill>
-                  <a:schemeClr val="tx1"/>
-                </a:solidFill>
-                <a:latin typeface="DejaVu Sans Mono" panose="020B0609030804020204" pitchFamily="49" charset="0"/>
-                <a:cs typeface="DejaVu Sans Mono" panose="020B0609030804020204" pitchFamily="49" charset="0"/>
-              </a:rPr>
-              <a:t>클래스의 </a:t>
-            </a:r>
-            <a:r>
-              <a:rPr lang="ko-KR" altLang="en-US" sz="1200" dirty="0" err="1">
-                <a:solidFill>
-                  <a:schemeClr val="tx1"/>
-                </a:solidFill>
-                <a:latin typeface="DejaVu Sans Mono" panose="020B0609030804020204" pitchFamily="49" charset="0"/>
-                <a:cs typeface="DejaVu Sans Mono" panose="020B0609030804020204" pitchFamily="49" charset="0"/>
-              </a:rPr>
-              <a:t>생성자</a:t>
-            </a:r>
-            <a:r>
-              <a:rPr lang="ko-KR" altLang="en-US" sz="1200" dirty="0">
-                <a:solidFill>
-                  <a:schemeClr val="tx1"/>
-                </a:solidFill>
-                <a:latin typeface="DejaVu Sans Mono" panose="020B0609030804020204" pitchFamily="49" charset="0"/>
-                <a:cs typeface="DejaVu Sans Mono" panose="020B0609030804020204" pitchFamily="49" charset="0"/>
-              </a:rPr>
-              <a:t> 호출</a:t>
-            </a:r>
-            <a:r>
-              <a:rPr lang="en-US" altLang="ko-KR" sz="1200" dirty="0">
-                <a:solidFill>
-                  <a:schemeClr val="tx1"/>
-                </a:solidFill>
-                <a:latin typeface="DejaVu Sans Mono" panose="020B0609030804020204" pitchFamily="49" charset="0"/>
-                <a:cs typeface="DejaVu Sans Mono" panose="020B0609030804020204" pitchFamily="49" charset="0"/>
-              </a:rPr>
-              <a:t>!</a:t>
-            </a:r>
-          </a:p>
-          <a:p>
-            <a:r>
-              <a:rPr lang="en-US" altLang="ko-KR" sz="1200" dirty="0">
-                <a:solidFill>
-                  <a:schemeClr val="tx1"/>
-                </a:solidFill>
-                <a:latin typeface="DejaVu Sans Mono" panose="020B0609030804020204" pitchFamily="49" charset="0"/>
-                <a:cs typeface="DejaVu Sans Mono" panose="020B0609030804020204" pitchFamily="49" charset="0"/>
-              </a:rPr>
-              <a:t>D </a:t>
-            </a:r>
-            <a:r>
-              <a:rPr lang="ko-KR" altLang="en-US" sz="1200" dirty="0">
-                <a:solidFill>
-                  <a:schemeClr val="tx1"/>
-                </a:solidFill>
-                <a:latin typeface="DejaVu Sans Mono" panose="020B0609030804020204" pitchFamily="49" charset="0"/>
-                <a:cs typeface="DejaVu Sans Mono" panose="020B0609030804020204" pitchFamily="49" charset="0"/>
-              </a:rPr>
-              <a:t>클래스의 </a:t>
-            </a:r>
-            <a:r>
-              <a:rPr lang="ko-KR" altLang="en-US" sz="1200" dirty="0" err="1">
-                <a:solidFill>
-                  <a:schemeClr val="tx1"/>
-                </a:solidFill>
-                <a:latin typeface="DejaVu Sans Mono" panose="020B0609030804020204" pitchFamily="49" charset="0"/>
-                <a:cs typeface="DejaVu Sans Mono" panose="020B0609030804020204" pitchFamily="49" charset="0"/>
-              </a:rPr>
-              <a:t>생성자</a:t>
-            </a:r>
-            <a:r>
-              <a:rPr lang="ko-KR" altLang="en-US" sz="1200" dirty="0">
-                <a:solidFill>
-                  <a:schemeClr val="tx1"/>
-                </a:solidFill>
-                <a:latin typeface="DejaVu Sans Mono" panose="020B0609030804020204" pitchFamily="49" charset="0"/>
-                <a:cs typeface="DejaVu Sans Mono" panose="020B0609030804020204" pitchFamily="49" charset="0"/>
-              </a:rPr>
-              <a:t> 호출</a:t>
-            </a:r>
-            <a:r>
-              <a:rPr lang="en-US" altLang="ko-KR" sz="1200" dirty="0">
-                <a:solidFill>
-                  <a:schemeClr val="tx1"/>
-                </a:solidFill>
-                <a:latin typeface="DejaVu Sans Mono" panose="020B0609030804020204" pitchFamily="49" charset="0"/>
-                <a:cs typeface="DejaVu Sans Mono" panose="020B0609030804020204" pitchFamily="49" charset="0"/>
-              </a:rPr>
-              <a:t>!</a:t>
-            </a:r>
-          </a:p>
-          <a:p>
-            <a:endParaRPr lang="en-US" altLang="ko-KR" sz="1200" dirty="0" smtClean="0">
-              <a:solidFill>
-                <a:schemeClr val="tx1"/>
-              </a:solidFill>
-              <a:latin typeface="DejaVu Sans Mono" panose="020B0609030804020204" pitchFamily="49" charset="0"/>
-              <a:cs typeface="DejaVu Sans Mono" panose="020B0609030804020204" pitchFamily="49" charset="0"/>
-            </a:endParaRPr>
-          </a:p>
-          <a:p>
-            <a:r>
-              <a:rPr lang="en-US" altLang="ko-KR" sz="1200" dirty="0" smtClean="0">
-                <a:solidFill>
-                  <a:schemeClr val="tx1"/>
-                </a:solidFill>
-                <a:latin typeface="DejaVu Sans Mono" panose="020B0609030804020204" pitchFamily="49" charset="0"/>
-                <a:cs typeface="DejaVu Sans Mono" panose="020B0609030804020204" pitchFamily="49" charset="0"/>
-              </a:rPr>
-              <a:t># B</a:t>
-            </a:r>
-            <a:r>
-              <a:rPr lang="ko-KR" altLang="en-US" sz="1200" dirty="0" smtClean="0">
-                <a:solidFill>
-                  <a:schemeClr val="tx1"/>
-                </a:solidFill>
-                <a:latin typeface="DejaVu Sans Mono" panose="020B0609030804020204" pitchFamily="49" charset="0"/>
-                <a:cs typeface="DejaVu Sans Mono" panose="020B0609030804020204" pitchFamily="49" charset="0"/>
-              </a:rPr>
-              <a:t>와 </a:t>
-            </a:r>
-            <a:r>
-              <a:rPr lang="en-US" altLang="ko-KR" sz="1200" dirty="0" smtClean="0">
-                <a:solidFill>
-                  <a:schemeClr val="tx1"/>
-                </a:solidFill>
-                <a:latin typeface="DejaVu Sans Mono" panose="020B0609030804020204" pitchFamily="49" charset="0"/>
-                <a:cs typeface="DejaVu Sans Mono" panose="020B0609030804020204" pitchFamily="49" charset="0"/>
-              </a:rPr>
-              <a:t>C</a:t>
-            </a:r>
-            <a:r>
-              <a:rPr lang="ko-KR" altLang="en-US" sz="1200" dirty="0" smtClean="0">
-                <a:solidFill>
-                  <a:schemeClr val="tx1"/>
-                </a:solidFill>
-                <a:latin typeface="DejaVu Sans Mono" panose="020B0609030804020204" pitchFamily="49" charset="0"/>
-                <a:cs typeface="DejaVu Sans Mono" panose="020B0609030804020204" pitchFamily="49" charset="0"/>
-              </a:rPr>
-              <a:t>클래스가 </a:t>
-            </a:r>
-            <a:r>
-              <a:rPr lang="en-US" altLang="ko-KR" sz="1200" dirty="0" smtClean="0">
-                <a:solidFill>
-                  <a:schemeClr val="tx1"/>
-                </a:solidFill>
-                <a:latin typeface="DejaVu Sans Mono" panose="020B0609030804020204" pitchFamily="49" charset="0"/>
-                <a:cs typeface="DejaVu Sans Mono" panose="020B0609030804020204" pitchFamily="49" charset="0"/>
-              </a:rPr>
-              <a:t>A</a:t>
-            </a:r>
-            <a:r>
-              <a:rPr lang="ko-KR" altLang="en-US" sz="1200" dirty="0" smtClean="0">
-                <a:solidFill>
-                  <a:schemeClr val="tx1"/>
-                </a:solidFill>
-                <a:latin typeface="DejaVu Sans Mono" panose="020B0609030804020204" pitchFamily="49" charset="0"/>
-                <a:cs typeface="DejaVu Sans Mono" panose="020B0609030804020204" pitchFamily="49" charset="0"/>
-              </a:rPr>
-              <a:t>클래스의 자식인 것을 생각하여 인터프리터가 </a:t>
-            </a:r>
-            <a:r>
-              <a:rPr lang="en-US" altLang="ko-KR" sz="1200" dirty="0" smtClean="0">
-                <a:solidFill>
-                  <a:schemeClr val="tx1"/>
-                </a:solidFill>
-                <a:latin typeface="DejaVu Sans Mono" panose="020B0609030804020204" pitchFamily="49" charset="0"/>
-                <a:cs typeface="DejaVu Sans Mono" panose="020B0609030804020204" pitchFamily="49" charset="0"/>
-              </a:rPr>
-              <a:t>A</a:t>
-            </a:r>
-            <a:r>
-              <a:rPr lang="ko-KR" altLang="en-US" sz="1200" dirty="0" smtClean="0">
-                <a:solidFill>
-                  <a:schemeClr val="tx1"/>
-                </a:solidFill>
-                <a:latin typeface="DejaVu Sans Mono" panose="020B0609030804020204" pitchFamily="49" charset="0"/>
-                <a:cs typeface="DejaVu Sans Mono" panose="020B0609030804020204" pitchFamily="49" charset="0"/>
-              </a:rPr>
-              <a:t>클래스의 생성자가 두 번 호출되는 것을 막는 방법이다</a:t>
-            </a:r>
-            <a:r>
-              <a:rPr lang="en-US" altLang="ko-KR" sz="1200" dirty="0" smtClean="0">
-                <a:solidFill>
-                  <a:schemeClr val="tx1"/>
-                </a:solidFill>
-                <a:latin typeface="DejaVu Sans Mono" panose="020B0609030804020204" pitchFamily="49" charset="0"/>
-                <a:cs typeface="DejaVu Sans Mono" panose="020B0609030804020204" pitchFamily="49" charset="0"/>
-              </a:rPr>
-              <a:t>.</a:t>
-            </a:r>
-            <a:endParaRPr lang="ko-KR" altLang="en-US" sz="1200" dirty="0">
-              <a:solidFill>
-                <a:schemeClr val="tx1"/>
-              </a:solidFill>
-              <a:latin typeface="DejaVu Sans Mono" panose="020B0609030804020204" pitchFamily="49" charset="0"/>
-              <a:cs typeface="DejaVu Sans Mono" panose="020B0609030804020204" pitchFamily="49" charset="0"/>
-            </a:endParaRPr>
-          </a:p>
-        </p:txBody>
-      </p:sp>
-    </p:spTree>
-    <p:extLst>
-      <p:ext uri="{BB962C8B-B14F-4D97-AF65-F5344CB8AC3E}">
-        <p14:creationId xmlns:p14="http://schemas.microsoft.com/office/powerpoint/2010/main" val="848569600"/>
-      </p:ext>
-    </p:extLst>
-  </p:cSld>
-  <p:clrMapOvr>
-    <a:masterClrMapping/>
-  </p:clrMapOvr>
 </p:sld>
 </file>
 
